--- a/MS Powerpoint/Presentation Organisational Charts.pptx
+++ b/MS Powerpoint/Presentation Organisational Charts.pptx
@@ -893,7 +893,7 @@
 <dgm:dataModel xmlns:dgm="http://schemas.openxmlformats.org/drawingml/2006/diagram" xmlns:a="http://schemas.openxmlformats.org/drawingml/2006/main">
   <dgm:ptLst>
     <dgm:pt modelId="{BCE8F335-61B9-4F1E-8209-9850F3840DB5}" type="doc">
-      <dgm:prSet loTypeId="urn:microsoft.com/office/officeart/2005/8/layout/orgChart1" loCatId="hierarchy" qsTypeId="urn:microsoft.com/office/officeart/2005/8/quickstyle/3d5" qsCatId="3D" csTypeId="urn:microsoft.com/office/officeart/2005/8/colors/colorful4" csCatId="colorful" phldr="1"/>
+      <dgm:prSet loTypeId="urn:microsoft.com/office/officeart/2005/8/layout/orgChart1" loCatId="hierarchy" qsTypeId="urn:microsoft.com/office/officeart/2005/8/quickstyle/simple5" qsCatId="simple" csTypeId="urn:microsoft.com/office/officeart/2005/8/colors/colorful4" csCatId="colorful" phldr="1"/>
       <dgm:spPr/>
       <dgm:t>
         <a:bodyPr/>
@@ -1692,6 +1692,13 @@
         </dgm:presLayoutVars>
       </dgm:prSet>
       <dgm:spPr/>
+      <dgm:t>
+        <a:bodyPr/>
+        <a:lstStyle/>
+        <a:p>
+          <a:endParaRPr lang="en-IN"/>
+        </a:p>
+      </dgm:t>
     </dgm:pt>
     <dgm:pt modelId="{6730400B-776D-4B54-8662-1E2DDEEBB5C2}" type="pres">
       <dgm:prSet presAssocID="{60B530E3-5327-406D-90E0-54C167D794D5}" presName="hierRoot1" presStyleCnt="0">
@@ -1700,10 +1707,24 @@
         </dgm:presLayoutVars>
       </dgm:prSet>
       <dgm:spPr/>
+      <dgm:t>
+        <a:bodyPr/>
+        <a:lstStyle/>
+        <a:p>
+          <a:endParaRPr lang="en-IN"/>
+        </a:p>
+      </dgm:t>
     </dgm:pt>
     <dgm:pt modelId="{C929DE5E-18D0-4A81-BDB0-DA8BC7001F55}" type="pres">
       <dgm:prSet presAssocID="{60B530E3-5327-406D-90E0-54C167D794D5}" presName="rootComposite1" presStyleCnt="0"/>
       <dgm:spPr/>
+      <dgm:t>
+        <a:bodyPr/>
+        <a:lstStyle/>
+        <a:p>
+          <a:endParaRPr lang="en-IN"/>
+        </a:p>
+      </dgm:t>
     </dgm:pt>
     <dgm:pt modelId="{C62192D6-5420-4789-BF09-5CDEBC920BB8}" type="pres">
       <dgm:prSet presAssocID="{60B530E3-5327-406D-90E0-54C167D794D5}" presName="rootText1" presStyleLbl="node0" presStyleIdx="0" presStyleCnt="1">
@@ -1711,7 +1732,11 @@
           <dgm:chPref val="3"/>
         </dgm:presLayoutVars>
       </dgm:prSet>
-      <dgm:spPr/>
+      <dgm:spPr>
+        <a:prstGeom prst="ellipseRibbon">
+          <a:avLst/>
+        </a:prstGeom>
+      </dgm:spPr>
       <dgm:t>
         <a:bodyPr/>
         <a:lstStyle/>
@@ -1723,18 +1748,46 @@
     <dgm:pt modelId="{C504C74F-F6ED-447F-93A8-A5F7EA06663C}" type="pres">
       <dgm:prSet presAssocID="{60B530E3-5327-406D-90E0-54C167D794D5}" presName="rootConnector1" presStyleLbl="node1" presStyleIdx="0" presStyleCnt="0"/>
       <dgm:spPr/>
+      <dgm:t>
+        <a:bodyPr/>
+        <a:lstStyle/>
+        <a:p>
+          <a:endParaRPr lang="en-IN"/>
+        </a:p>
+      </dgm:t>
     </dgm:pt>
     <dgm:pt modelId="{7077E794-DC4B-4630-BA01-0D8CC4F71167}" type="pres">
       <dgm:prSet presAssocID="{60B530E3-5327-406D-90E0-54C167D794D5}" presName="hierChild2" presStyleCnt="0"/>
       <dgm:spPr/>
+      <dgm:t>
+        <a:bodyPr/>
+        <a:lstStyle/>
+        <a:p>
+          <a:endParaRPr lang="en-IN"/>
+        </a:p>
+      </dgm:t>
     </dgm:pt>
     <dgm:pt modelId="{C0C2EF59-5547-4D3A-B0A0-EF421119B676}" type="pres">
       <dgm:prSet presAssocID="{60B530E3-5327-406D-90E0-54C167D794D5}" presName="hierChild3" presStyleCnt="0"/>
       <dgm:spPr/>
+      <dgm:t>
+        <a:bodyPr/>
+        <a:lstStyle/>
+        <a:p>
+          <a:endParaRPr lang="en-IN"/>
+        </a:p>
+      </dgm:t>
     </dgm:pt>
     <dgm:pt modelId="{8DB73682-E5AC-470E-8C11-B627E9570F6B}" type="pres">
       <dgm:prSet presAssocID="{5664A7A9-ED73-41F1-B5FB-DF8427CD1B24}" presName="Name111" presStyleLbl="parChTrans1D2" presStyleIdx="0" presStyleCnt="2"/>
       <dgm:spPr/>
+      <dgm:t>
+        <a:bodyPr/>
+        <a:lstStyle/>
+        <a:p>
+          <a:endParaRPr lang="en-IN"/>
+        </a:p>
+      </dgm:t>
     </dgm:pt>
     <dgm:pt modelId="{95D2C0FF-B6DF-46EA-ADAC-21413B2D8418}" type="pres">
       <dgm:prSet presAssocID="{B8C5EDC1-AD8E-45ED-8F04-D936FEB9ED73}" presName="hierRoot3" presStyleCnt="0">
@@ -1743,10 +1796,24 @@
         </dgm:presLayoutVars>
       </dgm:prSet>
       <dgm:spPr/>
+      <dgm:t>
+        <a:bodyPr/>
+        <a:lstStyle/>
+        <a:p>
+          <a:endParaRPr lang="en-IN"/>
+        </a:p>
+      </dgm:t>
     </dgm:pt>
     <dgm:pt modelId="{3BB5BC3A-5D4E-4129-A085-934A7525952F}" type="pres">
       <dgm:prSet presAssocID="{B8C5EDC1-AD8E-45ED-8F04-D936FEB9ED73}" presName="rootComposite3" presStyleCnt="0"/>
       <dgm:spPr/>
+      <dgm:t>
+        <a:bodyPr/>
+        <a:lstStyle/>
+        <a:p>
+          <a:endParaRPr lang="en-IN"/>
+        </a:p>
+      </dgm:t>
     </dgm:pt>
     <dgm:pt modelId="{4FAD18DB-5074-4695-ABA0-9DB8639B8B99}" type="pres">
       <dgm:prSet presAssocID="{B8C5EDC1-AD8E-45ED-8F04-D936FEB9ED73}" presName="rootText3" presStyleLbl="asst1" presStyleIdx="0" presStyleCnt="2">
@@ -1754,19 +1821,51 @@
           <dgm:chPref val="3"/>
         </dgm:presLayoutVars>
       </dgm:prSet>
-      <dgm:spPr/>
+      <dgm:spPr>
+        <a:prstGeom prst="flowChartPunchedTape">
+          <a:avLst/>
+        </a:prstGeom>
+      </dgm:spPr>
+      <dgm:t>
+        <a:bodyPr/>
+        <a:lstStyle/>
+        <a:p>
+          <a:endParaRPr lang="en-IN"/>
+        </a:p>
+      </dgm:t>
     </dgm:pt>
     <dgm:pt modelId="{4C353873-5FCB-4CAF-AB36-847CF82E5C18}" type="pres">
       <dgm:prSet presAssocID="{B8C5EDC1-AD8E-45ED-8F04-D936FEB9ED73}" presName="rootConnector3" presStyleLbl="asst1" presStyleIdx="0" presStyleCnt="2"/>
       <dgm:spPr/>
+      <dgm:t>
+        <a:bodyPr/>
+        <a:lstStyle/>
+        <a:p>
+          <a:endParaRPr lang="en-IN"/>
+        </a:p>
+      </dgm:t>
     </dgm:pt>
     <dgm:pt modelId="{1C31F84A-7106-4DB1-9A62-3F0553907640}" type="pres">
       <dgm:prSet presAssocID="{B8C5EDC1-AD8E-45ED-8F04-D936FEB9ED73}" presName="hierChild6" presStyleCnt="0"/>
       <dgm:spPr/>
+      <dgm:t>
+        <a:bodyPr/>
+        <a:lstStyle/>
+        <a:p>
+          <a:endParaRPr lang="en-IN"/>
+        </a:p>
+      </dgm:t>
     </dgm:pt>
     <dgm:pt modelId="{D8AF2226-FA61-4DAC-89C4-CCE33B998FED}" type="pres">
       <dgm:prSet presAssocID="{604D2F2B-2A5C-45DA-8ECD-CC43ACFAA9E5}" presName="Name35" presStyleLbl="parChTrans1D3" presStyleIdx="0" presStyleCnt="4"/>
       <dgm:spPr/>
+      <dgm:t>
+        <a:bodyPr/>
+        <a:lstStyle/>
+        <a:p>
+          <a:endParaRPr lang="en-IN"/>
+        </a:p>
+      </dgm:t>
     </dgm:pt>
     <dgm:pt modelId="{9F5EA4E6-DC19-4159-AAB5-AF1DB79D708D}" type="pres">
       <dgm:prSet presAssocID="{98DFC53C-C712-4C24-BA1F-6F9A861BF071}" presName="hierRoot2" presStyleCnt="0">
@@ -1775,10 +1874,24 @@
         </dgm:presLayoutVars>
       </dgm:prSet>
       <dgm:spPr/>
+      <dgm:t>
+        <a:bodyPr/>
+        <a:lstStyle/>
+        <a:p>
+          <a:endParaRPr lang="en-IN"/>
+        </a:p>
+      </dgm:t>
     </dgm:pt>
     <dgm:pt modelId="{0063952E-7762-4599-875B-FEA40B728FB1}" type="pres">
       <dgm:prSet presAssocID="{98DFC53C-C712-4C24-BA1F-6F9A861BF071}" presName="rootComposite" presStyleCnt="0"/>
       <dgm:spPr/>
+      <dgm:t>
+        <a:bodyPr/>
+        <a:lstStyle/>
+        <a:p>
+          <a:endParaRPr lang="en-IN"/>
+        </a:p>
+      </dgm:t>
     </dgm:pt>
     <dgm:pt modelId="{0BC8053C-FFB2-45D9-AABA-9FB695233B05}" type="pres">
       <dgm:prSet presAssocID="{98DFC53C-C712-4C24-BA1F-6F9A861BF071}" presName="rootText" presStyleLbl="node3" presStyleIdx="0" presStyleCnt="4">
@@ -1786,7 +1899,11 @@
           <dgm:chPref val="3"/>
         </dgm:presLayoutVars>
       </dgm:prSet>
-      <dgm:spPr/>
+      <dgm:spPr>
+        <a:prstGeom prst="ellipse">
+          <a:avLst/>
+        </a:prstGeom>
+      </dgm:spPr>
       <dgm:t>
         <a:bodyPr/>
         <a:lstStyle/>
@@ -1798,14 +1915,35 @@
     <dgm:pt modelId="{395BFB63-7935-4D09-8A49-55226A7D5C49}" type="pres">
       <dgm:prSet presAssocID="{98DFC53C-C712-4C24-BA1F-6F9A861BF071}" presName="rootConnector" presStyleLbl="node3" presStyleIdx="0" presStyleCnt="4"/>
       <dgm:spPr/>
+      <dgm:t>
+        <a:bodyPr/>
+        <a:lstStyle/>
+        <a:p>
+          <a:endParaRPr lang="en-IN"/>
+        </a:p>
+      </dgm:t>
     </dgm:pt>
     <dgm:pt modelId="{D354D1E2-031A-4784-8125-DEAC48B87439}" type="pres">
       <dgm:prSet presAssocID="{98DFC53C-C712-4C24-BA1F-6F9A861BF071}" presName="hierChild4" presStyleCnt="0"/>
       <dgm:spPr/>
+      <dgm:t>
+        <a:bodyPr/>
+        <a:lstStyle/>
+        <a:p>
+          <a:endParaRPr lang="en-IN"/>
+        </a:p>
+      </dgm:t>
     </dgm:pt>
     <dgm:pt modelId="{F7C6C2C3-B5F3-4398-91F3-16F9E3585321}" type="pres">
       <dgm:prSet presAssocID="{5CB685D3-4AB8-4431-9D88-659AB891F668}" presName="Name37" presStyleLbl="parChTrans1D4" presStyleIdx="0" presStyleCnt="14"/>
       <dgm:spPr/>
+      <dgm:t>
+        <a:bodyPr/>
+        <a:lstStyle/>
+        <a:p>
+          <a:endParaRPr lang="en-IN"/>
+        </a:p>
+      </dgm:t>
     </dgm:pt>
     <dgm:pt modelId="{6BF21317-7E1A-4040-89CD-A551FC6D5669}" type="pres">
       <dgm:prSet presAssocID="{35ED4473-9168-4805-986B-17BEE872FD54}" presName="hierRoot2" presStyleCnt="0">
@@ -1814,10 +1952,24 @@
         </dgm:presLayoutVars>
       </dgm:prSet>
       <dgm:spPr/>
+      <dgm:t>
+        <a:bodyPr/>
+        <a:lstStyle/>
+        <a:p>
+          <a:endParaRPr lang="en-IN"/>
+        </a:p>
+      </dgm:t>
     </dgm:pt>
     <dgm:pt modelId="{C8588291-2A13-4154-AB18-D01192011717}" type="pres">
       <dgm:prSet presAssocID="{35ED4473-9168-4805-986B-17BEE872FD54}" presName="rootComposite" presStyleCnt="0"/>
       <dgm:spPr/>
+      <dgm:t>
+        <a:bodyPr/>
+        <a:lstStyle/>
+        <a:p>
+          <a:endParaRPr lang="en-IN"/>
+        </a:p>
+      </dgm:t>
     </dgm:pt>
     <dgm:pt modelId="{06FDB666-FFE8-4D26-95C6-06E730B4551A}" type="pres">
       <dgm:prSet presAssocID="{35ED4473-9168-4805-986B-17BEE872FD54}" presName="rootText" presStyleLbl="node4" presStyleIdx="0" presStyleCnt="14">
@@ -1826,22 +1978,57 @@
         </dgm:presLayoutVars>
       </dgm:prSet>
       <dgm:spPr/>
+      <dgm:t>
+        <a:bodyPr/>
+        <a:lstStyle/>
+        <a:p>
+          <a:endParaRPr lang="en-IN"/>
+        </a:p>
+      </dgm:t>
     </dgm:pt>
     <dgm:pt modelId="{FC544B72-B1B0-49B8-BFF6-606AEA523274}" type="pres">
       <dgm:prSet presAssocID="{35ED4473-9168-4805-986B-17BEE872FD54}" presName="rootConnector" presStyleLbl="node4" presStyleIdx="0" presStyleCnt="14"/>
       <dgm:spPr/>
+      <dgm:t>
+        <a:bodyPr/>
+        <a:lstStyle/>
+        <a:p>
+          <a:endParaRPr lang="en-IN"/>
+        </a:p>
+      </dgm:t>
     </dgm:pt>
     <dgm:pt modelId="{FB9F96EC-E96E-41FB-A1EF-FA33AB9C129B}" type="pres">
       <dgm:prSet presAssocID="{35ED4473-9168-4805-986B-17BEE872FD54}" presName="hierChild4" presStyleCnt="0"/>
       <dgm:spPr/>
+      <dgm:t>
+        <a:bodyPr/>
+        <a:lstStyle/>
+        <a:p>
+          <a:endParaRPr lang="en-IN"/>
+        </a:p>
+      </dgm:t>
     </dgm:pt>
     <dgm:pt modelId="{03DD5BE9-0013-4EB0-A03B-9AF38653E85D}" type="pres">
       <dgm:prSet presAssocID="{35ED4473-9168-4805-986B-17BEE872FD54}" presName="hierChild5" presStyleCnt="0"/>
       <dgm:spPr/>
+      <dgm:t>
+        <a:bodyPr/>
+        <a:lstStyle/>
+        <a:p>
+          <a:endParaRPr lang="en-IN"/>
+        </a:p>
+      </dgm:t>
     </dgm:pt>
     <dgm:pt modelId="{34932DF9-D2F3-49E4-95AA-CD74BC0A2F01}" type="pres">
       <dgm:prSet presAssocID="{CA4EF7B6-94C7-4BA4-A888-B0247EDCF8E2}" presName="Name37" presStyleLbl="parChTrans1D4" presStyleIdx="1" presStyleCnt="14"/>
       <dgm:spPr/>
+      <dgm:t>
+        <a:bodyPr/>
+        <a:lstStyle/>
+        <a:p>
+          <a:endParaRPr lang="en-IN"/>
+        </a:p>
+      </dgm:t>
     </dgm:pt>
     <dgm:pt modelId="{F0A125AC-F0CD-426E-9185-DA4614C0A8E6}" type="pres">
       <dgm:prSet presAssocID="{5635B0BC-C7AF-4120-A112-775CA4D12C04}" presName="hierRoot2" presStyleCnt="0">
@@ -1850,10 +2037,24 @@
         </dgm:presLayoutVars>
       </dgm:prSet>
       <dgm:spPr/>
+      <dgm:t>
+        <a:bodyPr/>
+        <a:lstStyle/>
+        <a:p>
+          <a:endParaRPr lang="en-IN"/>
+        </a:p>
+      </dgm:t>
     </dgm:pt>
     <dgm:pt modelId="{BA5B4CDA-0D75-4881-81ED-BBEF0111D241}" type="pres">
       <dgm:prSet presAssocID="{5635B0BC-C7AF-4120-A112-775CA4D12C04}" presName="rootComposite" presStyleCnt="0"/>
       <dgm:spPr/>
+      <dgm:t>
+        <a:bodyPr/>
+        <a:lstStyle/>
+        <a:p>
+          <a:endParaRPr lang="en-IN"/>
+        </a:p>
+      </dgm:t>
     </dgm:pt>
     <dgm:pt modelId="{BA2D007C-531A-496B-BED9-7B1D36423921}" type="pres">
       <dgm:prSet presAssocID="{5635B0BC-C7AF-4120-A112-775CA4D12C04}" presName="rootText" presStyleLbl="node4" presStyleIdx="1" presStyleCnt="14">
@@ -1862,22 +2063,57 @@
         </dgm:presLayoutVars>
       </dgm:prSet>
       <dgm:spPr/>
+      <dgm:t>
+        <a:bodyPr/>
+        <a:lstStyle/>
+        <a:p>
+          <a:endParaRPr lang="en-IN"/>
+        </a:p>
+      </dgm:t>
     </dgm:pt>
     <dgm:pt modelId="{FF8AE262-9002-45B2-AB53-8458A529265E}" type="pres">
       <dgm:prSet presAssocID="{5635B0BC-C7AF-4120-A112-775CA4D12C04}" presName="rootConnector" presStyleLbl="node4" presStyleIdx="1" presStyleCnt="14"/>
       <dgm:spPr/>
+      <dgm:t>
+        <a:bodyPr/>
+        <a:lstStyle/>
+        <a:p>
+          <a:endParaRPr lang="en-IN"/>
+        </a:p>
+      </dgm:t>
     </dgm:pt>
     <dgm:pt modelId="{94BD61F3-041A-4F21-89D5-596FB313A8D8}" type="pres">
       <dgm:prSet presAssocID="{5635B0BC-C7AF-4120-A112-775CA4D12C04}" presName="hierChild4" presStyleCnt="0"/>
       <dgm:spPr/>
+      <dgm:t>
+        <a:bodyPr/>
+        <a:lstStyle/>
+        <a:p>
+          <a:endParaRPr lang="en-IN"/>
+        </a:p>
+      </dgm:t>
     </dgm:pt>
     <dgm:pt modelId="{8A464841-AB2F-4E75-AED0-3CC9F39FA6F0}" type="pres">
       <dgm:prSet presAssocID="{5635B0BC-C7AF-4120-A112-775CA4D12C04}" presName="hierChild5" presStyleCnt="0"/>
       <dgm:spPr/>
+      <dgm:t>
+        <a:bodyPr/>
+        <a:lstStyle/>
+        <a:p>
+          <a:endParaRPr lang="en-IN"/>
+        </a:p>
+      </dgm:t>
     </dgm:pt>
     <dgm:pt modelId="{92506785-A361-40C2-9B72-2E97B90CAB54}" type="pres">
       <dgm:prSet presAssocID="{C54DCB2A-33C6-4E94-B77D-2F3179409A03}" presName="Name37" presStyleLbl="parChTrans1D4" presStyleIdx="2" presStyleCnt="14"/>
       <dgm:spPr/>
+      <dgm:t>
+        <a:bodyPr/>
+        <a:lstStyle/>
+        <a:p>
+          <a:endParaRPr lang="en-IN"/>
+        </a:p>
+      </dgm:t>
     </dgm:pt>
     <dgm:pt modelId="{900E0A1C-EBB2-4283-A441-83883691EC02}" type="pres">
       <dgm:prSet presAssocID="{C4F96898-197C-4912-9457-63585C09CC32}" presName="hierRoot2" presStyleCnt="0">
@@ -1886,10 +2122,24 @@
         </dgm:presLayoutVars>
       </dgm:prSet>
       <dgm:spPr/>
+      <dgm:t>
+        <a:bodyPr/>
+        <a:lstStyle/>
+        <a:p>
+          <a:endParaRPr lang="en-IN"/>
+        </a:p>
+      </dgm:t>
     </dgm:pt>
     <dgm:pt modelId="{3903C2E4-417F-477B-9D7F-1C521D44F614}" type="pres">
       <dgm:prSet presAssocID="{C4F96898-197C-4912-9457-63585C09CC32}" presName="rootComposite" presStyleCnt="0"/>
       <dgm:spPr/>
+      <dgm:t>
+        <a:bodyPr/>
+        <a:lstStyle/>
+        <a:p>
+          <a:endParaRPr lang="en-IN"/>
+        </a:p>
+      </dgm:t>
     </dgm:pt>
     <dgm:pt modelId="{B586195B-2976-4D63-B969-A04327C2B3F0}" type="pres">
       <dgm:prSet presAssocID="{C4F96898-197C-4912-9457-63585C09CC32}" presName="rootText" presStyleLbl="node4" presStyleIdx="2" presStyleCnt="14">
@@ -1898,22 +2148,57 @@
         </dgm:presLayoutVars>
       </dgm:prSet>
       <dgm:spPr/>
+      <dgm:t>
+        <a:bodyPr/>
+        <a:lstStyle/>
+        <a:p>
+          <a:endParaRPr lang="en-IN"/>
+        </a:p>
+      </dgm:t>
     </dgm:pt>
     <dgm:pt modelId="{BCF2178C-9233-4668-B39E-CF4B18917E51}" type="pres">
       <dgm:prSet presAssocID="{C4F96898-197C-4912-9457-63585C09CC32}" presName="rootConnector" presStyleLbl="node4" presStyleIdx="2" presStyleCnt="14"/>
       <dgm:spPr/>
+      <dgm:t>
+        <a:bodyPr/>
+        <a:lstStyle/>
+        <a:p>
+          <a:endParaRPr lang="en-IN"/>
+        </a:p>
+      </dgm:t>
     </dgm:pt>
     <dgm:pt modelId="{A6AD453F-1FAB-4704-B6A6-F579935CB681}" type="pres">
       <dgm:prSet presAssocID="{C4F96898-197C-4912-9457-63585C09CC32}" presName="hierChild4" presStyleCnt="0"/>
       <dgm:spPr/>
+      <dgm:t>
+        <a:bodyPr/>
+        <a:lstStyle/>
+        <a:p>
+          <a:endParaRPr lang="en-IN"/>
+        </a:p>
+      </dgm:t>
     </dgm:pt>
     <dgm:pt modelId="{E0CBE835-194D-4D24-8E9A-42C4919EC425}" type="pres">
       <dgm:prSet presAssocID="{C4F96898-197C-4912-9457-63585C09CC32}" presName="hierChild5" presStyleCnt="0"/>
       <dgm:spPr/>
+      <dgm:t>
+        <a:bodyPr/>
+        <a:lstStyle/>
+        <a:p>
+          <a:endParaRPr lang="en-IN"/>
+        </a:p>
+      </dgm:t>
     </dgm:pt>
     <dgm:pt modelId="{285D5F92-2C2B-4729-AE3D-B9D65D4866F3}" type="pres">
       <dgm:prSet presAssocID="{EA2D3783-3BB0-4246-8518-1CDCD66345B3}" presName="Name37" presStyleLbl="parChTrans1D4" presStyleIdx="3" presStyleCnt="14"/>
       <dgm:spPr/>
+      <dgm:t>
+        <a:bodyPr/>
+        <a:lstStyle/>
+        <a:p>
+          <a:endParaRPr lang="en-IN"/>
+        </a:p>
+      </dgm:t>
     </dgm:pt>
     <dgm:pt modelId="{D53AFD93-017F-46DA-BAC0-C24916B5EE14}" type="pres">
       <dgm:prSet presAssocID="{A2EE7EFC-492E-41E7-908B-5BAF0831E831}" presName="hierRoot2" presStyleCnt="0">
@@ -1922,10 +2207,24 @@
         </dgm:presLayoutVars>
       </dgm:prSet>
       <dgm:spPr/>
+      <dgm:t>
+        <a:bodyPr/>
+        <a:lstStyle/>
+        <a:p>
+          <a:endParaRPr lang="en-IN"/>
+        </a:p>
+      </dgm:t>
     </dgm:pt>
     <dgm:pt modelId="{7D0AC0A5-DB30-4D38-8976-10C947D2BA26}" type="pres">
       <dgm:prSet presAssocID="{A2EE7EFC-492E-41E7-908B-5BAF0831E831}" presName="rootComposite" presStyleCnt="0"/>
       <dgm:spPr/>
+      <dgm:t>
+        <a:bodyPr/>
+        <a:lstStyle/>
+        <a:p>
+          <a:endParaRPr lang="en-IN"/>
+        </a:p>
+      </dgm:t>
     </dgm:pt>
     <dgm:pt modelId="{097112E5-6B00-4C8A-B3CD-EF78A41B74CE}" type="pres">
       <dgm:prSet presAssocID="{A2EE7EFC-492E-41E7-908B-5BAF0831E831}" presName="rootText" presStyleLbl="node4" presStyleIdx="3" presStyleCnt="14">
@@ -1945,18 +2244,46 @@
     <dgm:pt modelId="{B97BC269-AE63-4329-8957-04AED5535A0B}" type="pres">
       <dgm:prSet presAssocID="{A2EE7EFC-492E-41E7-908B-5BAF0831E831}" presName="rootConnector" presStyleLbl="node4" presStyleIdx="3" presStyleCnt="14"/>
       <dgm:spPr/>
+      <dgm:t>
+        <a:bodyPr/>
+        <a:lstStyle/>
+        <a:p>
+          <a:endParaRPr lang="en-IN"/>
+        </a:p>
+      </dgm:t>
     </dgm:pt>
     <dgm:pt modelId="{F5B0F35E-03AD-4A08-B935-0441A5D688A6}" type="pres">
       <dgm:prSet presAssocID="{A2EE7EFC-492E-41E7-908B-5BAF0831E831}" presName="hierChild4" presStyleCnt="0"/>
       <dgm:spPr/>
+      <dgm:t>
+        <a:bodyPr/>
+        <a:lstStyle/>
+        <a:p>
+          <a:endParaRPr lang="en-IN"/>
+        </a:p>
+      </dgm:t>
     </dgm:pt>
     <dgm:pt modelId="{AFCC6121-F57C-4B64-8846-C9019140D82D}" type="pres">
       <dgm:prSet presAssocID="{A2EE7EFC-492E-41E7-908B-5BAF0831E831}" presName="hierChild5" presStyleCnt="0"/>
       <dgm:spPr/>
+      <dgm:t>
+        <a:bodyPr/>
+        <a:lstStyle/>
+        <a:p>
+          <a:endParaRPr lang="en-IN"/>
+        </a:p>
+      </dgm:t>
     </dgm:pt>
     <dgm:pt modelId="{CCAA7799-F275-4496-A479-6DADEFC5EC35}" type="pres">
       <dgm:prSet presAssocID="{335D5D16-55AB-477F-BA1D-9211CFB7681A}" presName="Name37" presStyleLbl="parChTrans1D4" presStyleIdx="4" presStyleCnt="14"/>
       <dgm:spPr/>
+      <dgm:t>
+        <a:bodyPr/>
+        <a:lstStyle/>
+        <a:p>
+          <a:endParaRPr lang="en-IN"/>
+        </a:p>
+      </dgm:t>
     </dgm:pt>
     <dgm:pt modelId="{47A8CC12-81A6-4ED6-8A33-CCDF8B2BADB6}" type="pres">
       <dgm:prSet presAssocID="{5BED52AA-A5FA-4859-BE06-5FC71C33E90E}" presName="hierRoot2" presStyleCnt="0">
@@ -1965,10 +2292,24 @@
         </dgm:presLayoutVars>
       </dgm:prSet>
       <dgm:spPr/>
+      <dgm:t>
+        <a:bodyPr/>
+        <a:lstStyle/>
+        <a:p>
+          <a:endParaRPr lang="en-IN"/>
+        </a:p>
+      </dgm:t>
     </dgm:pt>
     <dgm:pt modelId="{9CD8A818-982F-4ADC-A632-E90D9EE03562}" type="pres">
       <dgm:prSet presAssocID="{5BED52AA-A5FA-4859-BE06-5FC71C33E90E}" presName="rootComposite" presStyleCnt="0"/>
       <dgm:spPr/>
+      <dgm:t>
+        <a:bodyPr/>
+        <a:lstStyle/>
+        <a:p>
+          <a:endParaRPr lang="en-IN"/>
+        </a:p>
+      </dgm:t>
     </dgm:pt>
     <dgm:pt modelId="{D853971B-6427-4A06-AFCF-56D38EA35794}" type="pres">
       <dgm:prSet presAssocID="{5BED52AA-A5FA-4859-BE06-5FC71C33E90E}" presName="rootText" presStyleLbl="node4" presStyleIdx="4" presStyleCnt="14">
@@ -1977,26 +2318,68 @@
         </dgm:presLayoutVars>
       </dgm:prSet>
       <dgm:spPr/>
+      <dgm:t>
+        <a:bodyPr/>
+        <a:lstStyle/>
+        <a:p>
+          <a:endParaRPr lang="en-IN"/>
+        </a:p>
+      </dgm:t>
     </dgm:pt>
     <dgm:pt modelId="{5FBE539D-F4F8-43AA-B428-7E8477FF19D9}" type="pres">
       <dgm:prSet presAssocID="{5BED52AA-A5FA-4859-BE06-5FC71C33E90E}" presName="rootConnector" presStyleLbl="node4" presStyleIdx="4" presStyleCnt="14"/>
       <dgm:spPr/>
+      <dgm:t>
+        <a:bodyPr/>
+        <a:lstStyle/>
+        <a:p>
+          <a:endParaRPr lang="en-IN"/>
+        </a:p>
+      </dgm:t>
     </dgm:pt>
     <dgm:pt modelId="{61279D68-EB65-4663-A6E2-ABD27E5AAFA8}" type="pres">
       <dgm:prSet presAssocID="{5BED52AA-A5FA-4859-BE06-5FC71C33E90E}" presName="hierChild4" presStyleCnt="0"/>
       <dgm:spPr/>
+      <dgm:t>
+        <a:bodyPr/>
+        <a:lstStyle/>
+        <a:p>
+          <a:endParaRPr lang="en-IN"/>
+        </a:p>
+      </dgm:t>
     </dgm:pt>
     <dgm:pt modelId="{54B37E04-0A07-4A35-A09A-FC6627F7EAF0}" type="pres">
       <dgm:prSet presAssocID="{5BED52AA-A5FA-4859-BE06-5FC71C33E90E}" presName="hierChild5" presStyleCnt="0"/>
       <dgm:spPr/>
+      <dgm:t>
+        <a:bodyPr/>
+        <a:lstStyle/>
+        <a:p>
+          <a:endParaRPr lang="en-IN"/>
+        </a:p>
+      </dgm:t>
     </dgm:pt>
     <dgm:pt modelId="{FAFA9683-91DF-4C99-AD28-F6ADE2C096D3}" type="pres">
       <dgm:prSet presAssocID="{98DFC53C-C712-4C24-BA1F-6F9A861BF071}" presName="hierChild5" presStyleCnt="0"/>
       <dgm:spPr/>
+      <dgm:t>
+        <a:bodyPr/>
+        <a:lstStyle/>
+        <a:p>
+          <a:endParaRPr lang="en-IN"/>
+        </a:p>
+      </dgm:t>
     </dgm:pt>
     <dgm:pt modelId="{E9CCF48D-94C3-453A-AD36-963518B7DE8C}" type="pres">
       <dgm:prSet presAssocID="{0ED7CFCE-1674-46D0-833D-89B86977A0BA}" presName="Name35" presStyleLbl="parChTrans1D3" presStyleIdx="1" presStyleCnt="4"/>
       <dgm:spPr/>
+      <dgm:t>
+        <a:bodyPr/>
+        <a:lstStyle/>
+        <a:p>
+          <a:endParaRPr lang="en-IN"/>
+        </a:p>
+      </dgm:t>
     </dgm:pt>
     <dgm:pt modelId="{3AAA0AC9-3FBA-4141-BEDF-B153A3972179}" type="pres">
       <dgm:prSet presAssocID="{33B208AD-4161-431F-9541-80B492278075}" presName="hierRoot2" presStyleCnt="0">
@@ -2005,10 +2388,24 @@
         </dgm:presLayoutVars>
       </dgm:prSet>
       <dgm:spPr/>
+      <dgm:t>
+        <a:bodyPr/>
+        <a:lstStyle/>
+        <a:p>
+          <a:endParaRPr lang="en-IN"/>
+        </a:p>
+      </dgm:t>
     </dgm:pt>
     <dgm:pt modelId="{A8E80EA0-AD9D-4B29-A62F-83A577192F8C}" type="pres">
       <dgm:prSet presAssocID="{33B208AD-4161-431F-9541-80B492278075}" presName="rootComposite" presStyleCnt="0"/>
       <dgm:spPr/>
+      <dgm:t>
+        <a:bodyPr/>
+        <a:lstStyle/>
+        <a:p>
+          <a:endParaRPr lang="en-IN"/>
+        </a:p>
+      </dgm:t>
     </dgm:pt>
     <dgm:pt modelId="{BBFA683D-8C74-4BB2-BAB5-0CC39F3F35A3}" type="pres">
       <dgm:prSet presAssocID="{33B208AD-4161-431F-9541-80B492278075}" presName="rootText" presStyleLbl="node3" presStyleIdx="1" presStyleCnt="4">
@@ -2016,19 +2413,51 @@
           <dgm:chPref val="3"/>
         </dgm:presLayoutVars>
       </dgm:prSet>
-      <dgm:spPr/>
+      <dgm:spPr>
+        <a:prstGeom prst="ellipse">
+          <a:avLst/>
+        </a:prstGeom>
+      </dgm:spPr>
+      <dgm:t>
+        <a:bodyPr/>
+        <a:lstStyle/>
+        <a:p>
+          <a:endParaRPr lang="en-IN"/>
+        </a:p>
+      </dgm:t>
     </dgm:pt>
     <dgm:pt modelId="{F28CDCEB-436B-4874-BD85-9B229D2FC0D0}" type="pres">
       <dgm:prSet presAssocID="{33B208AD-4161-431F-9541-80B492278075}" presName="rootConnector" presStyleLbl="node3" presStyleIdx="1" presStyleCnt="4"/>
       <dgm:spPr/>
+      <dgm:t>
+        <a:bodyPr/>
+        <a:lstStyle/>
+        <a:p>
+          <a:endParaRPr lang="en-IN"/>
+        </a:p>
+      </dgm:t>
     </dgm:pt>
     <dgm:pt modelId="{A7B8B50B-DD0B-4CAD-A0E1-F4B881272CFB}" type="pres">
       <dgm:prSet presAssocID="{33B208AD-4161-431F-9541-80B492278075}" presName="hierChild4" presStyleCnt="0"/>
       <dgm:spPr/>
+      <dgm:t>
+        <a:bodyPr/>
+        <a:lstStyle/>
+        <a:p>
+          <a:endParaRPr lang="en-IN"/>
+        </a:p>
+      </dgm:t>
     </dgm:pt>
     <dgm:pt modelId="{6A11937D-99F2-4DE0-A5A8-D5ED80FF407A}" type="pres">
       <dgm:prSet presAssocID="{A4581349-2872-40C5-8D46-7BED0E3C06C7}" presName="Name37" presStyleLbl="parChTrans1D4" presStyleIdx="5" presStyleCnt="14"/>
       <dgm:spPr/>
+      <dgm:t>
+        <a:bodyPr/>
+        <a:lstStyle/>
+        <a:p>
+          <a:endParaRPr lang="en-IN"/>
+        </a:p>
+      </dgm:t>
     </dgm:pt>
     <dgm:pt modelId="{D5FBE478-0CD8-4A5D-877F-13B2E6C9854E}" type="pres">
       <dgm:prSet presAssocID="{8D98843E-6DA9-497E-95C2-95C18B45FE58}" presName="hierRoot2" presStyleCnt="0">
@@ -2037,10 +2466,24 @@
         </dgm:presLayoutVars>
       </dgm:prSet>
       <dgm:spPr/>
+      <dgm:t>
+        <a:bodyPr/>
+        <a:lstStyle/>
+        <a:p>
+          <a:endParaRPr lang="en-IN"/>
+        </a:p>
+      </dgm:t>
     </dgm:pt>
     <dgm:pt modelId="{A24F76DA-A356-44EE-A13A-CEB3F71C3268}" type="pres">
       <dgm:prSet presAssocID="{8D98843E-6DA9-497E-95C2-95C18B45FE58}" presName="rootComposite" presStyleCnt="0"/>
       <dgm:spPr/>
+      <dgm:t>
+        <a:bodyPr/>
+        <a:lstStyle/>
+        <a:p>
+          <a:endParaRPr lang="en-IN"/>
+        </a:p>
+      </dgm:t>
     </dgm:pt>
     <dgm:pt modelId="{E4703DDF-6FB2-4863-8231-F7C56E1D71E2}" type="pres">
       <dgm:prSet presAssocID="{8D98843E-6DA9-497E-95C2-95C18B45FE58}" presName="rootText" presStyleLbl="node4" presStyleIdx="5" presStyleCnt="14">
@@ -2049,22 +2492,57 @@
         </dgm:presLayoutVars>
       </dgm:prSet>
       <dgm:spPr/>
+      <dgm:t>
+        <a:bodyPr/>
+        <a:lstStyle/>
+        <a:p>
+          <a:endParaRPr lang="en-IN"/>
+        </a:p>
+      </dgm:t>
     </dgm:pt>
     <dgm:pt modelId="{1F99CF7F-8883-421D-9613-EE04CA751BAF}" type="pres">
       <dgm:prSet presAssocID="{8D98843E-6DA9-497E-95C2-95C18B45FE58}" presName="rootConnector" presStyleLbl="node4" presStyleIdx="5" presStyleCnt="14"/>
       <dgm:spPr/>
+      <dgm:t>
+        <a:bodyPr/>
+        <a:lstStyle/>
+        <a:p>
+          <a:endParaRPr lang="en-IN"/>
+        </a:p>
+      </dgm:t>
     </dgm:pt>
     <dgm:pt modelId="{82A445D6-795C-4BA0-96A8-F041DE6C2397}" type="pres">
       <dgm:prSet presAssocID="{8D98843E-6DA9-497E-95C2-95C18B45FE58}" presName="hierChild4" presStyleCnt="0"/>
       <dgm:spPr/>
+      <dgm:t>
+        <a:bodyPr/>
+        <a:lstStyle/>
+        <a:p>
+          <a:endParaRPr lang="en-IN"/>
+        </a:p>
+      </dgm:t>
     </dgm:pt>
     <dgm:pt modelId="{1F9DF347-C96E-41EB-B9D7-5078CDB873BD}" type="pres">
       <dgm:prSet presAssocID="{8D98843E-6DA9-497E-95C2-95C18B45FE58}" presName="hierChild5" presStyleCnt="0"/>
       <dgm:spPr/>
+      <dgm:t>
+        <a:bodyPr/>
+        <a:lstStyle/>
+        <a:p>
+          <a:endParaRPr lang="en-IN"/>
+        </a:p>
+      </dgm:t>
     </dgm:pt>
     <dgm:pt modelId="{1003B9DB-FB27-4614-8FB2-70EA40392E21}" type="pres">
       <dgm:prSet presAssocID="{197B0C08-6382-431D-AB28-55C96D68E339}" presName="Name37" presStyleLbl="parChTrans1D4" presStyleIdx="6" presStyleCnt="14"/>
       <dgm:spPr/>
+      <dgm:t>
+        <a:bodyPr/>
+        <a:lstStyle/>
+        <a:p>
+          <a:endParaRPr lang="en-IN"/>
+        </a:p>
+      </dgm:t>
     </dgm:pt>
     <dgm:pt modelId="{D37491F3-AB3C-447C-A436-C461F6B8DEFE}" type="pres">
       <dgm:prSet presAssocID="{09F7D132-4C38-4261-9576-2FB8ACF5833F}" presName="hierRoot2" presStyleCnt="0">
@@ -2073,10 +2551,24 @@
         </dgm:presLayoutVars>
       </dgm:prSet>
       <dgm:spPr/>
+      <dgm:t>
+        <a:bodyPr/>
+        <a:lstStyle/>
+        <a:p>
+          <a:endParaRPr lang="en-IN"/>
+        </a:p>
+      </dgm:t>
     </dgm:pt>
     <dgm:pt modelId="{9BDD5E89-18B0-423D-BF49-B60DA86E003C}" type="pres">
       <dgm:prSet presAssocID="{09F7D132-4C38-4261-9576-2FB8ACF5833F}" presName="rootComposite" presStyleCnt="0"/>
       <dgm:spPr/>
+      <dgm:t>
+        <a:bodyPr/>
+        <a:lstStyle/>
+        <a:p>
+          <a:endParaRPr lang="en-IN"/>
+        </a:p>
+      </dgm:t>
     </dgm:pt>
     <dgm:pt modelId="{2020EFCE-68BA-4B19-ABB1-332294A297BE}" type="pres">
       <dgm:prSet presAssocID="{09F7D132-4C38-4261-9576-2FB8ACF5833F}" presName="rootText" presStyleLbl="node4" presStyleIdx="6" presStyleCnt="14">
@@ -2085,22 +2577,57 @@
         </dgm:presLayoutVars>
       </dgm:prSet>
       <dgm:spPr/>
+      <dgm:t>
+        <a:bodyPr/>
+        <a:lstStyle/>
+        <a:p>
+          <a:endParaRPr lang="en-IN"/>
+        </a:p>
+      </dgm:t>
     </dgm:pt>
     <dgm:pt modelId="{4B7DFF85-A8EF-415A-ACEB-F54D1D206024}" type="pres">
       <dgm:prSet presAssocID="{09F7D132-4C38-4261-9576-2FB8ACF5833F}" presName="rootConnector" presStyleLbl="node4" presStyleIdx="6" presStyleCnt="14"/>
       <dgm:spPr/>
+      <dgm:t>
+        <a:bodyPr/>
+        <a:lstStyle/>
+        <a:p>
+          <a:endParaRPr lang="en-IN"/>
+        </a:p>
+      </dgm:t>
     </dgm:pt>
     <dgm:pt modelId="{2B5C17ED-920C-484F-9C6E-3F528A3AE4CB}" type="pres">
       <dgm:prSet presAssocID="{09F7D132-4C38-4261-9576-2FB8ACF5833F}" presName="hierChild4" presStyleCnt="0"/>
       <dgm:spPr/>
+      <dgm:t>
+        <a:bodyPr/>
+        <a:lstStyle/>
+        <a:p>
+          <a:endParaRPr lang="en-IN"/>
+        </a:p>
+      </dgm:t>
     </dgm:pt>
     <dgm:pt modelId="{6771535E-8B07-4B83-9F9F-B7E1D47B85AA}" type="pres">
       <dgm:prSet presAssocID="{09F7D132-4C38-4261-9576-2FB8ACF5833F}" presName="hierChild5" presStyleCnt="0"/>
       <dgm:spPr/>
+      <dgm:t>
+        <a:bodyPr/>
+        <a:lstStyle/>
+        <a:p>
+          <a:endParaRPr lang="en-IN"/>
+        </a:p>
+      </dgm:t>
     </dgm:pt>
     <dgm:pt modelId="{B803F061-8FE5-4597-A79E-E49A0C18B6C0}" type="pres">
       <dgm:prSet presAssocID="{C2C0B7EA-C790-4514-9B1B-0CF79F965E6C}" presName="Name37" presStyleLbl="parChTrans1D4" presStyleIdx="7" presStyleCnt="14"/>
       <dgm:spPr/>
+      <dgm:t>
+        <a:bodyPr/>
+        <a:lstStyle/>
+        <a:p>
+          <a:endParaRPr lang="en-IN"/>
+        </a:p>
+      </dgm:t>
     </dgm:pt>
     <dgm:pt modelId="{9F097FA2-AB0E-4F6F-9E84-7F0E389134EC}" type="pres">
       <dgm:prSet presAssocID="{AE101966-5EAF-488F-9CA2-7D9E47474105}" presName="hierRoot2" presStyleCnt="0">
@@ -2109,10 +2636,24 @@
         </dgm:presLayoutVars>
       </dgm:prSet>
       <dgm:spPr/>
+      <dgm:t>
+        <a:bodyPr/>
+        <a:lstStyle/>
+        <a:p>
+          <a:endParaRPr lang="en-IN"/>
+        </a:p>
+      </dgm:t>
     </dgm:pt>
     <dgm:pt modelId="{F15F7611-A0BE-40F2-81F5-FA883FE6FABD}" type="pres">
       <dgm:prSet presAssocID="{AE101966-5EAF-488F-9CA2-7D9E47474105}" presName="rootComposite" presStyleCnt="0"/>
       <dgm:spPr/>
+      <dgm:t>
+        <a:bodyPr/>
+        <a:lstStyle/>
+        <a:p>
+          <a:endParaRPr lang="en-IN"/>
+        </a:p>
+      </dgm:t>
     </dgm:pt>
     <dgm:pt modelId="{0FD66D6D-3FA3-4441-9DF6-C5AA16F5FA50}" type="pres">
       <dgm:prSet presAssocID="{AE101966-5EAF-488F-9CA2-7D9E47474105}" presName="rootText" presStyleLbl="node4" presStyleIdx="7" presStyleCnt="14">
@@ -2121,30 +2662,79 @@
         </dgm:presLayoutVars>
       </dgm:prSet>
       <dgm:spPr/>
+      <dgm:t>
+        <a:bodyPr/>
+        <a:lstStyle/>
+        <a:p>
+          <a:endParaRPr lang="en-IN"/>
+        </a:p>
+      </dgm:t>
     </dgm:pt>
     <dgm:pt modelId="{3B49F110-1A40-4CE9-AB75-AD0BADD0DEC6}" type="pres">
       <dgm:prSet presAssocID="{AE101966-5EAF-488F-9CA2-7D9E47474105}" presName="rootConnector" presStyleLbl="node4" presStyleIdx="7" presStyleCnt="14"/>
       <dgm:spPr/>
+      <dgm:t>
+        <a:bodyPr/>
+        <a:lstStyle/>
+        <a:p>
+          <a:endParaRPr lang="en-IN"/>
+        </a:p>
+      </dgm:t>
     </dgm:pt>
     <dgm:pt modelId="{007331C0-67D6-4364-9733-D1118D3A1019}" type="pres">
       <dgm:prSet presAssocID="{AE101966-5EAF-488F-9CA2-7D9E47474105}" presName="hierChild4" presStyleCnt="0"/>
       <dgm:spPr/>
+      <dgm:t>
+        <a:bodyPr/>
+        <a:lstStyle/>
+        <a:p>
+          <a:endParaRPr lang="en-IN"/>
+        </a:p>
+      </dgm:t>
     </dgm:pt>
     <dgm:pt modelId="{2BC568FB-1F00-432D-A07C-A28571A7A229}" type="pres">
       <dgm:prSet presAssocID="{AE101966-5EAF-488F-9CA2-7D9E47474105}" presName="hierChild5" presStyleCnt="0"/>
       <dgm:spPr/>
+      <dgm:t>
+        <a:bodyPr/>
+        <a:lstStyle/>
+        <a:p>
+          <a:endParaRPr lang="en-IN"/>
+        </a:p>
+      </dgm:t>
     </dgm:pt>
     <dgm:pt modelId="{5AEFD19E-3CFF-4075-8C42-9CF318B36A25}" type="pres">
       <dgm:prSet presAssocID="{33B208AD-4161-431F-9541-80B492278075}" presName="hierChild5" presStyleCnt="0"/>
       <dgm:spPr/>
+      <dgm:t>
+        <a:bodyPr/>
+        <a:lstStyle/>
+        <a:p>
+          <a:endParaRPr lang="en-IN"/>
+        </a:p>
+      </dgm:t>
     </dgm:pt>
     <dgm:pt modelId="{BFAA51E3-C024-49BA-86CE-ED886D865F52}" type="pres">
       <dgm:prSet presAssocID="{B8C5EDC1-AD8E-45ED-8F04-D936FEB9ED73}" presName="hierChild7" presStyleCnt="0"/>
       <dgm:spPr/>
+      <dgm:t>
+        <a:bodyPr/>
+        <a:lstStyle/>
+        <a:p>
+          <a:endParaRPr lang="en-IN"/>
+        </a:p>
+      </dgm:t>
     </dgm:pt>
     <dgm:pt modelId="{E2FDEE27-5B1E-4DFA-B492-3A66F0EA3D9D}" type="pres">
       <dgm:prSet presAssocID="{4DB5D699-8D7D-4515-935A-946AE017E31B}" presName="Name111" presStyleLbl="parChTrans1D2" presStyleIdx="1" presStyleCnt="2"/>
       <dgm:spPr/>
+      <dgm:t>
+        <a:bodyPr/>
+        <a:lstStyle/>
+        <a:p>
+          <a:endParaRPr lang="en-IN"/>
+        </a:p>
+      </dgm:t>
     </dgm:pt>
     <dgm:pt modelId="{461A0F9F-B696-4737-92BD-5C20D4834A45}" type="pres">
       <dgm:prSet presAssocID="{A2E51DF9-6EF6-472D-ADEB-6175F6853FBB}" presName="hierRoot3" presStyleCnt="0">
@@ -2153,10 +2743,24 @@
         </dgm:presLayoutVars>
       </dgm:prSet>
       <dgm:spPr/>
+      <dgm:t>
+        <a:bodyPr/>
+        <a:lstStyle/>
+        <a:p>
+          <a:endParaRPr lang="en-IN"/>
+        </a:p>
+      </dgm:t>
     </dgm:pt>
     <dgm:pt modelId="{C56E6EAB-8DD7-4880-B714-9892D3223303}" type="pres">
       <dgm:prSet presAssocID="{A2E51DF9-6EF6-472D-ADEB-6175F6853FBB}" presName="rootComposite3" presStyleCnt="0"/>
       <dgm:spPr/>
+      <dgm:t>
+        <a:bodyPr/>
+        <a:lstStyle/>
+        <a:p>
+          <a:endParaRPr lang="en-IN"/>
+        </a:p>
+      </dgm:t>
     </dgm:pt>
     <dgm:pt modelId="{E4CB6786-CE6A-44AF-A1D0-4689A8CCE751}" type="pres">
       <dgm:prSet presAssocID="{A2E51DF9-6EF6-472D-ADEB-6175F6853FBB}" presName="rootText3" presStyleLbl="asst1" presStyleIdx="1" presStyleCnt="2">
@@ -2164,7 +2768,11 @@
           <dgm:chPref val="3"/>
         </dgm:presLayoutVars>
       </dgm:prSet>
-      <dgm:spPr/>
+      <dgm:spPr>
+        <a:prstGeom prst="flowChartPunchedTape">
+          <a:avLst/>
+        </a:prstGeom>
+      </dgm:spPr>
       <dgm:t>
         <a:bodyPr/>
         <a:lstStyle/>
@@ -2176,14 +2784,35 @@
     <dgm:pt modelId="{A8B7BF1C-B588-416F-9602-1DE35C154505}" type="pres">
       <dgm:prSet presAssocID="{A2E51DF9-6EF6-472D-ADEB-6175F6853FBB}" presName="rootConnector3" presStyleLbl="asst1" presStyleIdx="1" presStyleCnt="2"/>
       <dgm:spPr/>
+      <dgm:t>
+        <a:bodyPr/>
+        <a:lstStyle/>
+        <a:p>
+          <a:endParaRPr lang="en-IN"/>
+        </a:p>
+      </dgm:t>
     </dgm:pt>
     <dgm:pt modelId="{48223A7B-9299-467A-9A34-52F9981FA8A8}" type="pres">
       <dgm:prSet presAssocID="{A2E51DF9-6EF6-472D-ADEB-6175F6853FBB}" presName="hierChild6" presStyleCnt="0"/>
       <dgm:spPr/>
+      <dgm:t>
+        <a:bodyPr/>
+        <a:lstStyle/>
+        <a:p>
+          <a:endParaRPr lang="en-IN"/>
+        </a:p>
+      </dgm:t>
     </dgm:pt>
     <dgm:pt modelId="{9A7DBBE6-A6F5-4C26-AD1F-36A654FC6C4D}" type="pres">
       <dgm:prSet presAssocID="{2E04BCD0-0048-41AC-887A-0811C7F665AC}" presName="Name37" presStyleLbl="parChTrans1D3" presStyleIdx="2" presStyleCnt="4"/>
       <dgm:spPr/>
+      <dgm:t>
+        <a:bodyPr/>
+        <a:lstStyle/>
+        <a:p>
+          <a:endParaRPr lang="en-IN"/>
+        </a:p>
+      </dgm:t>
     </dgm:pt>
     <dgm:pt modelId="{6296622E-D0B7-4696-95F8-55E9D0A99BF3}" type="pres">
       <dgm:prSet presAssocID="{4F2AD6B1-AF71-41EA-8D92-6080902AE709}" presName="hierRoot2" presStyleCnt="0">
@@ -2192,10 +2821,24 @@
         </dgm:presLayoutVars>
       </dgm:prSet>
       <dgm:spPr/>
+      <dgm:t>
+        <a:bodyPr/>
+        <a:lstStyle/>
+        <a:p>
+          <a:endParaRPr lang="en-IN"/>
+        </a:p>
+      </dgm:t>
     </dgm:pt>
     <dgm:pt modelId="{154EE02B-D560-4DEE-8C56-8606CAC1F991}" type="pres">
       <dgm:prSet presAssocID="{4F2AD6B1-AF71-41EA-8D92-6080902AE709}" presName="rootComposite" presStyleCnt="0"/>
       <dgm:spPr/>
+      <dgm:t>
+        <a:bodyPr/>
+        <a:lstStyle/>
+        <a:p>
+          <a:endParaRPr lang="en-IN"/>
+        </a:p>
+      </dgm:t>
     </dgm:pt>
     <dgm:pt modelId="{4775F299-F9B5-4B80-AE3D-7B039ADBBFB8}" type="pres">
       <dgm:prSet presAssocID="{4F2AD6B1-AF71-41EA-8D92-6080902AE709}" presName="rootText" presStyleLbl="node3" presStyleIdx="2" presStyleCnt="4">
@@ -2203,19 +2846,51 @@
           <dgm:chPref val="3"/>
         </dgm:presLayoutVars>
       </dgm:prSet>
-      <dgm:spPr/>
+      <dgm:spPr>
+        <a:prstGeom prst="ellipse">
+          <a:avLst/>
+        </a:prstGeom>
+      </dgm:spPr>
+      <dgm:t>
+        <a:bodyPr/>
+        <a:lstStyle/>
+        <a:p>
+          <a:endParaRPr lang="en-IN"/>
+        </a:p>
+      </dgm:t>
     </dgm:pt>
     <dgm:pt modelId="{DFC2C0CC-7D60-42B9-9E62-3A38CFA64E5B}" type="pres">
       <dgm:prSet presAssocID="{4F2AD6B1-AF71-41EA-8D92-6080902AE709}" presName="rootConnector" presStyleLbl="node3" presStyleIdx="2" presStyleCnt="4"/>
       <dgm:spPr/>
+      <dgm:t>
+        <a:bodyPr/>
+        <a:lstStyle/>
+        <a:p>
+          <a:endParaRPr lang="en-IN"/>
+        </a:p>
+      </dgm:t>
     </dgm:pt>
     <dgm:pt modelId="{E1E6F306-1204-4D03-AE18-54758E369302}" type="pres">
       <dgm:prSet presAssocID="{4F2AD6B1-AF71-41EA-8D92-6080902AE709}" presName="hierChild4" presStyleCnt="0"/>
       <dgm:spPr/>
+      <dgm:t>
+        <a:bodyPr/>
+        <a:lstStyle/>
+        <a:p>
+          <a:endParaRPr lang="en-IN"/>
+        </a:p>
+      </dgm:t>
     </dgm:pt>
     <dgm:pt modelId="{ECB3358C-009B-4874-AD92-2E2BDDF5DCD0}" type="pres">
       <dgm:prSet presAssocID="{6B6D0A52-86F6-45CB-BBD3-E7415410EC18}" presName="Name37" presStyleLbl="parChTrans1D4" presStyleIdx="8" presStyleCnt="14"/>
       <dgm:spPr/>
+      <dgm:t>
+        <a:bodyPr/>
+        <a:lstStyle/>
+        <a:p>
+          <a:endParaRPr lang="en-IN"/>
+        </a:p>
+      </dgm:t>
     </dgm:pt>
     <dgm:pt modelId="{BD84D120-DF6E-47EB-B4A2-C5E7B07C4135}" type="pres">
       <dgm:prSet presAssocID="{77199A2B-AA42-42CA-A4A1-AC0F77AA5097}" presName="hierRoot2" presStyleCnt="0">
@@ -2224,10 +2899,24 @@
         </dgm:presLayoutVars>
       </dgm:prSet>
       <dgm:spPr/>
+      <dgm:t>
+        <a:bodyPr/>
+        <a:lstStyle/>
+        <a:p>
+          <a:endParaRPr lang="en-IN"/>
+        </a:p>
+      </dgm:t>
     </dgm:pt>
     <dgm:pt modelId="{C6456332-A573-4B42-8037-C71C0F075862}" type="pres">
       <dgm:prSet presAssocID="{77199A2B-AA42-42CA-A4A1-AC0F77AA5097}" presName="rootComposite" presStyleCnt="0"/>
       <dgm:spPr/>
+      <dgm:t>
+        <a:bodyPr/>
+        <a:lstStyle/>
+        <a:p>
+          <a:endParaRPr lang="en-IN"/>
+        </a:p>
+      </dgm:t>
     </dgm:pt>
     <dgm:pt modelId="{F52DAE17-5795-4B0B-8347-4C282F6E0361}" type="pres">
       <dgm:prSet presAssocID="{77199A2B-AA42-42CA-A4A1-AC0F77AA5097}" presName="rootText" presStyleLbl="node4" presStyleIdx="8" presStyleCnt="14">
@@ -2236,22 +2925,57 @@
         </dgm:presLayoutVars>
       </dgm:prSet>
       <dgm:spPr/>
+      <dgm:t>
+        <a:bodyPr/>
+        <a:lstStyle/>
+        <a:p>
+          <a:endParaRPr lang="en-IN"/>
+        </a:p>
+      </dgm:t>
     </dgm:pt>
     <dgm:pt modelId="{39CDD02A-D100-4066-B36D-D8BA2B35EFA5}" type="pres">
       <dgm:prSet presAssocID="{77199A2B-AA42-42CA-A4A1-AC0F77AA5097}" presName="rootConnector" presStyleLbl="node4" presStyleIdx="8" presStyleCnt="14"/>
       <dgm:spPr/>
+      <dgm:t>
+        <a:bodyPr/>
+        <a:lstStyle/>
+        <a:p>
+          <a:endParaRPr lang="en-IN"/>
+        </a:p>
+      </dgm:t>
     </dgm:pt>
     <dgm:pt modelId="{20E75416-A07F-44F0-8703-0B45379650B7}" type="pres">
       <dgm:prSet presAssocID="{77199A2B-AA42-42CA-A4A1-AC0F77AA5097}" presName="hierChild4" presStyleCnt="0"/>
       <dgm:spPr/>
+      <dgm:t>
+        <a:bodyPr/>
+        <a:lstStyle/>
+        <a:p>
+          <a:endParaRPr lang="en-IN"/>
+        </a:p>
+      </dgm:t>
     </dgm:pt>
     <dgm:pt modelId="{CDFEEA85-F301-4431-A8B3-A8B9A5922E20}" type="pres">
       <dgm:prSet presAssocID="{77199A2B-AA42-42CA-A4A1-AC0F77AA5097}" presName="hierChild5" presStyleCnt="0"/>
       <dgm:spPr/>
+      <dgm:t>
+        <a:bodyPr/>
+        <a:lstStyle/>
+        <a:p>
+          <a:endParaRPr lang="en-IN"/>
+        </a:p>
+      </dgm:t>
     </dgm:pt>
     <dgm:pt modelId="{6B8DCE9F-890B-44D9-B72C-397107DAC59A}" type="pres">
       <dgm:prSet presAssocID="{96223339-6B49-4913-8945-E48611C5F71E}" presName="Name37" presStyleLbl="parChTrans1D4" presStyleIdx="9" presStyleCnt="14"/>
       <dgm:spPr/>
+      <dgm:t>
+        <a:bodyPr/>
+        <a:lstStyle/>
+        <a:p>
+          <a:endParaRPr lang="en-IN"/>
+        </a:p>
+      </dgm:t>
     </dgm:pt>
     <dgm:pt modelId="{A3D2ABA8-7321-4017-BBB6-24041AC03FEC}" type="pres">
       <dgm:prSet presAssocID="{4F160ADF-C24E-446C-A06E-4EF4E989A9D0}" presName="hierRoot2" presStyleCnt="0">
@@ -2260,10 +2984,24 @@
         </dgm:presLayoutVars>
       </dgm:prSet>
       <dgm:spPr/>
+      <dgm:t>
+        <a:bodyPr/>
+        <a:lstStyle/>
+        <a:p>
+          <a:endParaRPr lang="en-IN"/>
+        </a:p>
+      </dgm:t>
     </dgm:pt>
     <dgm:pt modelId="{37F31C46-919D-42ED-8316-B43E8420EBB9}" type="pres">
       <dgm:prSet presAssocID="{4F160ADF-C24E-446C-A06E-4EF4E989A9D0}" presName="rootComposite" presStyleCnt="0"/>
       <dgm:spPr/>
+      <dgm:t>
+        <a:bodyPr/>
+        <a:lstStyle/>
+        <a:p>
+          <a:endParaRPr lang="en-IN"/>
+        </a:p>
+      </dgm:t>
     </dgm:pt>
     <dgm:pt modelId="{C1EB4642-9079-4759-A59E-9EF6C1B1C91C}" type="pres">
       <dgm:prSet presAssocID="{4F160ADF-C24E-446C-A06E-4EF4E989A9D0}" presName="rootText" presStyleLbl="node4" presStyleIdx="9" presStyleCnt="14">
@@ -2283,18 +3021,46 @@
     <dgm:pt modelId="{F732E962-E2BF-405B-B840-7ECF265C5591}" type="pres">
       <dgm:prSet presAssocID="{4F160ADF-C24E-446C-A06E-4EF4E989A9D0}" presName="rootConnector" presStyleLbl="node4" presStyleIdx="9" presStyleCnt="14"/>
       <dgm:spPr/>
+      <dgm:t>
+        <a:bodyPr/>
+        <a:lstStyle/>
+        <a:p>
+          <a:endParaRPr lang="en-IN"/>
+        </a:p>
+      </dgm:t>
     </dgm:pt>
     <dgm:pt modelId="{80AB3ED5-AE6B-4960-985F-0364424219DC}" type="pres">
       <dgm:prSet presAssocID="{4F160ADF-C24E-446C-A06E-4EF4E989A9D0}" presName="hierChild4" presStyleCnt="0"/>
       <dgm:spPr/>
+      <dgm:t>
+        <a:bodyPr/>
+        <a:lstStyle/>
+        <a:p>
+          <a:endParaRPr lang="en-IN"/>
+        </a:p>
+      </dgm:t>
     </dgm:pt>
     <dgm:pt modelId="{5AFC4B0B-BCC5-44A6-BA64-4F249D26CE9F}" type="pres">
       <dgm:prSet presAssocID="{4F160ADF-C24E-446C-A06E-4EF4E989A9D0}" presName="hierChild5" presStyleCnt="0"/>
       <dgm:spPr/>
+      <dgm:t>
+        <a:bodyPr/>
+        <a:lstStyle/>
+        <a:p>
+          <a:endParaRPr lang="en-IN"/>
+        </a:p>
+      </dgm:t>
     </dgm:pt>
     <dgm:pt modelId="{6B020A99-A670-44F8-9C67-522E31DD353A}" type="pres">
       <dgm:prSet presAssocID="{6FD5BEAA-2B16-4D3D-B71C-7206D8273491}" presName="Name37" presStyleLbl="parChTrans1D4" presStyleIdx="10" presStyleCnt="14"/>
       <dgm:spPr/>
+      <dgm:t>
+        <a:bodyPr/>
+        <a:lstStyle/>
+        <a:p>
+          <a:endParaRPr lang="en-IN"/>
+        </a:p>
+      </dgm:t>
     </dgm:pt>
     <dgm:pt modelId="{4EF5A680-B279-47F4-8F14-5236B4CD04E6}" type="pres">
       <dgm:prSet presAssocID="{3465EB48-8079-4986-874F-A0E7B4670A6F}" presName="hierRoot2" presStyleCnt="0">
@@ -2303,10 +3069,24 @@
         </dgm:presLayoutVars>
       </dgm:prSet>
       <dgm:spPr/>
+      <dgm:t>
+        <a:bodyPr/>
+        <a:lstStyle/>
+        <a:p>
+          <a:endParaRPr lang="en-IN"/>
+        </a:p>
+      </dgm:t>
     </dgm:pt>
     <dgm:pt modelId="{328CEF98-A197-4891-B9CF-7EB865EA438D}" type="pres">
       <dgm:prSet presAssocID="{3465EB48-8079-4986-874F-A0E7B4670A6F}" presName="rootComposite" presStyleCnt="0"/>
       <dgm:spPr/>
+      <dgm:t>
+        <a:bodyPr/>
+        <a:lstStyle/>
+        <a:p>
+          <a:endParaRPr lang="en-IN"/>
+        </a:p>
+      </dgm:t>
     </dgm:pt>
     <dgm:pt modelId="{9F42E85C-870A-44F4-97D1-F5C28CE0EBB1}" type="pres">
       <dgm:prSet presAssocID="{3465EB48-8079-4986-874F-A0E7B4670A6F}" presName="rootText" presStyleLbl="node4" presStyleIdx="10" presStyleCnt="14">
@@ -2326,22 +3106,57 @@
     <dgm:pt modelId="{8CE58E53-C41E-4D05-B9AB-A49692DA674F}" type="pres">
       <dgm:prSet presAssocID="{3465EB48-8079-4986-874F-A0E7B4670A6F}" presName="rootConnector" presStyleLbl="node4" presStyleIdx="10" presStyleCnt="14"/>
       <dgm:spPr/>
+      <dgm:t>
+        <a:bodyPr/>
+        <a:lstStyle/>
+        <a:p>
+          <a:endParaRPr lang="en-IN"/>
+        </a:p>
+      </dgm:t>
     </dgm:pt>
     <dgm:pt modelId="{6312F4D0-93E6-4491-BBB3-2DD84D8B08E0}" type="pres">
       <dgm:prSet presAssocID="{3465EB48-8079-4986-874F-A0E7B4670A6F}" presName="hierChild4" presStyleCnt="0"/>
       <dgm:spPr/>
+      <dgm:t>
+        <a:bodyPr/>
+        <a:lstStyle/>
+        <a:p>
+          <a:endParaRPr lang="en-IN"/>
+        </a:p>
+      </dgm:t>
     </dgm:pt>
     <dgm:pt modelId="{EF355C75-EC64-4DBB-961B-7605C7F486AE}" type="pres">
       <dgm:prSet presAssocID="{3465EB48-8079-4986-874F-A0E7B4670A6F}" presName="hierChild5" presStyleCnt="0"/>
       <dgm:spPr/>
+      <dgm:t>
+        <a:bodyPr/>
+        <a:lstStyle/>
+        <a:p>
+          <a:endParaRPr lang="en-IN"/>
+        </a:p>
+      </dgm:t>
     </dgm:pt>
     <dgm:pt modelId="{B82BFF97-7CCC-467D-9AD3-379E10F5624D}" type="pres">
       <dgm:prSet presAssocID="{4F2AD6B1-AF71-41EA-8D92-6080902AE709}" presName="hierChild5" presStyleCnt="0"/>
       <dgm:spPr/>
+      <dgm:t>
+        <a:bodyPr/>
+        <a:lstStyle/>
+        <a:p>
+          <a:endParaRPr lang="en-IN"/>
+        </a:p>
+      </dgm:t>
     </dgm:pt>
     <dgm:pt modelId="{FCDDE078-AC8D-4D79-BEF3-6A6BD39E99CB}" type="pres">
       <dgm:prSet presAssocID="{BDED0DE2-12A1-476E-8F6A-88F3CEC0EE8D}" presName="Name37" presStyleLbl="parChTrans1D3" presStyleIdx="3" presStyleCnt="4"/>
       <dgm:spPr/>
+      <dgm:t>
+        <a:bodyPr/>
+        <a:lstStyle/>
+        <a:p>
+          <a:endParaRPr lang="en-IN"/>
+        </a:p>
+      </dgm:t>
     </dgm:pt>
     <dgm:pt modelId="{D9006F4F-6513-4EE9-A650-DCECC4808449}" type="pres">
       <dgm:prSet presAssocID="{B9F38837-8687-499E-B82F-B9065C8BF1C9}" presName="hierRoot2" presStyleCnt="0">
@@ -2350,10 +3165,24 @@
         </dgm:presLayoutVars>
       </dgm:prSet>
       <dgm:spPr/>
+      <dgm:t>
+        <a:bodyPr/>
+        <a:lstStyle/>
+        <a:p>
+          <a:endParaRPr lang="en-IN"/>
+        </a:p>
+      </dgm:t>
     </dgm:pt>
     <dgm:pt modelId="{369F5EAB-4C18-4008-95E1-10F065DBDC03}" type="pres">
       <dgm:prSet presAssocID="{B9F38837-8687-499E-B82F-B9065C8BF1C9}" presName="rootComposite" presStyleCnt="0"/>
       <dgm:spPr/>
+      <dgm:t>
+        <a:bodyPr/>
+        <a:lstStyle/>
+        <a:p>
+          <a:endParaRPr lang="en-IN"/>
+        </a:p>
+      </dgm:t>
     </dgm:pt>
     <dgm:pt modelId="{C04B2F75-F5D9-4996-A553-9EA811A3FF10}" type="pres">
       <dgm:prSet presAssocID="{B9F38837-8687-499E-B82F-B9065C8BF1C9}" presName="rootText" presStyleLbl="node3" presStyleIdx="3" presStyleCnt="4">
@@ -2361,7 +3190,11 @@
           <dgm:chPref val="3"/>
         </dgm:presLayoutVars>
       </dgm:prSet>
-      <dgm:spPr/>
+      <dgm:spPr>
+        <a:prstGeom prst="ellipse">
+          <a:avLst/>
+        </a:prstGeom>
+      </dgm:spPr>
       <dgm:t>
         <a:bodyPr/>
         <a:lstStyle/>
@@ -2373,14 +3206,35 @@
     <dgm:pt modelId="{8E2222EA-4BE1-4CB5-BD4C-4C048C08787B}" type="pres">
       <dgm:prSet presAssocID="{B9F38837-8687-499E-B82F-B9065C8BF1C9}" presName="rootConnector" presStyleLbl="node3" presStyleIdx="3" presStyleCnt="4"/>
       <dgm:spPr/>
+      <dgm:t>
+        <a:bodyPr/>
+        <a:lstStyle/>
+        <a:p>
+          <a:endParaRPr lang="en-IN"/>
+        </a:p>
+      </dgm:t>
     </dgm:pt>
     <dgm:pt modelId="{BD692F3C-E84C-45CE-8BFE-F80CC25E768B}" type="pres">
       <dgm:prSet presAssocID="{B9F38837-8687-499E-B82F-B9065C8BF1C9}" presName="hierChild4" presStyleCnt="0"/>
       <dgm:spPr/>
+      <dgm:t>
+        <a:bodyPr/>
+        <a:lstStyle/>
+        <a:p>
+          <a:endParaRPr lang="en-IN"/>
+        </a:p>
+      </dgm:t>
     </dgm:pt>
     <dgm:pt modelId="{B6E7839F-8EA9-4325-8E33-2DA26E7547A1}" type="pres">
       <dgm:prSet presAssocID="{946B5F37-6C22-4C15-ABCF-113DBD092E23}" presName="Name37" presStyleLbl="parChTrans1D4" presStyleIdx="11" presStyleCnt="14"/>
       <dgm:spPr/>
+      <dgm:t>
+        <a:bodyPr/>
+        <a:lstStyle/>
+        <a:p>
+          <a:endParaRPr lang="en-IN"/>
+        </a:p>
+      </dgm:t>
     </dgm:pt>
     <dgm:pt modelId="{2384E538-E207-4117-9551-5B41C782A450}" type="pres">
       <dgm:prSet presAssocID="{D98FCB8D-DC39-4D65-95E7-7C7855E47225}" presName="hierRoot2" presStyleCnt="0">
@@ -2389,10 +3243,24 @@
         </dgm:presLayoutVars>
       </dgm:prSet>
       <dgm:spPr/>
+      <dgm:t>
+        <a:bodyPr/>
+        <a:lstStyle/>
+        <a:p>
+          <a:endParaRPr lang="en-IN"/>
+        </a:p>
+      </dgm:t>
     </dgm:pt>
     <dgm:pt modelId="{102D7902-EE06-4BB2-AB66-BEFACD26410B}" type="pres">
       <dgm:prSet presAssocID="{D98FCB8D-DC39-4D65-95E7-7C7855E47225}" presName="rootComposite" presStyleCnt="0"/>
       <dgm:spPr/>
+      <dgm:t>
+        <a:bodyPr/>
+        <a:lstStyle/>
+        <a:p>
+          <a:endParaRPr lang="en-IN"/>
+        </a:p>
+      </dgm:t>
     </dgm:pt>
     <dgm:pt modelId="{FC98869B-C9B7-4476-991B-714FA1A82A22}" type="pres">
       <dgm:prSet presAssocID="{D98FCB8D-DC39-4D65-95E7-7C7855E47225}" presName="rootText" presStyleLbl="node4" presStyleIdx="11" presStyleCnt="14">
@@ -2401,22 +3269,57 @@
         </dgm:presLayoutVars>
       </dgm:prSet>
       <dgm:spPr/>
+      <dgm:t>
+        <a:bodyPr/>
+        <a:lstStyle/>
+        <a:p>
+          <a:endParaRPr lang="en-IN"/>
+        </a:p>
+      </dgm:t>
     </dgm:pt>
     <dgm:pt modelId="{693CE00F-E21D-455C-A1F6-BCE34098F36A}" type="pres">
       <dgm:prSet presAssocID="{D98FCB8D-DC39-4D65-95E7-7C7855E47225}" presName="rootConnector" presStyleLbl="node4" presStyleIdx="11" presStyleCnt="14"/>
       <dgm:spPr/>
+      <dgm:t>
+        <a:bodyPr/>
+        <a:lstStyle/>
+        <a:p>
+          <a:endParaRPr lang="en-IN"/>
+        </a:p>
+      </dgm:t>
     </dgm:pt>
     <dgm:pt modelId="{81233E4E-122A-4E73-92E8-366206C1D84C}" type="pres">
       <dgm:prSet presAssocID="{D98FCB8D-DC39-4D65-95E7-7C7855E47225}" presName="hierChild4" presStyleCnt="0"/>
       <dgm:spPr/>
+      <dgm:t>
+        <a:bodyPr/>
+        <a:lstStyle/>
+        <a:p>
+          <a:endParaRPr lang="en-IN"/>
+        </a:p>
+      </dgm:t>
     </dgm:pt>
     <dgm:pt modelId="{80F87FCB-985D-4D68-AE71-A4A9721BA34B}" type="pres">
       <dgm:prSet presAssocID="{D98FCB8D-DC39-4D65-95E7-7C7855E47225}" presName="hierChild5" presStyleCnt="0"/>
       <dgm:spPr/>
+      <dgm:t>
+        <a:bodyPr/>
+        <a:lstStyle/>
+        <a:p>
+          <a:endParaRPr lang="en-IN"/>
+        </a:p>
+      </dgm:t>
     </dgm:pt>
     <dgm:pt modelId="{72840CAB-F435-47B8-B890-8CC93A8C0E48}" type="pres">
       <dgm:prSet presAssocID="{65546138-D069-46B9-A33D-D1AA75B2B96D}" presName="Name37" presStyleLbl="parChTrans1D4" presStyleIdx="12" presStyleCnt="14"/>
       <dgm:spPr/>
+      <dgm:t>
+        <a:bodyPr/>
+        <a:lstStyle/>
+        <a:p>
+          <a:endParaRPr lang="en-IN"/>
+        </a:p>
+      </dgm:t>
     </dgm:pt>
     <dgm:pt modelId="{0F9E9275-1A1B-4241-8B23-BA2C40418151}" type="pres">
       <dgm:prSet presAssocID="{ACB9EECF-3615-4370-BE8E-E14AA7D737FD}" presName="hierRoot2" presStyleCnt="0">
@@ -2425,10 +3328,24 @@
         </dgm:presLayoutVars>
       </dgm:prSet>
       <dgm:spPr/>
+      <dgm:t>
+        <a:bodyPr/>
+        <a:lstStyle/>
+        <a:p>
+          <a:endParaRPr lang="en-IN"/>
+        </a:p>
+      </dgm:t>
     </dgm:pt>
     <dgm:pt modelId="{8EE94F60-AC7A-429D-AF24-E470288174D4}" type="pres">
       <dgm:prSet presAssocID="{ACB9EECF-3615-4370-BE8E-E14AA7D737FD}" presName="rootComposite" presStyleCnt="0"/>
       <dgm:spPr/>
+      <dgm:t>
+        <a:bodyPr/>
+        <a:lstStyle/>
+        <a:p>
+          <a:endParaRPr lang="en-IN"/>
+        </a:p>
+      </dgm:t>
     </dgm:pt>
     <dgm:pt modelId="{FE271B0B-0B52-432D-B15E-FD5E6F22A487}" type="pres">
       <dgm:prSet presAssocID="{ACB9EECF-3615-4370-BE8E-E14AA7D737FD}" presName="rootText" presStyleLbl="node4" presStyleIdx="12" presStyleCnt="14">
@@ -2448,18 +3365,46 @@
     <dgm:pt modelId="{E67F6A43-466D-4A97-BD83-4CE1A91B2534}" type="pres">
       <dgm:prSet presAssocID="{ACB9EECF-3615-4370-BE8E-E14AA7D737FD}" presName="rootConnector" presStyleLbl="node4" presStyleIdx="12" presStyleCnt="14"/>
       <dgm:spPr/>
+      <dgm:t>
+        <a:bodyPr/>
+        <a:lstStyle/>
+        <a:p>
+          <a:endParaRPr lang="en-IN"/>
+        </a:p>
+      </dgm:t>
     </dgm:pt>
     <dgm:pt modelId="{13047737-3658-4305-848A-0D8A0B33F6A9}" type="pres">
       <dgm:prSet presAssocID="{ACB9EECF-3615-4370-BE8E-E14AA7D737FD}" presName="hierChild4" presStyleCnt="0"/>
       <dgm:spPr/>
+      <dgm:t>
+        <a:bodyPr/>
+        <a:lstStyle/>
+        <a:p>
+          <a:endParaRPr lang="en-IN"/>
+        </a:p>
+      </dgm:t>
     </dgm:pt>
     <dgm:pt modelId="{CDFE44BB-638D-457C-A0B7-1B26882F5C25}" type="pres">
       <dgm:prSet presAssocID="{ACB9EECF-3615-4370-BE8E-E14AA7D737FD}" presName="hierChild5" presStyleCnt="0"/>
       <dgm:spPr/>
+      <dgm:t>
+        <a:bodyPr/>
+        <a:lstStyle/>
+        <a:p>
+          <a:endParaRPr lang="en-IN"/>
+        </a:p>
+      </dgm:t>
     </dgm:pt>
     <dgm:pt modelId="{9A79AF42-4ABE-4FB7-BD68-E7DBD45D7AF9}" type="pres">
       <dgm:prSet presAssocID="{22573936-B871-42E1-90CB-9CFC80CE6D06}" presName="Name37" presStyleLbl="parChTrans1D4" presStyleIdx="13" presStyleCnt="14"/>
       <dgm:spPr/>
+      <dgm:t>
+        <a:bodyPr/>
+        <a:lstStyle/>
+        <a:p>
+          <a:endParaRPr lang="en-IN"/>
+        </a:p>
+      </dgm:t>
     </dgm:pt>
     <dgm:pt modelId="{45817E31-9931-4B45-94FD-5CCE55737F1D}" type="pres">
       <dgm:prSet presAssocID="{84377B12-41EE-40AE-916E-8E94F70C3CF2}" presName="hierRoot2" presStyleCnt="0">
@@ -2468,10 +3413,24 @@
         </dgm:presLayoutVars>
       </dgm:prSet>
       <dgm:spPr/>
+      <dgm:t>
+        <a:bodyPr/>
+        <a:lstStyle/>
+        <a:p>
+          <a:endParaRPr lang="en-IN"/>
+        </a:p>
+      </dgm:t>
     </dgm:pt>
     <dgm:pt modelId="{D6640F86-B972-4B32-8514-2A47D78D8651}" type="pres">
       <dgm:prSet presAssocID="{84377B12-41EE-40AE-916E-8E94F70C3CF2}" presName="rootComposite" presStyleCnt="0"/>
       <dgm:spPr/>
+      <dgm:t>
+        <a:bodyPr/>
+        <a:lstStyle/>
+        <a:p>
+          <a:endParaRPr lang="en-IN"/>
+        </a:p>
+      </dgm:t>
     </dgm:pt>
     <dgm:pt modelId="{14EF1230-5BFB-4DFA-95C9-45FA886449F5}" type="pres">
       <dgm:prSet presAssocID="{84377B12-41EE-40AE-916E-8E94F70C3CF2}" presName="rootText" presStyleLbl="node4" presStyleIdx="13" presStyleCnt="14">
@@ -2480,113 +3439,155 @@
         </dgm:presLayoutVars>
       </dgm:prSet>
       <dgm:spPr/>
+      <dgm:t>
+        <a:bodyPr/>
+        <a:lstStyle/>
+        <a:p>
+          <a:endParaRPr lang="en-IN"/>
+        </a:p>
+      </dgm:t>
     </dgm:pt>
     <dgm:pt modelId="{55A9C482-17A7-473B-9CC5-C44BDD298EA8}" type="pres">
       <dgm:prSet presAssocID="{84377B12-41EE-40AE-916E-8E94F70C3CF2}" presName="rootConnector" presStyleLbl="node4" presStyleIdx="13" presStyleCnt="14"/>
       <dgm:spPr/>
+      <dgm:t>
+        <a:bodyPr/>
+        <a:lstStyle/>
+        <a:p>
+          <a:endParaRPr lang="en-IN"/>
+        </a:p>
+      </dgm:t>
     </dgm:pt>
     <dgm:pt modelId="{A069DB6A-9BFE-424D-A85C-FC2288E228A9}" type="pres">
       <dgm:prSet presAssocID="{84377B12-41EE-40AE-916E-8E94F70C3CF2}" presName="hierChild4" presStyleCnt="0"/>
       <dgm:spPr/>
+      <dgm:t>
+        <a:bodyPr/>
+        <a:lstStyle/>
+        <a:p>
+          <a:endParaRPr lang="en-IN"/>
+        </a:p>
+      </dgm:t>
     </dgm:pt>
     <dgm:pt modelId="{1172F1F0-64A6-46CC-94D1-09C881DE66AA}" type="pres">
       <dgm:prSet presAssocID="{84377B12-41EE-40AE-916E-8E94F70C3CF2}" presName="hierChild5" presStyleCnt="0"/>
       <dgm:spPr/>
+      <dgm:t>
+        <a:bodyPr/>
+        <a:lstStyle/>
+        <a:p>
+          <a:endParaRPr lang="en-IN"/>
+        </a:p>
+      </dgm:t>
     </dgm:pt>
     <dgm:pt modelId="{01C2E798-98B9-458C-806B-E35554028B08}" type="pres">
       <dgm:prSet presAssocID="{B9F38837-8687-499E-B82F-B9065C8BF1C9}" presName="hierChild5" presStyleCnt="0"/>
       <dgm:spPr/>
+      <dgm:t>
+        <a:bodyPr/>
+        <a:lstStyle/>
+        <a:p>
+          <a:endParaRPr lang="en-IN"/>
+        </a:p>
+      </dgm:t>
     </dgm:pt>
     <dgm:pt modelId="{B1203752-C725-4FB0-9B1B-90A4960A01F6}" type="pres">
       <dgm:prSet presAssocID="{A2E51DF9-6EF6-472D-ADEB-6175F6853FBB}" presName="hierChild7" presStyleCnt="0"/>
       <dgm:spPr/>
+      <dgm:t>
+        <a:bodyPr/>
+        <a:lstStyle/>
+        <a:p>
+          <a:endParaRPr lang="en-IN"/>
+        </a:p>
+      </dgm:t>
     </dgm:pt>
   </dgm:ptLst>
   <dgm:cxnLst>
+    <dgm:cxn modelId="{7F8B27F0-8F86-4C70-BC0A-D893699915E8}" type="presOf" srcId="{98DFC53C-C712-4C24-BA1F-6F9A861BF071}" destId="{395BFB63-7935-4D09-8A49-55226A7D5C49}" srcOrd="1" destOrd="0" presId="urn:microsoft.com/office/officeart/2005/8/layout/orgChart1"/>
+    <dgm:cxn modelId="{6B3E08A6-FBBB-4B9A-9DD5-7401EBC5F3FF}" srcId="{33B208AD-4161-431F-9541-80B492278075}" destId="{AE101966-5EAF-488F-9CA2-7D9E47474105}" srcOrd="2" destOrd="0" parTransId="{C2C0B7EA-C790-4514-9B1B-0CF79F965E6C}" sibTransId="{185DBE16-8B86-4FE3-841E-4A789249D513}"/>
+    <dgm:cxn modelId="{C3E8E2CB-4F46-461B-AD07-9BB8058CC604}" type="presOf" srcId="{604D2F2B-2A5C-45DA-8ECD-CC43ACFAA9E5}" destId="{D8AF2226-FA61-4DAC-89C4-CCE33B998FED}" srcOrd="0" destOrd="0" presId="urn:microsoft.com/office/officeart/2005/8/layout/orgChart1"/>
+    <dgm:cxn modelId="{46B76E67-2D78-41F6-B5AE-2875F6DD12D8}" type="presOf" srcId="{C4F96898-197C-4912-9457-63585C09CC32}" destId="{BCF2178C-9233-4668-B39E-CF4B18917E51}" srcOrd="1" destOrd="0" presId="urn:microsoft.com/office/officeart/2005/8/layout/orgChart1"/>
     <dgm:cxn modelId="{873A47A8-02FE-4DD5-BF08-B28B42030274}" type="presOf" srcId="{B8C5EDC1-AD8E-45ED-8F04-D936FEB9ED73}" destId="{4FAD18DB-5074-4695-ABA0-9DB8639B8B99}" srcOrd="0" destOrd="0" presId="urn:microsoft.com/office/officeart/2005/8/layout/orgChart1"/>
+    <dgm:cxn modelId="{4A16E8E7-0D64-4E53-A35A-AEEA86A78A4B}" type="presOf" srcId="{4DB5D699-8D7D-4515-935A-946AE017E31B}" destId="{E2FDEE27-5B1E-4DFA-B492-3A66F0EA3D9D}" srcOrd="0" destOrd="0" presId="urn:microsoft.com/office/officeart/2005/8/layout/orgChart1"/>
+    <dgm:cxn modelId="{19DE37E4-BD87-41A1-B037-4F823A363F9C}" srcId="{A2E51DF9-6EF6-472D-ADEB-6175F6853FBB}" destId="{B9F38837-8687-499E-B82F-B9065C8BF1C9}" srcOrd="1" destOrd="0" parTransId="{BDED0DE2-12A1-476E-8F6A-88F3CEC0EE8D}" sibTransId="{EE1846D3-7F49-44FC-94F3-CF3A11615112}"/>
+    <dgm:cxn modelId="{23857870-CD8B-4E2D-ACB9-41FDF2D34696}" type="presOf" srcId="{33B208AD-4161-431F-9541-80B492278075}" destId="{BBFA683D-8C74-4BB2-BAB5-0CC39F3F35A3}" srcOrd="0" destOrd="0" presId="urn:microsoft.com/office/officeart/2005/8/layout/orgChart1"/>
+    <dgm:cxn modelId="{C63EFBE0-7E87-4E4B-8BB9-D50648EE3EBC}" type="presOf" srcId="{2E04BCD0-0048-41AC-887A-0811C7F665AC}" destId="{9A7DBBE6-A6F5-4C26-AD1F-36A654FC6C4D}" srcOrd="0" destOrd="0" presId="urn:microsoft.com/office/officeart/2005/8/layout/orgChart1"/>
+    <dgm:cxn modelId="{7203493E-1368-466B-8AD9-16DA3DE9724E}" type="presOf" srcId="{A2EE7EFC-492E-41E7-908B-5BAF0831E831}" destId="{097112E5-6B00-4C8A-B3CD-EF78A41B74CE}" srcOrd="0" destOrd="0" presId="urn:microsoft.com/office/officeart/2005/8/layout/orgChart1"/>
+    <dgm:cxn modelId="{3CCC1059-7425-479B-8E25-AA3F512124F8}" type="presOf" srcId="{0ED7CFCE-1674-46D0-833D-89B86977A0BA}" destId="{E9CCF48D-94C3-453A-AD36-963518B7DE8C}" srcOrd="0" destOrd="0" presId="urn:microsoft.com/office/officeart/2005/8/layout/orgChart1"/>
+    <dgm:cxn modelId="{3758563F-9F1B-4F14-A352-900B1CE8ADC0}" type="presOf" srcId="{65546138-D069-46B9-A33D-D1AA75B2B96D}" destId="{72840CAB-F435-47B8-B890-8CC93A8C0E48}" srcOrd="0" destOrd="0" presId="urn:microsoft.com/office/officeart/2005/8/layout/orgChart1"/>
+    <dgm:cxn modelId="{99106682-AADB-48FE-8E8D-7FBE96E8E043}" type="presOf" srcId="{60B530E3-5327-406D-90E0-54C167D794D5}" destId="{C504C74F-F6ED-447F-93A8-A5F7EA06663C}" srcOrd="1" destOrd="0" presId="urn:microsoft.com/office/officeart/2005/8/layout/orgChart1"/>
+    <dgm:cxn modelId="{71A495DF-0405-41D8-B6DE-A86A12B4F64F}" type="presOf" srcId="{D98FCB8D-DC39-4D65-95E7-7C7855E47225}" destId="{693CE00F-E21D-455C-A1F6-BCE34098F36A}" srcOrd="1" destOrd="0" presId="urn:microsoft.com/office/officeart/2005/8/layout/orgChart1"/>
+    <dgm:cxn modelId="{3085BD57-CFAB-4DFA-8206-1F637CDAC772}" type="presOf" srcId="{C54DCB2A-33C6-4E94-B77D-2F3179409A03}" destId="{92506785-A361-40C2-9B72-2E97B90CAB54}" srcOrd="0" destOrd="0" presId="urn:microsoft.com/office/officeart/2005/8/layout/orgChart1"/>
+    <dgm:cxn modelId="{CC29AEF5-C2B7-4C87-8553-54B5DD1820F6}" srcId="{60B530E3-5327-406D-90E0-54C167D794D5}" destId="{B8C5EDC1-AD8E-45ED-8F04-D936FEB9ED73}" srcOrd="0" destOrd="0" parTransId="{5664A7A9-ED73-41F1-B5FB-DF8427CD1B24}" sibTransId="{B42B7A84-FEAC-4C6B-A73A-5CBB4BE9CDB3}"/>
+    <dgm:cxn modelId="{8B77C4BD-95DD-4AB3-B4C4-CC27331B0EF4}" type="presOf" srcId="{AE101966-5EAF-488F-9CA2-7D9E47474105}" destId="{3B49F110-1A40-4CE9-AB75-AD0BADD0DEC6}" srcOrd="1" destOrd="0" presId="urn:microsoft.com/office/officeart/2005/8/layout/orgChart1"/>
+    <dgm:cxn modelId="{616459C6-DC08-4155-8393-33F7CAD7AF1D}" type="presOf" srcId="{33B208AD-4161-431F-9541-80B492278075}" destId="{F28CDCEB-436B-4874-BD85-9B229D2FC0D0}" srcOrd="1" destOrd="0" presId="urn:microsoft.com/office/officeart/2005/8/layout/orgChart1"/>
+    <dgm:cxn modelId="{40D16403-2461-4B76-907A-952E08EF898C}" type="presOf" srcId="{BCE8F335-61B9-4F1E-8209-9850F3840DB5}" destId="{85BDDD1C-D601-4DEE-BD03-6242DD704F73}" srcOrd="0" destOrd="0" presId="urn:microsoft.com/office/officeart/2005/8/layout/orgChart1"/>
+    <dgm:cxn modelId="{1E67B403-909F-4B6A-B945-630A476223B5}" type="presOf" srcId="{3465EB48-8079-4986-874F-A0E7B4670A6F}" destId="{8CE58E53-C41E-4D05-B9AB-A49692DA674F}" srcOrd="1" destOrd="0" presId="urn:microsoft.com/office/officeart/2005/8/layout/orgChart1"/>
+    <dgm:cxn modelId="{B2A39964-3032-498B-AEFC-702505DE5682}" type="presOf" srcId="{98DFC53C-C712-4C24-BA1F-6F9A861BF071}" destId="{0BC8053C-FFB2-45D9-AABA-9FB695233B05}" srcOrd="0" destOrd="0" presId="urn:microsoft.com/office/officeart/2005/8/layout/orgChart1"/>
+    <dgm:cxn modelId="{F7213B9A-F7C7-44B2-86D1-80EE03E114E4}" type="presOf" srcId="{B9F38837-8687-499E-B82F-B9065C8BF1C9}" destId="{8E2222EA-4BE1-4CB5-BD4C-4C048C08787B}" srcOrd="1" destOrd="0" presId="urn:microsoft.com/office/officeart/2005/8/layout/orgChart1"/>
+    <dgm:cxn modelId="{656EFB77-587E-4417-911A-DE92B20DC4B1}" srcId="{98DFC53C-C712-4C24-BA1F-6F9A861BF071}" destId="{5635B0BC-C7AF-4120-A112-775CA4D12C04}" srcOrd="1" destOrd="0" parTransId="{CA4EF7B6-94C7-4BA4-A888-B0247EDCF8E2}" sibTransId="{9E47AA24-2C26-4C5F-B86C-DB789370797A}"/>
+    <dgm:cxn modelId="{DC56A0ED-A5EA-49EF-BA45-2C636B56BAF3}" type="presOf" srcId="{BDED0DE2-12A1-476E-8F6A-88F3CEC0EE8D}" destId="{FCDDE078-AC8D-4D79-BEF3-6A6BD39E99CB}" srcOrd="0" destOrd="0" presId="urn:microsoft.com/office/officeart/2005/8/layout/orgChart1"/>
+    <dgm:cxn modelId="{7265F023-F43C-4BE1-9EE9-F3CC566ED0EC}" type="presOf" srcId="{60B530E3-5327-406D-90E0-54C167D794D5}" destId="{C62192D6-5420-4789-BF09-5CDEBC920BB8}" srcOrd="0" destOrd="0" presId="urn:microsoft.com/office/officeart/2005/8/layout/orgChart1"/>
+    <dgm:cxn modelId="{B95947D4-DED8-4E55-916B-5414A910F9D1}" type="presOf" srcId="{CA4EF7B6-94C7-4BA4-A888-B0247EDCF8E2}" destId="{34932DF9-D2F3-49E4-95AA-CD74BC0A2F01}" srcOrd="0" destOrd="0" presId="urn:microsoft.com/office/officeart/2005/8/layout/orgChart1"/>
+    <dgm:cxn modelId="{510DD5DB-9F04-49E8-9714-78AE336E3F6B}" srcId="{A2E51DF9-6EF6-472D-ADEB-6175F6853FBB}" destId="{4F2AD6B1-AF71-41EA-8D92-6080902AE709}" srcOrd="0" destOrd="0" parTransId="{2E04BCD0-0048-41AC-887A-0811C7F665AC}" sibTransId="{91DF239C-52B5-4EBC-9422-DB261B303731}"/>
+    <dgm:cxn modelId="{98B09133-9A23-4E12-98D6-C3C95812146E}" type="presOf" srcId="{35ED4473-9168-4805-986B-17BEE872FD54}" destId="{06FDB666-FFE8-4D26-95C6-06E730B4551A}" srcOrd="0" destOrd="0" presId="urn:microsoft.com/office/officeart/2005/8/layout/orgChart1"/>
+    <dgm:cxn modelId="{DBE6D29F-CAB1-4C77-ACFC-19F93DA567D5}" srcId="{B8C5EDC1-AD8E-45ED-8F04-D936FEB9ED73}" destId="{33B208AD-4161-431F-9541-80B492278075}" srcOrd="1" destOrd="0" parTransId="{0ED7CFCE-1674-46D0-833D-89B86977A0BA}" sibTransId="{A6DBE9F2-DF7B-4224-9E9A-501239333C45}"/>
+    <dgm:cxn modelId="{E470410B-829D-4D31-8C4B-73490E793C2F}" srcId="{98DFC53C-C712-4C24-BA1F-6F9A861BF071}" destId="{A2EE7EFC-492E-41E7-908B-5BAF0831E831}" srcOrd="3" destOrd="0" parTransId="{EA2D3783-3BB0-4246-8518-1CDCD66345B3}" sibTransId="{9901B332-2693-4B29-A8AA-00BC98BC3469}"/>
+    <dgm:cxn modelId="{80190F7B-C21D-4976-A954-6902912FAE01}" type="presOf" srcId="{6FD5BEAA-2B16-4D3D-B71C-7206D8273491}" destId="{6B020A99-A670-44F8-9C67-522E31DD353A}" srcOrd="0" destOrd="0" presId="urn:microsoft.com/office/officeart/2005/8/layout/orgChart1"/>
+    <dgm:cxn modelId="{DF6F795C-A1A3-4BAA-8512-04EE21BC2E1A}" type="presOf" srcId="{77199A2B-AA42-42CA-A4A1-AC0F77AA5097}" destId="{39CDD02A-D100-4066-B36D-D8BA2B35EFA5}" srcOrd="1" destOrd="0" presId="urn:microsoft.com/office/officeart/2005/8/layout/orgChart1"/>
+    <dgm:cxn modelId="{0F0E8B23-647F-4A60-84D6-86DCAE3C9AAD}" type="presOf" srcId="{22573936-B871-42E1-90CB-9CFC80CE6D06}" destId="{9A79AF42-4ABE-4FB7-BD68-E7DBD45D7AF9}" srcOrd="0" destOrd="0" presId="urn:microsoft.com/office/officeart/2005/8/layout/orgChart1"/>
+    <dgm:cxn modelId="{2CADD9A3-D9C5-4DCC-AD8A-2AFF0665F322}" type="presOf" srcId="{335D5D16-55AB-477F-BA1D-9211CFB7681A}" destId="{CCAA7799-F275-4496-A479-6DADEFC5EC35}" srcOrd="0" destOrd="0" presId="urn:microsoft.com/office/officeart/2005/8/layout/orgChart1"/>
+    <dgm:cxn modelId="{C0E2DB14-DF13-4B61-BAE0-47D59B1D22BB}" type="presOf" srcId="{EA2D3783-3BB0-4246-8518-1CDCD66345B3}" destId="{285D5F92-2C2B-4729-AE3D-B9D65D4866F3}" srcOrd="0" destOrd="0" presId="urn:microsoft.com/office/officeart/2005/8/layout/orgChart1"/>
+    <dgm:cxn modelId="{02326DB6-7A77-49FD-98E5-2C6693E505E3}" type="presOf" srcId="{D98FCB8D-DC39-4D65-95E7-7C7855E47225}" destId="{FC98869B-C9B7-4476-991B-714FA1A82A22}" srcOrd="0" destOrd="0" presId="urn:microsoft.com/office/officeart/2005/8/layout/orgChart1"/>
+    <dgm:cxn modelId="{403F51E6-5AFB-407C-A107-A2BAF3C62AA1}" type="presOf" srcId="{A4581349-2872-40C5-8D46-7BED0E3C06C7}" destId="{6A11937D-99F2-4DE0-A5A8-D5ED80FF407A}" srcOrd="0" destOrd="0" presId="urn:microsoft.com/office/officeart/2005/8/layout/orgChart1"/>
+    <dgm:cxn modelId="{E8C2B409-8DC7-40DB-80B8-A6FBF79AEF7E}" type="presOf" srcId="{A2E51DF9-6EF6-472D-ADEB-6175F6853FBB}" destId="{E4CB6786-CE6A-44AF-A1D0-4689A8CCE751}" srcOrd="0" destOrd="0" presId="urn:microsoft.com/office/officeart/2005/8/layout/orgChart1"/>
+    <dgm:cxn modelId="{113EF23A-1293-4FC8-85B2-60C2FAEC5A39}" type="presOf" srcId="{09F7D132-4C38-4261-9576-2FB8ACF5833F}" destId="{2020EFCE-68BA-4B19-ABB1-332294A297BE}" srcOrd="0" destOrd="0" presId="urn:microsoft.com/office/officeart/2005/8/layout/orgChart1"/>
+    <dgm:cxn modelId="{AAB7E25C-6873-4738-86BF-1CDBF0ABE61E}" type="presOf" srcId="{4F160ADF-C24E-446C-A06E-4EF4E989A9D0}" destId="{C1EB4642-9079-4759-A59E-9EF6C1B1C91C}" srcOrd="0" destOrd="0" presId="urn:microsoft.com/office/officeart/2005/8/layout/orgChart1"/>
+    <dgm:cxn modelId="{44182C51-6E01-43E2-B94D-CB765DF395BC}" type="presOf" srcId="{197B0C08-6382-431D-AB28-55C96D68E339}" destId="{1003B9DB-FB27-4614-8FB2-70EA40392E21}" srcOrd="0" destOrd="0" presId="urn:microsoft.com/office/officeart/2005/8/layout/orgChart1"/>
+    <dgm:cxn modelId="{57A0CD70-3B44-4509-876A-606E71E963D7}" srcId="{4F2AD6B1-AF71-41EA-8D92-6080902AE709}" destId="{77199A2B-AA42-42CA-A4A1-AC0F77AA5097}" srcOrd="0" destOrd="0" parTransId="{6B6D0A52-86F6-45CB-BBD3-E7415410EC18}" sibTransId="{A1DBA533-0EAD-495B-89FE-71250E90C2B4}"/>
+    <dgm:cxn modelId="{137E5E4E-F4B8-4468-8454-66863AE7CD2F}" srcId="{98DFC53C-C712-4C24-BA1F-6F9A861BF071}" destId="{C4F96898-197C-4912-9457-63585C09CC32}" srcOrd="2" destOrd="0" parTransId="{C54DCB2A-33C6-4E94-B77D-2F3179409A03}" sibTransId="{0D90F468-22C4-48A4-B312-7EDD5DBF4F15}"/>
+    <dgm:cxn modelId="{69D1AC54-3BBA-47BD-AC86-FB99231F4882}" srcId="{B9F38837-8687-499E-B82F-B9065C8BF1C9}" destId="{D98FCB8D-DC39-4D65-95E7-7C7855E47225}" srcOrd="0" destOrd="0" parTransId="{946B5F37-6C22-4C15-ABCF-113DBD092E23}" sibTransId="{4D25ADD0-773F-43E4-9DAE-D97689154BE0}"/>
+    <dgm:cxn modelId="{D6EAF08A-41DF-4312-9F82-12E7C56944A8}" type="presOf" srcId="{5CB685D3-4AB8-4431-9D88-659AB891F668}" destId="{F7C6C2C3-B5F3-4398-91F3-16F9E3585321}" srcOrd="0" destOrd="0" presId="urn:microsoft.com/office/officeart/2005/8/layout/orgChart1"/>
+    <dgm:cxn modelId="{6E5E0176-E61A-47E4-AD00-A936B17311C3}" type="presOf" srcId="{B9F38837-8687-499E-B82F-B9065C8BF1C9}" destId="{C04B2F75-F5D9-4996-A553-9EA811A3FF10}" srcOrd="0" destOrd="0" presId="urn:microsoft.com/office/officeart/2005/8/layout/orgChart1"/>
+    <dgm:cxn modelId="{1C3C072B-F8ED-4629-964D-46CC277BFF75}" type="presOf" srcId="{4F160ADF-C24E-446C-A06E-4EF4E989A9D0}" destId="{F732E962-E2BF-405B-B840-7ECF265C5591}" srcOrd="1" destOrd="0" presId="urn:microsoft.com/office/officeart/2005/8/layout/orgChart1"/>
+    <dgm:cxn modelId="{B41CEFDA-3960-4BA7-932A-BF7D295DDDA6}" srcId="{BCE8F335-61B9-4F1E-8209-9850F3840DB5}" destId="{60B530E3-5327-406D-90E0-54C167D794D5}" srcOrd="0" destOrd="0" parTransId="{1B263B2E-4573-47EF-9E0D-DF3701466D1E}" sibTransId="{F5BF5653-9564-46D5-A054-AA9DDEF04FFE}"/>
+    <dgm:cxn modelId="{D57E21BF-7993-425A-92AF-0772714235EF}" type="presOf" srcId="{4F2AD6B1-AF71-41EA-8D92-6080902AE709}" destId="{4775F299-F9B5-4B80-AE3D-7B039ADBBFB8}" srcOrd="0" destOrd="0" presId="urn:microsoft.com/office/officeart/2005/8/layout/orgChart1"/>
+    <dgm:cxn modelId="{C9286E3C-9188-4DC8-85D3-48F41FCA14A7}" srcId="{98DFC53C-C712-4C24-BA1F-6F9A861BF071}" destId="{5BED52AA-A5FA-4859-BE06-5FC71C33E90E}" srcOrd="4" destOrd="0" parTransId="{335D5D16-55AB-477F-BA1D-9211CFB7681A}" sibTransId="{B26F3F32-E208-4A27-A366-50F4AC4F7B9D}"/>
+    <dgm:cxn modelId="{AC8E239D-1BF3-41D3-B340-A6DC8C206B2F}" type="presOf" srcId="{5BED52AA-A5FA-4859-BE06-5FC71C33E90E}" destId="{5FBE539D-F4F8-43AA-B428-7E8477FF19D9}" srcOrd="1" destOrd="0" presId="urn:microsoft.com/office/officeart/2005/8/layout/orgChart1"/>
+    <dgm:cxn modelId="{963FA20D-219C-41E2-9442-E74BA8ACEB4B}" type="presOf" srcId="{5635B0BC-C7AF-4120-A112-775CA4D12C04}" destId="{BA2D007C-531A-496B-BED9-7B1D36423921}" srcOrd="0" destOrd="0" presId="urn:microsoft.com/office/officeart/2005/8/layout/orgChart1"/>
+    <dgm:cxn modelId="{26B062AF-A566-45BE-925E-7196621430C1}" srcId="{B9F38837-8687-499E-B82F-B9065C8BF1C9}" destId="{ACB9EECF-3615-4370-BE8E-E14AA7D737FD}" srcOrd="1" destOrd="0" parTransId="{65546138-D069-46B9-A33D-D1AA75B2B96D}" sibTransId="{B366C512-3CA9-46F0-BC53-BB3E9714DE78}"/>
+    <dgm:cxn modelId="{09A021E1-788F-4ED3-8611-97189FC7D2D0}" type="presOf" srcId="{8D98843E-6DA9-497E-95C2-95C18B45FE58}" destId="{E4703DDF-6FB2-4863-8231-F7C56E1D71E2}" srcOrd="0" destOrd="0" presId="urn:microsoft.com/office/officeart/2005/8/layout/orgChart1"/>
+    <dgm:cxn modelId="{857F6A66-58D8-4D63-B208-7CD89EB5A9D4}" type="presOf" srcId="{C2C0B7EA-C790-4514-9B1B-0CF79F965E6C}" destId="{B803F061-8FE5-4597-A79E-E49A0C18B6C0}" srcOrd="0" destOrd="0" presId="urn:microsoft.com/office/officeart/2005/8/layout/orgChart1"/>
+    <dgm:cxn modelId="{0045C3B4-EA96-4FFF-8E95-51867A8C55D9}" type="presOf" srcId="{AE101966-5EAF-488F-9CA2-7D9E47474105}" destId="{0FD66D6D-3FA3-4441-9DF6-C5AA16F5FA50}" srcOrd="0" destOrd="0" presId="urn:microsoft.com/office/officeart/2005/8/layout/orgChart1"/>
+    <dgm:cxn modelId="{4D4A7B4A-5A81-48B3-9416-61C2278F8851}" type="presOf" srcId="{3465EB48-8079-4986-874F-A0E7B4670A6F}" destId="{9F42E85C-870A-44F4-97D1-F5C28CE0EBB1}" srcOrd="0" destOrd="0" presId="urn:microsoft.com/office/officeart/2005/8/layout/orgChart1"/>
+    <dgm:cxn modelId="{9BF3A78E-918F-49EC-9F0E-E61D1D1E9A28}" type="presOf" srcId="{8D98843E-6DA9-497E-95C2-95C18B45FE58}" destId="{1F99CF7F-8883-421D-9613-EE04CA751BAF}" srcOrd="1" destOrd="0" presId="urn:microsoft.com/office/officeart/2005/8/layout/orgChart1"/>
+    <dgm:cxn modelId="{E9142DB5-976F-4770-AED9-3B18A1B64CE9}" type="presOf" srcId="{5BED52AA-A5FA-4859-BE06-5FC71C33E90E}" destId="{D853971B-6427-4A06-AFCF-56D38EA35794}" srcOrd="0" destOrd="0" presId="urn:microsoft.com/office/officeart/2005/8/layout/orgChart1"/>
     <dgm:cxn modelId="{EE6B2FCA-EA3E-451E-93AD-1811C5A613A5}" type="presOf" srcId="{96223339-6B49-4913-8945-E48611C5F71E}" destId="{6B8DCE9F-890B-44D9-B72C-397107DAC59A}" srcOrd="0" destOrd="0" presId="urn:microsoft.com/office/officeart/2005/8/layout/orgChart1"/>
+    <dgm:cxn modelId="{81B2552B-0F87-45A0-A5ED-EB14AC0CFAEF}" type="presOf" srcId="{77199A2B-AA42-42CA-A4A1-AC0F77AA5097}" destId="{F52DAE17-5795-4B0B-8347-4C282F6E0361}" srcOrd="0" destOrd="0" presId="urn:microsoft.com/office/officeart/2005/8/layout/orgChart1"/>
+    <dgm:cxn modelId="{82CA18C9-CFC9-477E-8176-EBE3488BB2A5}" type="presOf" srcId="{35ED4473-9168-4805-986B-17BEE872FD54}" destId="{FC544B72-B1B0-49B8-BFF6-606AEA523274}" srcOrd="1" destOrd="0" presId="urn:microsoft.com/office/officeart/2005/8/layout/orgChart1"/>
+    <dgm:cxn modelId="{F73F0E4E-65BA-4956-B770-27CEC0D866A1}" srcId="{60B530E3-5327-406D-90E0-54C167D794D5}" destId="{A2E51DF9-6EF6-472D-ADEB-6175F6853FBB}" srcOrd="1" destOrd="0" parTransId="{4DB5D699-8D7D-4515-935A-946AE017E31B}" sibTransId="{A52DC0D7-1173-43E2-AC3C-E85359E8690C}"/>
+    <dgm:cxn modelId="{9C2AE41B-2689-42E9-A915-4E7B733D2C9E}" type="presOf" srcId="{84377B12-41EE-40AE-916E-8E94F70C3CF2}" destId="{14EF1230-5BFB-4DFA-95C9-45FA886449F5}" srcOrd="0" destOrd="0" presId="urn:microsoft.com/office/officeart/2005/8/layout/orgChart1"/>
+    <dgm:cxn modelId="{BE3FBA8B-41FE-4E62-90AE-5889E09C266E}" srcId="{4F2AD6B1-AF71-41EA-8D92-6080902AE709}" destId="{4F160ADF-C24E-446C-A06E-4EF4E989A9D0}" srcOrd="1" destOrd="0" parTransId="{96223339-6B49-4913-8945-E48611C5F71E}" sibTransId="{8C30D594-C9AB-4568-B314-A672DFD29851}"/>
+    <dgm:cxn modelId="{B262BDF6-E161-42AD-9DE0-AD11E49A2B73}" type="presOf" srcId="{4F2AD6B1-AF71-41EA-8D92-6080902AE709}" destId="{DFC2C0CC-7D60-42B9-9E62-3A38CFA64E5B}" srcOrd="1" destOrd="0" presId="urn:microsoft.com/office/officeart/2005/8/layout/orgChart1"/>
+    <dgm:cxn modelId="{FE342C8B-BA5D-4E13-8B78-6852D524FB38}" type="presOf" srcId="{5664A7A9-ED73-41F1-B5FB-DF8427CD1B24}" destId="{8DB73682-E5AC-470E-8C11-B627E9570F6B}" srcOrd="0" destOrd="0" presId="urn:microsoft.com/office/officeart/2005/8/layout/orgChart1"/>
+    <dgm:cxn modelId="{D41A8CB1-2999-43E5-8797-2B62B2DAD64D}" type="presOf" srcId="{ACB9EECF-3615-4370-BE8E-E14AA7D737FD}" destId="{E67F6A43-466D-4A97-BD83-4CE1A91B2534}" srcOrd="1" destOrd="0" presId="urn:microsoft.com/office/officeart/2005/8/layout/orgChart1"/>
+    <dgm:cxn modelId="{074E5C31-8215-4CAC-9A3D-51B0840CC2E0}" type="presOf" srcId="{84377B12-41EE-40AE-916E-8E94F70C3CF2}" destId="{55A9C482-17A7-473B-9CC5-C44BDD298EA8}" srcOrd="1" destOrd="0" presId="urn:microsoft.com/office/officeart/2005/8/layout/orgChart1"/>
+    <dgm:cxn modelId="{988501DF-12C9-44F9-A117-D4915E980F5D}" type="presOf" srcId="{ACB9EECF-3615-4370-BE8E-E14AA7D737FD}" destId="{FE271B0B-0B52-432D-B15E-FD5E6F22A487}" srcOrd="0" destOrd="0" presId="urn:microsoft.com/office/officeart/2005/8/layout/orgChart1"/>
+    <dgm:cxn modelId="{D2D6A557-7D5D-44ED-BFCE-FB60F34E4EBC}" type="presOf" srcId="{6B6D0A52-86F6-45CB-BBD3-E7415410EC18}" destId="{ECB3358C-009B-4874-AD92-2E2BDDF5DCD0}" srcOrd="0" destOrd="0" presId="urn:microsoft.com/office/officeart/2005/8/layout/orgChart1"/>
+    <dgm:cxn modelId="{EEC2E38C-FC1E-46E5-B3CC-A8E684F8E949}" type="presOf" srcId="{B8C5EDC1-AD8E-45ED-8F04-D936FEB9ED73}" destId="{4C353873-5FCB-4CAF-AB36-847CF82E5C18}" srcOrd="1" destOrd="0" presId="urn:microsoft.com/office/officeart/2005/8/layout/orgChart1"/>
+    <dgm:cxn modelId="{4DBBC695-EFC3-43E7-AADF-9B12F4EEB1AE}" type="presOf" srcId="{A2E51DF9-6EF6-472D-ADEB-6175F6853FBB}" destId="{A8B7BF1C-B588-416F-9602-1DE35C154505}" srcOrd="1" destOrd="0" presId="urn:microsoft.com/office/officeart/2005/8/layout/orgChart1"/>
     <dgm:cxn modelId="{301C2C4C-72CC-465F-AB3D-D4C6F17A327B}" srcId="{B9F38837-8687-499E-B82F-B9065C8BF1C9}" destId="{84377B12-41EE-40AE-916E-8E94F70C3CF2}" srcOrd="2" destOrd="0" parTransId="{22573936-B871-42E1-90CB-9CFC80CE6D06}" sibTransId="{ECB57023-AA95-4977-BFC3-CF2257735421}"/>
-    <dgm:cxn modelId="{B262BDF6-E161-42AD-9DE0-AD11E49A2B73}" type="presOf" srcId="{4F2AD6B1-AF71-41EA-8D92-6080902AE709}" destId="{DFC2C0CC-7D60-42B9-9E62-3A38CFA64E5B}" srcOrd="1" destOrd="0" presId="urn:microsoft.com/office/officeart/2005/8/layout/orgChart1"/>
-    <dgm:cxn modelId="{F70D81A3-4810-4CA0-8422-B5D144D1541F}" srcId="{98DFC53C-C712-4C24-BA1F-6F9A861BF071}" destId="{35ED4473-9168-4805-986B-17BEE872FD54}" srcOrd="0" destOrd="0" parTransId="{5CB685D3-4AB8-4431-9D88-659AB891F668}" sibTransId="{CA2DB7C1-F274-441C-BDC4-7FF922F38746}"/>
-    <dgm:cxn modelId="{D57E21BF-7993-425A-92AF-0772714235EF}" type="presOf" srcId="{4F2AD6B1-AF71-41EA-8D92-6080902AE709}" destId="{4775F299-F9B5-4B80-AE3D-7B039ADBBFB8}" srcOrd="0" destOrd="0" presId="urn:microsoft.com/office/officeart/2005/8/layout/orgChart1"/>
-    <dgm:cxn modelId="{80190F7B-C21D-4976-A954-6902912FAE01}" type="presOf" srcId="{6FD5BEAA-2B16-4D3D-B71C-7206D8273491}" destId="{6B020A99-A670-44F8-9C67-522E31DD353A}" srcOrd="0" destOrd="0" presId="urn:microsoft.com/office/officeart/2005/8/layout/orgChart1"/>
-    <dgm:cxn modelId="{616459C6-DC08-4155-8393-33F7CAD7AF1D}" type="presOf" srcId="{33B208AD-4161-431F-9541-80B492278075}" destId="{F28CDCEB-436B-4874-BD85-9B229D2FC0D0}" srcOrd="1" destOrd="0" presId="urn:microsoft.com/office/officeart/2005/8/layout/orgChart1"/>
-    <dgm:cxn modelId="{1E67B403-909F-4B6A-B945-630A476223B5}" type="presOf" srcId="{3465EB48-8079-4986-874F-A0E7B4670A6F}" destId="{8CE58E53-C41E-4D05-B9AB-A49692DA674F}" srcOrd="1" destOrd="0" presId="urn:microsoft.com/office/officeart/2005/8/layout/orgChart1"/>
-    <dgm:cxn modelId="{0045C3B4-EA96-4FFF-8E95-51867A8C55D9}" type="presOf" srcId="{AE101966-5EAF-488F-9CA2-7D9E47474105}" destId="{0FD66D6D-3FA3-4441-9DF6-C5AA16F5FA50}" srcOrd="0" destOrd="0" presId="urn:microsoft.com/office/officeart/2005/8/layout/orgChart1"/>
-    <dgm:cxn modelId="{02326DB6-7A77-49FD-98E5-2C6693E505E3}" type="presOf" srcId="{D98FCB8D-DC39-4D65-95E7-7C7855E47225}" destId="{FC98869B-C9B7-4476-991B-714FA1A82A22}" srcOrd="0" destOrd="0" presId="urn:microsoft.com/office/officeart/2005/8/layout/orgChart1"/>
-    <dgm:cxn modelId="{D41A8CB1-2999-43E5-8797-2B62B2DAD64D}" type="presOf" srcId="{ACB9EECF-3615-4370-BE8E-E14AA7D737FD}" destId="{E67F6A43-466D-4A97-BD83-4CE1A91B2534}" srcOrd="1" destOrd="0" presId="urn:microsoft.com/office/officeart/2005/8/layout/orgChart1"/>
+    <dgm:cxn modelId="{5E53AF51-151E-4083-9B12-AAF1C8A844EE}" srcId="{4F2AD6B1-AF71-41EA-8D92-6080902AE709}" destId="{3465EB48-8079-4986-874F-A0E7B4670A6F}" srcOrd="2" destOrd="0" parTransId="{6FD5BEAA-2B16-4D3D-B71C-7206D8273491}" sibTransId="{0D0B97EB-AAE1-49FA-B4DD-BBEC34D21B67}"/>
+    <dgm:cxn modelId="{A53D8DE2-917E-4047-8F0B-14F314686C84}" type="presOf" srcId="{A2EE7EFC-492E-41E7-908B-5BAF0831E831}" destId="{B97BC269-AE63-4329-8957-04AED5535A0B}" srcOrd="1" destOrd="0" presId="urn:microsoft.com/office/officeart/2005/8/layout/orgChart1"/>
+    <dgm:cxn modelId="{B1ED383F-CA0F-476A-A135-315D3607ECE7}" srcId="{33B208AD-4161-431F-9541-80B492278075}" destId="{09F7D132-4C38-4261-9576-2FB8ACF5833F}" srcOrd="1" destOrd="0" parTransId="{197B0C08-6382-431D-AB28-55C96D68E339}" sibTransId="{E792330B-2514-4E4F-B622-B575C7A88F6E}"/>
     <dgm:cxn modelId="{5CE3A873-E282-401B-B8A8-5489A4F15D36}" type="presOf" srcId="{09F7D132-4C38-4261-9576-2FB8ACF5833F}" destId="{4B7DFF85-A8EF-415A-ACEB-F54D1D206024}" srcOrd="1" destOrd="0" presId="urn:microsoft.com/office/officeart/2005/8/layout/orgChart1"/>
     <dgm:cxn modelId="{68AA7825-4EDF-43BF-847A-3653C69DB760}" srcId="{B8C5EDC1-AD8E-45ED-8F04-D936FEB9ED73}" destId="{98DFC53C-C712-4C24-BA1F-6F9A861BF071}" srcOrd="0" destOrd="0" parTransId="{604D2F2B-2A5C-45DA-8ECD-CC43ACFAA9E5}" sibTransId="{34C53165-43AA-4A48-B6BE-B8EA4C9B16EC}"/>
-    <dgm:cxn modelId="{82CA18C9-CFC9-477E-8176-EBE3488BB2A5}" type="presOf" srcId="{35ED4473-9168-4805-986B-17BEE872FD54}" destId="{FC544B72-B1B0-49B8-BFF6-606AEA523274}" srcOrd="1" destOrd="0" presId="urn:microsoft.com/office/officeart/2005/8/layout/orgChart1"/>
-    <dgm:cxn modelId="{F7213B9A-F7C7-44B2-86D1-80EE03E114E4}" type="presOf" srcId="{B9F38837-8687-499E-B82F-B9065C8BF1C9}" destId="{8E2222EA-4BE1-4CB5-BD4C-4C048C08787B}" srcOrd="1" destOrd="0" presId="urn:microsoft.com/office/officeart/2005/8/layout/orgChart1"/>
-    <dgm:cxn modelId="{19DE37E4-BD87-41A1-B037-4F823A363F9C}" srcId="{A2E51DF9-6EF6-472D-ADEB-6175F6853FBB}" destId="{B9F38837-8687-499E-B82F-B9065C8BF1C9}" srcOrd="1" destOrd="0" parTransId="{BDED0DE2-12A1-476E-8F6A-88F3CEC0EE8D}" sibTransId="{EE1846D3-7F49-44FC-94F3-CF3A11615112}"/>
-    <dgm:cxn modelId="{963FA20D-219C-41E2-9442-E74BA8ACEB4B}" type="presOf" srcId="{5635B0BC-C7AF-4120-A112-775CA4D12C04}" destId="{BA2D007C-531A-496B-BED9-7B1D36423921}" srcOrd="0" destOrd="0" presId="urn:microsoft.com/office/officeart/2005/8/layout/orgChart1"/>
-    <dgm:cxn modelId="{81B2552B-0F87-45A0-A5ED-EB14AC0CFAEF}" type="presOf" srcId="{77199A2B-AA42-42CA-A4A1-AC0F77AA5097}" destId="{F52DAE17-5795-4B0B-8347-4C282F6E0361}" srcOrd="0" destOrd="0" presId="urn:microsoft.com/office/officeart/2005/8/layout/orgChart1"/>
-    <dgm:cxn modelId="{4A16E8E7-0D64-4E53-A35A-AEEA86A78A4B}" type="presOf" srcId="{4DB5D699-8D7D-4515-935A-946AE017E31B}" destId="{E2FDEE27-5B1E-4DFA-B492-3A66F0EA3D9D}" srcOrd="0" destOrd="0" presId="urn:microsoft.com/office/officeart/2005/8/layout/orgChart1"/>
-    <dgm:cxn modelId="{99106682-AADB-48FE-8E8D-7FBE96E8E043}" type="presOf" srcId="{60B530E3-5327-406D-90E0-54C167D794D5}" destId="{C504C74F-F6ED-447F-93A8-A5F7EA06663C}" srcOrd="1" destOrd="0" presId="urn:microsoft.com/office/officeart/2005/8/layout/orgChart1"/>
-    <dgm:cxn modelId="{C9286E3C-9188-4DC8-85D3-48F41FCA14A7}" srcId="{98DFC53C-C712-4C24-BA1F-6F9A861BF071}" destId="{5BED52AA-A5FA-4859-BE06-5FC71C33E90E}" srcOrd="4" destOrd="0" parTransId="{335D5D16-55AB-477F-BA1D-9211CFB7681A}" sibTransId="{B26F3F32-E208-4A27-A366-50F4AC4F7B9D}"/>
-    <dgm:cxn modelId="{23857870-CD8B-4E2D-ACB9-41FDF2D34696}" type="presOf" srcId="{33B208AD-4161-431F-9541-80B492278075}" destId="{BBFA683D-8C74-4BB2-BAB5-0CC39F3F35A3}" srcOrd="0" destOrd="0" presId="urn:microsoft.com/office/officeart/2005/8/layout/orgChart1"/>
-    <dgm:cxn modelId="{DF6F795C-A1A3-4BAA-8512-04EE21BC2E1A}" type="presOf" srcId="{77199A2B-AA42-42CA-A4A1-AC0F77AA5097}" destId="{39CDD02A-D100-4066-B36D-D8BA2B35EFA5}" srcOrd="1" destOrd="0" presId="urn:microsoft.com/office/officeart/2005/8/layout/orgChart1"/>
-    <dgm:cxn modelId="{0F0E8B23-647F-4A60-84D6-86DCAE3C9AAD}" type="presOf" srcId="{22573936-B871-42E1-90CB-9CFC80CE6D06}" destId="{9A79AF42-4ABE-4FB7-BD68-E7DBD45D7AF9}" srcOrd="0" destOrd="0" presId="urn:microsoft.com/office/officeart/2005/8/layout/orgChart1"/>
-    <dgm:cxn modelId="{B1ED383F-CA0F-476A-A135-315D3607ECE7}" srcId="{33B208AD-4161-431F-9541-80B492278075}" destId="{09F7D132-4C38-4261-9576-2FB8ACF5833F}" srcOrd="1" destOrd="0" parTransId="{197B0C08-6382-431D-AB28-55C96D68E339}" sibTransId="{E792330B-2514-4E4F-B622-B575C7A88F6E}"/>
-    <dgm:cxn modelId="{44182C51-6E01-43E2-B94D-CB765DF395BC}" type="presOf" srcId="{197B0C08-6382-431D-AB28-55C96D68E339}" destId="{1003B9DB-FB27-4614-8FB2-70EA40392E21}" srcOrd="0" destOrd="0" presId="urn:microsoft.com/office/officeart/2005/8/layout/orgChart1"/>
-    <dgm:cxn modelId="{3085BD57-CFAB-4DFA-8206-1F637CDAC772}" type="presOf" srcId="{C54DCB2A-33C6-4E94-B77D-2F3179409A03}" destId="{92506785-A361-40C2-9B72-2E97B90CAB54}" srcOrd="0" destOrd="0" presId="urn:microsoft.com/office/officeart/2005/8/layout/orgChart1"/>
-    <dgm:cxn modelId="{AAB7E25C-6873-4738-86BF-1CDBF0ABE61E}" type="presOf" srcId="{4F160ADF-C24E-446C-A06E-4EF4E989A9D0}" destId="{C1EB4642-9079-4759-A59E-9EF6C1B1C91C}" srcOrd="0" destOrd="0" presId="urn:microsoft.com/office/officeart/2005/8/layout/orgChart1"/>
+    <dgm:cxn modelId="{F70D81A3-4810-4CA0-8422-B5D144D1541F}" srcId="{98DFC53C-C712-4C24-BA1F-6F9A861BF071}" destId="{35ED4473-9168-4805-986B-17BEE872FD54}" srcOrd="0" destOrd="0" parTransId="{5CB685D3-4AB8-4431-9D88-659AB891F668}" sibTransId="{CA2DB7C1-F274-441C-BDC4-7FF922F38746}"/>
+    <dgm:cxn modelId="{809138F1-B34A-4A47-A76A-CD80C435EB7C}" type="presOf" srcId="{C4F96898-197C-4912-9457-63585C09CC32}" destId="{B586195B-2976-4D63-B969-A04327C2B3F0}" srcOrd="0" destOrd="0" presId="urn:microsoft.com/office/officeart/2005/8/layout/orgChart1"/>
+    <dgm:cxn modelId="{4878E43B-2233-484E-A665-929C2ABFAC61}" type="presOf" srcId="{946B5F37-6C22-4C15-ABCF-113DBD092E23}" destId="{B6E7839F-8EA9-4325-8E33-2DA26E7547A1}" srcOrd="0" destOrd="0" presId="urn:microsoft.com/office/officeart/2005/8/layout/orgChart1"/>
+    <dgm:cxn modelId="{7B960B17-93E2-4210-9432-41D9471C32AB}" srcId="{33B208AD-4161-431F-9541-80B492278075}" destId="{8D98843E-6DA9-497E-95C2-95C18B45FE58}" srcOrd="0" destOrd="0" parTransId="{A4581349-2872-40C5-8D46-7BED0E3C06C7}" sibTransId="{32EB89E6-AB83-4DAE-9B6F-656AA95CA0E2}"/>
     <dgm:cxn modelId="{82AE5941-8F9E-4CB0-A933-680D0C937633}" type="presOf" srcId="{5635B0BC-C7AF-4120-A112-775CA4D12C04}" destId="{FF8AE262-9002-45B2-AB53-8458A529265E}" srcOrd="1" destOrd="0" presId="urn:microsoft.com/office/officeart/2005/8/layout/orgChart1"/>
-    <dgm:cxn modelId="{4D4A7B4A-5A81-48B3-9416-61C2278F8851}" type="presOf" srcId="{3465EB48-8079-4986-874F-A0E7B4670A6F}" destId="{9F42E85C-870A-44F4-97D1-F5C28CE0EBB1}" srcOrd="0" destOrd="0" presId="urn:microsoft.com/office/officeart/2005/8/layout/orgChart1"/>
-    <dgm:cxn modelId="{3758563F-9F1B-4F14-A352-900B1CE8ADC0}" type="presOf" srcId="{65546138-D069-46B9-A33D-D1AA75B2B96D}" destId="{72840CAB-F435-47B8-B890-8CC93A8C0E48}" srcOrd="0" destOrd="0" presId="urn:microsoft.com/office/officeart/2005/8/layout/orgChart1"/>
-    <dgm:cxn modelId="{988501DF-12C9-44F9-A117-D4915E980F5D}" type="presOf" srcId="{ACB9EECF-3615-4370-BE8E-E14AA7D737FD}" destId="{FE271B0B-0B52-432D-B15E-FD5E6F22A487}" srcOrd="0" destOrd="0" presId="urn:microsoft.com/office/officeart/2005/8/layout/orgChart1"/>
-    <dgm:cxn modelId="{6E5E0176-E61A-47E4-AD00-A936B17311C3}" type="presOf" srcId="{B9F38837-8687-499E-B82F-B9065C8BF1C9}" destId="{C04B2F75-F5D9-4996-A553-9EA811A3FF10}" srcOrd="0" destOrd="0" presId="urn:microsoft.com/office/officeart/2005/8/layout/orgChart1"/>
-    <dgm:cxn modelId="{B2A39964-3032-498B-AEFC-702505DE5682}" type="presOf" srcId="{98DFC53C-C712-4C24-BA1F-6F9A861BF071}" destId="{0BC8053C-FFB2-45D9-AABA-9FB695233B05}" srcOrd="0" destOrd="0" presId="urn:microsoft.com/office/officeart/2005/8/layout/orgChart1"/>
-    <dgm:cxn modelId="{5E53AF51-151E-4083-9B12-AAF1C8A844EE}" srcId="{4F2AD6B1-AF71-41EA-8D92-6080902AE709}" destId="{3465EB48-8079-4986-874F-A0E7B4670A6F}" srcOrd="2" destOrd="0" parTransId="{6FD5BEAA-2B16-4D3D-B71C-7206D8273491}" sibTransId="{0D0B97EB-AAE1-49FA-B4DD-BBEC34D21B67}"/>
-    <dgm:cxn modelId="{40D16403-2461-4B76-907A-952E08EF898C}" type="presOf" srcId="{BCE8F335-61B9-4F1E-8209-9850F3840DB5}" destId="{85BDDD1C-D601-4DEE-BD03-6242DD704F73}" srcOrd="0" destOrd="0" presId="urn:microsoft.com/office/officeart/2005/8/layout/orgChart1"/>
-    <dgm:cxn modelId="{46B76E67-2D78-41F6-B5AE-2875F6DD12D8}" type="presOf" srcId="{C4F96898-197C-4912-9457-63585C09CC32}" destId="{BCF2178C-9233-4668-B39E-CF4B18917E51}" srcOrd="1" destOrd="0" presId="urn:microsoft.com/office/officeart/2005/8/layout/orgChart1"/>
-    <dgm:cxn modelId="{CC29AEF5-C2B7-4C87-8553-54B5DD1820F6}" srcId="{60B530E3-5327-406D-90E0-54C167D794D5}" destId="{B8C5EDC1-AD8E-45ED-8F04-D936FEB9ED73}" srcOrd="0" destOrd="0" parTransId="{5664A7A9-ED73-41F1-B5FB-DF8427CD1B24}" sibTransId="{B42B7A84-FEAC-4C6B-A73A-5CBB4BE9CDB3}"/>
-    <dgm:cxn modelId="{B95947D4-DED8-4E55-916B-5414A910F9D1}" type="presOf" srcId="{CA4EF7B6-94C7-4BA4-A888-B0247EDCF8E2}" destId="{34932DF9-D2F3-49E4-95AA-CD74BC0A2F01}" srcOrd="0" destOrd="0" presId="urn:microsoft.com/office/officeart/2005/8/layout/orgChart1"/>
-    <dgm:cxn modelId="{7203493E-1368-466B-8AD9-16DA3DE9724E}" type="presOf" srcId="{A2EE7EFC-492E-41E7-908B-5BAF0831E831}" destId="{097112E5-6B00-4C8A-B3CD-EF78A41B74CE}" srcOrd="0" destOrd="0" presId="urn:microsoft.com/office/officeart/2005/8/layout/orgChart1"/>
-    <dgm:cxn modelId="{403F51E6-5AFB-407C-A107-A2BAF3C62AA1}" type="presOf" srcId="{A4581349-2872-40C5-8D46-7BED0E3C06C7}" destId="{6A11937D-99F2-4DE0-A5A8-D5ED80FF407A}" srcOrd="0" destOrd="0" presId="urn:microsoft.com/office/officeart/2005/8/layout/orgChart1"/>
-    <dgm:cxn modelId="{E8C2B409-8DC7-40DB-80B8-A6FBF79AEF7E}" type="presOf" srcId="{A2E51DF9-6EF6-472D-ADEB-6175F6853FBB}" destId="{E4CB6786-CE6A-44AF-A1D0-4689A8CCE751}" srcOrd="0" destOrd="0" presId="urn:microsoft.com/office/officeart/2005/8/layout/orgChart1"/>
-    <dgm:cxn modelId="{7F8B27F0-8F86-4C70-BC0A-D893699915E8}" type="presOf" srcId="{98DFC53C-C712-4C24-BA1F-6F9A861BF071}" destId="{395BFB63-7935-4D09-8A49-55226A7D5C49}" srcOrd="1" destOrd="0" presId="urn:microsoft.com/office/officeart/2005/8/layout/orgChart1"/>
-    <dgm:cxn modelId="{857F6A66-58D8-4D63-B208-7CD89EB5A9D4}" type="presOf" srcId="{C2C0B7EA-C790-4514-9B1B-0CF79F965E6C}" destId="{B803F061-8FE5-4597-A79E-E49A0C18B6C0}" srcOrd="0" destOrd="0" presId="urn:microsoft.com/office/officeart/2005/8/layout/orgChart1"/>
-    <dgm:cxn modelId="{A53D8DE2-917E-4047-8F0B-14F314686C84}" type="presOf" srcId="{A2EE7EFC-492E-41E7-908B-5BAF0831E831}" destId="{B97BC269-AE63-4329-8957-04AED5535A0B}" srcOrd="1" destOrd="0" presId="urn:microsoft.com/office/officeart/2005/8/layout/orgChart1"/>
-    <dgm:cxn modelId="{809138F1-B34A-4A47-A76A-CD80C435EB7C}" type="presOf" srcId="{C4F96898-197C-4912-9457-63585C09CC32}" destId="{B586195B-2976-4D63-B969-A04327C2B3F0}" srcOrd="0" destOrd="0" presId="urn:microsoft.com/office/officeart/2005/8/layout/orgChart1"/>
-    <dgm:cxn modelId="{9BF3A78E-918F-49EC-9F0E-E61D1D1E9A28}" type="presOf" srcId="{8D98843E-6DA9-497E-95C2-95C18B45FE58}" destId="{1F99CF7F-8883-421D-9613-EE04CA751BAF}" srcOrd="1" destOrd="0" presId="urn:microsoft.com/office/officeart/2005/8/layout/orgChart1"/>
-    <dgm:cxn modelId="{AC8E239D-1BF3-41D3-B340-A6DC8C206B2F}" type="presOf" srcId="{5BED52AA-A5FA-4859-BE06-5FC71C33E90E}" destId="{5FBE539D-F4F8-43AA-B428-7E8477FF19D9}" srcOrd="1" destOrd="0" presId="urn:microsoft.com/office/officeart/2005/8/layout/orgChart1"/>
-    <dgm:cxn modelId="{656EFB77-587E-4417-911A-DE92B20DC4B1}" srcId="{98DFC53C-C712-4C24-BA1F-6F9A861BF071}" destId="{5635B0BC-C7AF-4120-A112-775CA4D12C04}" srcOrd="1" destOrd="0" parTransId="{CA4EF7B6-94C7-4BA4-A888-B0247EDCF8E2}" sibTransId="{9E47AA24-2C26-4C5F-B86C-DB789370797A}"/>
-    <dgm:cxn modelId="{3CCC1059-7425-479B-8E25-AA3F512124F8}" type="presOf" srcId="{0ED7CFCE-1674-46D0-833D-89B86977A0BA}" destId="{E9CCF48D-94C3-453A-AD36-963518B7DE8C}" srcOrd="0" destOrd="0" presId="urn:microsoft.com/office/officeart/2005/8/layout/orgChart1"/>
-    <dgm:cxn modelId="{DBE6D29F-CAB1-4C77-ACFC-19F93DA567D5}" srcId="{B8C5EDC1-AD8E-45ED-8F04-D936FEB9ED73}" destId="{33B208AD-4161-431F-9541-80B492278075}" srcOrd="1" destOrd="0" parTransId="{0ED7CFCE-1674-46D0-833D-89B86977A0BA}" sibTransId="{A6DBE9F2-DF7B-4224-9E9A-501239333C45}"/>
-    <dgm:cxn modelId="{4878E43B-2233-484E-A665-929C2ABFAC61}" type="presOf" srcId="{946B5F37-6C22-4C15-ABCF-113DBD092E23}" destId="{B6E7839F-8EA9-4325-8E33-2DA26E7547A1}" srcOrd="0" destOrd="0" presId="urn:microsoft.com/office/officeart/2005/8/layout/orgChart1"/>
-    <dgm:cxn modelId="{26B062AF-A566-45BE-925E-7196621430C1}" srcId="{B9F38837-8687-499E-B82F-B9065C8BF1C9}" destId="{ACB9EECF-3615-4370-BE8E-E14AA7D737FD}" srcOrd="1" destOrd="0" parTransId="{65546138-D069-46B9-A33D-D1AA75B2B96D}" sibTransId="{B366C512-3CA9-46F0-BC53-BB3E9714DE78}"/>
-    <dgm:cxn modelId="{4DBBC695-EFC3-43E7-AADF-9B12F4EEB1AE}" type="presOf" srcId="{A2E51DF9-6EF6-472D-ADEB-6175F6853FBB}" destId="{A8B7BF1C-B588-416F-9602-1DE35C154505}" srcOrd="1" destOrd="0" presId="urn:microsoft.com/office/officeart/2005/8/layout/orgChart1"/>
-    <dgm:cxn modelId="{D6EAF08A-41DF-4312-9F82-12E7C56944A8}" type="presOf" srcId="{5CB685D3-4AB8-4431-9D88-659AB891F668}" destId="{F7C6C2C3-B5F3-4398-91F3-16F9E3585321}" srcOrd="0" destOrd="0" presId="urn:microsoft.com/office/officeart/2005/8/layout/orgChart1"/>
-    <dgm:cxn modelId="{7B960B17-93E2-4210-9432-41D9471C32AB}" srcId="{33B208AD-4161-431F-9541-80B492278075}" destId="{8D98843E-6DA9-497E-95C2-95C18B45FE58}" srcOrd="0" destOrd="0" parTransId="{A4581349-2872-40C5-8D46-7BED0E3C06C7}" sibTransId="{32EB89E6-AB83-4DAE-9B6F-656AA95CA0E2}"/>
-    <dgm:cxn modelId="{BE3FBA8B-41FE-4E62-90AE-5889E09C266E}" srcId="{4F2AD6B1-AF71-41EA-8D92-6080902AE709}" destId="{4F160ADF-C24E-446C-A06E-4EF4E989A9D0}" srcOrd="1" destOrd="0" parTransId="{96223339-6B49-4913-8945-E48611C5F71E}" sibTransId="{8C30D594-C9AB-4568-B314-A672DFD29851}"/>
-    <dgm:cxn modelId="{71A495DF-0405-41D8-B6DE-A86A12B4F64F}" type="presOf" srcId="{D98FCB8D-DC39-4D65-95E7-7C7855E47225}" destId="{693CE00F-E21D-455C-A1F6-BCE34098F36A}" srcOrd="1" destOrd="0" presId="urn:microsoft.com/office/officeart/2005/8/layout/orgChart1"/>
-    <dgm:cxn modelId="{D2D6A557-7D5D-44ED-BFCE-FB60F34E4EBC}" type="presOf" srcId="{6B6D0A52-86F6-45CB-BBD3-E7415410EC18}" destId="{ECB3358C-009B-4874-AD92-2E2BDDF5DCD0}" srcOrd="0" destOrd="0" presId="urn:microsoft.com/office/officeart/2005/8/layout/orgChart1"/>
-    <dgm:cxn modelId="{69D1AC54-3BBA-47BD-AC86-FB99231F4882}" srcId="{B9F38837-8687-499E-B82F-B9065C8BF1C9}" destId="{D98FCB8D-DC39-4D65-95E7-7C7855E47225}" srcOrd="0" destOrd="0" parTransId="{946B5F37-6C22-4C15-ABCF-113DBD092E23}" sibTransId="{4D25ADD0-773F-43E4-9DAE-D97689154BE0}"/>
-    <dgm:cxn modelId="{EEC2E38C-FC1E-46E5-B3CC-A8E684F8E949}" type="presOf" srcId="{B8C5EDC1-AD8E-45ED-8F04-D936FEB9ED73}" destId="{4C353873-5FCB-4CAF-AB36-847CF82E5C18}" srcOrd="1" destOrd="0" presId="urn:microsoft.com/office/officeart/2005/8/layout/orgChart1"/>
-    <dgm:cxn modelId="{09A021E1-788F-4ED3-8611-97189FC7D2D0}" type="presOf" srcId="{8D98843E-6DA9-497E-95C2-95C18B45FE58}" destId="{E4703DDF-6FB2-4863-8231-F7C56E1D71E2}" srcOrd="0" destOrd="0" presId="urn:microsoft.com/office/officeart/2005/8/layout/orgChart1"/>
-    <dgm:cxn modelId="{6B3E08A6-FBBB-4B9A-9DD5-7401EBC5F3FF}" srcId="{33B208AD-4161-431F-9541-80B492278075}" destId="{AE101966-5EAF-488F-9CA2-7D9E47474105}" srcOrd="2" destOrd="0" parTransId="{C2C0B7EA-C790-4514-9B1B-0CF79F965E6C}" sibTransId="{185DBE16-8B86-4FE3-841E-4A789249D513}"/>
-    <dgm:cxn modelId="{C0E2DB14-DF13-4B61-BAE0-47D59B1D22BB}" type="presOf" srcId="{EA2D3783-3BB0-4246-8518-1CDCD66345B3}" destId="{285D5F92-2C2B-4729-AE3D-B9D65D4866F3}" srcOrd="0" destOrd="0" presId="urn:microsoft.com/office/officeart/2005/8/layout/orgChart1"/>
-    <dgm:cxn modelId="{7265F023-F43C-4BE1-9EE9-F3CC566ED0EC}" type="presOf" srcId="{60B530E3-5327-406D-90E0-54C167D794D5}" destId="{C62192D6-5420-4789-BF09-5CDEBC920BB8}" srcOrd="0" destOrd="0" presId="urn:microsoft.com/office/officeart/2005/8/layout/orgChart1"/>
-    <dgm:cxn modelId="{DC56A0ED-A5EA-49EF-BA45-2C636B56BAF3}" type="presOf" srcId="{BDED0DE2-12A1-476E-8F6A-88F3CEC0EE8D}" destId="{FCDDE078-AC8D-4D79-BEF3-6A6BD39E99CB}" srcOrd="0" destOrd="0" presId="urn:microsoft.com/office/officeart/2005/8/layout/orgChart1"/>
-    <dgm:cxn modelId="{2CADD9A3-D9C5-4DCC-AD8A-2AFF0665F322}" type="presOf" srcId="{335D5D16-55AB-477F-BA1D-9211CFB7681A}" destId="{CCAA7799-F275-4496-A479-6DADEFC5EC35}" srcOrd="0" destOrd="0" presId="urn:microsoft.com/office/officeart/2005/8/layout/orgChart1"/>
-    <dgm:cxn modelId="{E9142DB5-976F-4770-AED9-3B18A1B64CE9}" type="presOf" srcId="{5BED52AA-A5FA-4859-BE06-5FC71C33E90E}" destId="{D853971B-6427-4A06-AFCF-56D38EA35794}" srcOrd="0" destOrd="0" presId="urn:microsoft.com/office/officeart/2005/8/layout/orgChart1"/>
-    <dgm:cxn modelId="{1C3C072B-F8ED-4629-964D-46CC277BFF75}" type="presOf" srcId="{4F160ADF-C24E-446C-A06E-4EF4E989A9D0}" destId="{F732E962-E2BF-405B-B840-7ECF265C5591}" srcOrd="1" destOrd="0" presId="urn:microsoft.com/office/officeart/2005/8/layout/orgChart1"/>
-    <dgm:cxn modelId="{510DD5DB-9F04-49E8-9714-78AE336E3F6B}" srcId="{A2E51DF9-6EF6-472D-ADEB-6175F6853FBB}" destId="{4F2AD6B1-AF71-41EA-8D92-6080902AE709}" srcOrd="0" destOrd="0" parTransId="{2E04BCD0-0048-41AC-887A-0811C7F665AC}" sibTransId="{91DF239C-52B5-4EBC-9422-DB261B303731}"/>
-    <dgm:cxn modelId="{113EF23A-1293-4FC8-85B2-60C2FAEC5A39}" type="presOf" srcId="{09F7D132-4C38-4261-9576-2FB8ACF5833F}" destId="{2020EFCE-68BA-4B19-ABB1-332294A297BE}" srcOrd="0" destOrd="0" presId="urn:microsoft.com/office/officeart/2005/8/layout/orgChart1"/>
-    <dgm:cxn modelId="{9C2AE41B-2689-42E9-A915-4E7B733D2C9E}" type="presOf" srcId="{84377B12-41EE-40AE-916E-8E94F70C3CF2}" destId="{14EF1230-5BFB-4DFA-95C9-45FA886449F5}" srcOrd="0" destOrd="0" presId="urn:microsoft.com/office/officeart/2005/8/layout/orgChart1"/>
-    <dgm:cxn modelId="{98B09133-9A23-4E12-98D6-C3C95812146E}" type="presOf" srcId="{35ED4473-9168-4805-986B-17BEE872FD54}" destId="{06FDB666-FFE8-4D26-95C6-06E730B4551A}" srcOrd="0" destOrd="0" presId="urn:microsoft.com/office/officeart/2005/8/layout/orgChart1"/>
-    <dgm:cxn modelId="{FE342C8B-BA5D-4E13-8B78-6852D524FB38}" type="presOf" srcId="{5664A7A9-ED73-41F1-B5FB-DF8427CD1B24}" destId="{8DB73682-E5AC-470E-8C11-B627E9570F6B}" srcOrd="0" destOrd="0" presId="urn:microsoft.com/office/officeart/2005/8/layout/orgChart1"/>
-    <dgm:cxn modelId="{57A0CD70-3B44-4509-876A-606E71E963D7}" srcId="{4F2AD6B1-AF71-41EA-8D92-6080902AE709}" destId="{77199A2B-AA42-42CA-A4A1-AC0F77AA5097}" srcOrd="0" destOrd="0" parTransId="{6B6D0A52-86F6-45CB-BBD3-E7415410EC18}" sibTransId="{A1DBA533-0EAD-495B-89FE-71250E90C2B4}"/>
-    <dgm:cxn modelId="{B41CEFDA-3960-4BA7-932A-BF7D295DDDA6}" srcId="{BCE8F335-61B9-4F1E-8209-9850F3840DB5}" destId="{60B530E3-5327-406D-90E0-54C167D794D5}" srcOrd="0" destOrd="0" parTransId="{1B263B2E-4573-47EF-9E0D-DF3701466D1E}" sibTransId="{F5BF5653-9564-46D5-A054-AA9DDEF04FFE}"/>
-    <dgm:cxn modelId="{137E5E4E-F4B8-4468-8454-66863AE7CD2F}" srcId="{98DFC53C-C712-4C24-BA1F-6F9A861BF071}" destId="{C4F96898-197C-4912-9457-63585C09CC32}" srcOrd="2" destOrd="0" parTransId="{C54DCB2A-33C6-4E94-B77D-2F3179409A03}" sibTransId="{0D90F468-22C4-48A4-B312-7EDD5DBF4F15}"/>
-    <dgm:cxn modelId="{C63EFBE0-7E87-4E4B-8BB9-D50648EE3EBC}" type="presOf" srcId="{2E04BCD0-0048-41AC-887A-0811C7F665AC}" destId="{9A7DBBE6-A6F5-4C26-AD1F-36A654FC6C4D}" srcOrd="0" destOrd="0" presId="urn:microsoft.com/office/officeart/2005/8/layout/orgChart1"/>
-    <dgm:cxn modelId="{F73F0E4E-65BA-4956-B770-27CEC0D866A1}" srcId="{60B530E3-5327-406D-90E0-54C167D794D5}" destId="{A2E51DF9-6EF6-472D-ADEB-6175F6853FBB}" srcOrd="1" destOrd="0" parTransId="{4DB5D699-8D7D-4515-935A-946AE017E31B}" sibTransId="{A52DC0D7-1173-43E2-AC3C-E85359E8690C}"/>
-    <dgm:cxn modelId="{074E5C31-8215-4CAC-9A3D-51B0840CC2E0}" type="presOf" srcId="{84377B12-41EE-40AE-916E-8E94F70C3CF2}" destId="{55A9C482-17A7-473B-9CC5-C44BDD298EA8}" srcOrd="1" destOrd="0" presId="urn:microsoft.com/office/officeart/2005/8/layout/orgChart1"/>
-    <dgm:cxn modelId="{C3E8E2CB-4F46-461B-AD07-9BB8058CC604}" type="presOf" srcId="{604D2F2B-2A5C-45DA-8ECD-CC43ACFAA9E5}" destId="{D8AF2226-FA61-4DAC-89C4-CCE33B998FED}" srcOrd="0" destOrd="0" presId="urn:microsoft.com/office/officeart/2005/8/layout/orgChart1"/>
-    <dgm:cxn modelId="{E470410B-829D-4D31-8C4B-73490E793C2F}" srcId="{98DFC53C-C712-4C24-BA1F-6F9A861BF071}" destId="{A2EE7EFC-492E-41E7-908B-5BAF0831E831}" srcOrd="3" destOrd="0" parTransId="{EA2D3783-3BB0-4246-8518-1CDCD66345B3}" sibTransId="{9901B332-2693-4B29-A8AA-00BC98BC3469}"/>
-    <dgm:cxn modelId="{8B77C4BD-95DD-4AB3-B4C4-CC27331B0EF4}" type="presOf" srcId="{AE101966-5EAF-488F-9CA2-7D9E47474105}" destId="{3B49F110-1A40-4CE9-AB75-AD0BADD0DEC6}" srcOrd="1" destOrd="0" presId="urn:microsoft.com/office/officeart/2005/8/layout/orgChart1"/>
     <dgm:cxn modelId="{C1903748-8BD6-4E2D-9B53-C034CA862F0D}" type="presParOf" srcId="{85BDDD1C-D601-4DEE-BD03-6242DD704F73}" destId="{6730400B-776D-4B54-8662-1E2DDEEBB5C2}" srcOrd="0" destOrd="0" presId="urn:microsoft.com/office/officeart/2005/8/layout/orgChart1"/>
     <dgm:cxn modelId="{C281F90F-7DF4-413E-970F-55B00D605D75}" type="presParOf" srcId="{6730400B-776D-4B54-8662-1E2DDEEBB5C2}" destId="{C929DE5E-18D0-4A81-BDB0-DA8BC7001F55}" srcOrd="0" destOrd="0" presId="urn:microsoft.com/office/officeart/2005/8/layout/orgChart1"/>
     <dgm:cxn modelId="{20CE984C-A2BC-4685-AA5B-377AA1260B03}" type="presParOf" srcId="{C929DE5E-18D0-4A81-BDB0-DA8BC7001F55}" destId="{C62192D6-5420-4789-BF09-5CDEBC920BB8}" srcOrd="0" destOrd="0" presId="urn:microsoft.com/office/officeart/2005/8/layout/orgChart1"/>
@@ -3886,35 +4887,31 @@
 </file>
 
 <file path=ppt/diagrams/quickStyle1.xml><?xml version="1.0" encoding="utf-8"?>
-<dgm:styleDef xmlns:dgm="http://schemas.openxmlformats.org/drawingml/2006/diagram" xmlns:a="http://schemas.openxmlformats.org/drawingml/2006/main" uniqueId="urn:microsoft.com/office/officeart/2005/8/quickstyle/3d5">
+<dgm:styleDef xmlns:dgm="http://schemas.openxmlformats.org/drawingml/2006/diagram" xmlns:a="http://schemas.openxmlformats.org/drawingml/2006/main" uniqueId="urn:microsoft.com/office/officeart/2005/8/quickstyle/simple5">
   <dgm:title val=""/>
   <dgm:desc val=""/>
   <dgm:catLst>
-    <dgm:cat type="3D" pri="11500"/>
+    <dgm:cat type="simple" pri="10500"/>
   </dgm:catLst>
   <dgm:scene3d>
-    <a:camera prst="isometricOffAxis2Left" zoom="95000"/>
-    <a:lightRig rig="flat" dir="t"/>
+    <a:camera prst="orthographicFront"/>
+    <a:lightRig rig="threePt" dir="t"/>
   </dgm:scene3d>
   <dgm:styleLbl name="node0">
     <dgm:scene3d>
       <a:camera prst="orthographicFront"/>
       <a:lightRig rig="threePt" dir="t"/>
     </dgm:scene3d>
-    <dgm:sp3d extrusionH="381000" contourW="38100" prstMaterial="matte">
-      <a:contourClr>
-        <a:schemeClr val="lt1"/>
-      </a:contourClr>
-    </dgm:sp3d>
+    <dgm:sp3d/>
     <dgm:txPr/>
     <dgm:style>
       <a:lnRef idx="0">
         <a:scrgbClr r="0" g="0" b="0"/>
       </a:lnRef>
-      <a:fillRef idx="1">
+      <a:fillRef idx="3">
         <a:scrgbClr r="0" g="0" b="0"/>
       </a:fillRef>
-      <a:effectRef idx="0">
+      <a:effectRef idx="3">
         <a:scrgbClr r="0" g="0" b="0"/>
       </a:effectRef>
       <a:fontRef idx="minor">
@@ -3927,20 +4924,16 @@
       <a:camera prst="orthographicFront"/>
       <a:lightRig rig="threePt" dir="t"/>
     </dgm:scene3d>
-    <dgm:sp3d extrusionH="381000" contourW="38100" prstMaterial="matte">
-      <a:contourClr>
-        <a:schemeClr val="lt1"/>
-      </a:contourClr>
-    </dgm:sp3d>
+    <dgm:sp3d/>
     <dgm:txPr/>
     <dgm:style>
       <a:lnRef idx="0">
         <a:scrgbClr r="0" g="0" b="0"/>
       </a:lnRef>
-      <a:fillRef idx="1">
+      <a:fillRef idx="3">
         <a:scrgbClr r="0" g="0" b="0"/>
       </a:fillRef>
-      <a:effectRef idx="0">
+      <a:effectRef idx="3">
         <a:scrgbClr r="0" g="0" b="0"/>
       </a:effectRef>
       <a:fontRef idx="minor">
@@ -3953,20 +4946,16 @@
       <a:camera prst="orthographicFront"/>
       <a:lightRig rig="threePt" dir="t"/>
     </dgm:scene3d>
-    <dgm:sp3d extrusionH="381000" contourW="38100" prstMaterial="matte">
-      <a:contourClr>
-        <a:schemeClr val="lt1"/>
-      </a:contourClr>
-    </dgm:sp3d>
+    <dgm:sp3d/>
     <dgm:txPr/>
     <dgm:style>
       <a:lnRef idx="0">
         <a:scrgbClr r="0" g="0" b="0"/>
       </a:lnRef>
-      <a:fillRef idx="1">
+      <a:fillRef idx="3">
         <a:scrgbClr r="0" g="0" b="0"/>
       </a:fillRef>
-      <a:effectRef idx="0">
+      <a:effectRef idx="3">
         <a:scrgbClr r="0" g="0" b="0"/>
       </a:effectRef>
       <a:fontRef idx="minor">
@@ -3979,20 +4968,16 @@
       <a:camera prst="orthographicFront"/>
       <a:lightRig rig="threePt" dir="t"/>
     </dgm:scene3d>
-    <dgm:sp3d extrusionH="381000" contourW="38100" prstMaterial="matte">
-      <a:contourClr>
-        <a:schemeClr val="lt1"/>
-      </a:contourClr>
-    </dgm:sp3d>
+    <dgm:sp3d/>
     <dgm:txPr/>
     <dgm:style>
       <a:lnRef idx="1">
         <a:scrgbClr r="0" g="0" b="0"/>
       </a:lnRef>
-      <a:fillRef idx="1">
+      <a:fillRef idx="3">
         <a:scrgbClr r="0" g="0" b="0"/>
       </a:fillRef>
-      <a:effectRef idx="0">
+      <a:effectRef idx="3">
         <a:scrgbClr r="0" g="0" b="0"/>
       </a:effectRef>
       <a:fontRef idx="minor">
@@ -4005,20 +4990,16 @@
       <a:camera prst="orthographicFront"/>
       <a:lightRig rig="threePt" dir="t"/>
     </dgm:scene3d>
-    <dgm:sp3d extrusionH="381000" contourW="38100" prstMaterial="matte">
-      <a:contourClr>
-        <a:schemeClr val="lt1"/>
-      </a:contourClr>
-    </dgm:sp3d>
+    <dgm:sp3d/>
     <dgm:txPr/>
     <dgm:style>
       <a:lnRef idx="0">
         <a:scrgbClr r="0" g="0" b="0"/>
       </a:lnRef>
-      <a:fillRef idx="1">
+      <a:fillRef idx="3">
         <a:scrgbClr r="0" g="0" b="0"/>
       </a:fillRef>
-      <a:effectRef idx="0">
+      <a:effectRef idx="3">
         <a:scrgbClr r="0" g="0" b="0"/>
       </a:effectRef>
       <a:fontRef idx="minor">
@@ -4031,20 +5012,16 @@
       <a:camera prst="orthographicFront"/>
       <a:lightRig rig="threePt" dir="t"/>
     </dgm:scene3d>
-    <dgm:sp3d extrusionH="381000" contourW="38100" prstMaterial="matte">
-      <a:contourClr>
-        <a:schemeClr val="lt1"/>
-      </a:contourClr>
-    </dgm:sp3d>
+    <dgm:sp3d/>
     <dgm:txPr/>
     <dgm:style>
       <a:lnRef idx="0">
         <a:scrgbClr r="0" g="0" b="0"/>
       </a:lnRef>
-      <a:fillRef idx="1">
+      <a:fillRef idx="3">
         <a:scrgbClr r="0" g="0" b="0"/>
       </a:fillRef>
-      <a:effectRef idx="0">
+      <a:effectRef idx="3">
         <a:scrgbClr r="0" g="0" b="0"/>
       </a:effectRef>
       <a:fontRef idx="minor">
@@ -4057,20 +5034,16 @@
       <a:camera prst="orthographicFront"/>
       <a:lightRig rig="threePt" dir="t"/>
     </dgm:scene3d>
-    <dgm:sp3d extrusionH="381000" contourW="38100" prstMaterial="matte">
-      <a:contourClr>
-        <a:schemeClr val="lt1"/>
-      </a:contourClr>
-    </dgm:sp3d>
+    <dgm:sp3d/>
     <dgm:txPr/>
     <dgm:style>
       <a:lnRef idx="0">
         <a:scrgbClr r="0" g="0" b="0"/>
       </a:lnRef>
-      <a:fillRef idx="1">
+      <a:fillRef idx="3">
         <a:scrgbClr r="0" g="0" b="0"/>
       </a:fillRef>
-      <a:effectRef idx="0">
+      <a:effectRef idx="3">
         <a:scrgbClr r="0" g="0" b="0"/>
       </a:effectRef>
       <a:fontRef idx="minor">
@@ -4083,20 +5056,16 @@
       <a:camera prst="orthographicFront"/>
       <a:lightRig rig="threePt" dir="t"/>
     </dgm:scene3d>
-    <dgm:sp3d extrusionH="381000" contourW="38100" prstMaterial="matte">
-      <a:contourClr>
-        <a:schemeClr val="lt1"/>
-      </a:contourClr>
-    </dgm:sp3d>
+    <dgm:sp3d/>
     <dgm:txPr/>
     <dgm:style>
       <a:lnRef idx="0">
         <a:scrgbClr r="0" g="0" b="0"/>
       </a:lnRef>
-      <a:fillRef idx="1">
+      <a:fillRef idx="3">
         <a:scrgbClr r="0" g="0" b="0"/>
       </a:fillRef>
-      <a:effectRef idx="0">
+      <a:effectRef idx="3">
         <a:scrgbClr r="0" g="0" b="0"/>
       </a:effectRef>
       <a:fontRef idx="minor">
@@ -4109,11 +5078,7 @@
       <a:camera prst="orthographicFront"/>
       <a:lightRig rig="threePt" dir="t"/>
     </dgm:scene3d>
-    <dgm:sp3d z="57150" extrusionH="63500" contourW="12700" prstMaterial="matte">
-      <a:contourClr>
-        <a:schemeClr val="lt1"/>
-      </a:contourClr>
-    </dgm:sp3d>
+    <dgm:sp3d/>
     <dgm:txPr/>
     <dgm:style>
       <a:lnRef idx="0">
@@ -4122,7 +5087,7 @@
       <a:fillRef idx="1">
         <a:scrgbClr r="0" g="0" b="0"/>
       </a:fillRef>
-      <a:effectRef idx="0">
+      <a:effectRef idx="3">
         <a:scrgbClr r="0" g="0" b="0"/>
       </a:effectRef>
       <a:fontRef idx="minor"/>
@@ -4133,11 +5098,7 @@
       <a:camera prst="orthographicFront"/>
       <a:lightRig rig="threePt" dir="t"/>
     </dgm:scene3d>
-    <dgm:sp3d extrusionH="63500" contourW="12700" prstMaterial="matte">
-      <a:contourClr>
-        <a:schemeClr val="lt1"/>
-      </a:contourClr>
-    </dgm:sp3d>
+    <dgm:sp3d/>
     <dgm:txPr/>
     <dgm:style>
       <a:lnRef idx="0">
@@ -4146,7 +5107,7 @@
       <a:fillRef idx="1">
         <a:scrgbClr r="0" g="0" b="0"/>
       </a:fillRef>
-      <a:effectRef idx="0">
+      <a:effectRef idx="3">
         <a:scrgbClr r="0" g="0" b="0"/>
       </a:effectRef>
       <a:fontRef idx="minor"/>
@@ -4157,11 +5118,7 @@
       <a:camera prst="orthographicFront"/>
       <a:lightRig rig="threePt" dir="t"/>
     </dgm:scene3d>
-    <dgm:sp3d z="-381000" extrusionH="63500" contourW="12700" prstMaterial="matte">
-      <a:contourClr>
-        <a:schemeClr val="lt1"/>
-      </a:contourClr>
-    </dgm:sp3d>
+    <dgm:sp3d/>
     <dgm:txPr/>
     <dgm:style>
       <a:lnRef idx="0">
@@ -4170,7 +5127,7 @@
       <a:fillRef idx="1">
         <a:scrgbClr r="0" g="0" b="0"/>
       </a:fillRef>
-      <a:effectRef idx="0">
+      <a:effectRef idx="3">
         <a:scrgbClr r="0" g="0" b="0"/>
       </a:effectRef>
       <a:fontRef idx="minor"/>
@@ -4181,20 +5138,16 @@
       <a:camera prst="orthographicFront"/>
       <a:lightRig rig="threePt" dir="t"/>
     </dgm:scene3d>
-    <dgm:sp3d z="-52400" extrusionH="181000" contourW="38100" prstMaterial="matte">
-      <a:contourClr>
-        <a:schemeClr val="lt1"/>
-      </a:contourClr>
-    </dgm:sp3d>
+    <dgm:sp3d/>
     <dgm:txPr/>
     <dgm:style>
       <a:lnRef idx="0">
         <a:scrgbClr r="0" g="0" b="0"/>
       </a:lnRef>
-      <a:fillRef idx="1">
+      <a:fillRef idx="3">
         <a:scrgbClr r="0" g="0" b="0"/>
       </a:fillRef>
-      <a:effectRef idx="0">
+      <a:effectRef idx="3">
         <a:scrgbClr r="0" g="0" b="0"/>
       </a:effectRef>
       <a:fontRef idx="minor">
@@ -4207,22 +5160,16 @@
       <a:camera prst="orthographicFront"/>
       <a:lightRig rig="threePt" dir="t"/>
     </dgm:scene3d>
-    <dgm:sp3d z="57150" extrusionH="63500" contourW="12700" prstMaterial="matte">
-      <a:contourClr>
-        <a:schemeClr val="dk1">
-          <a:tint val="20000"/>
-        </a:schemeClr>
-      </a:contourClr>
-    </dgm:sp3d>
+    <dgm:sp3d/>
     <dgm:txPr/>
     <dgm:style>
       <a:lnRef idx="0">
         <a:scrgbClr r="0" g="0" b="0"/>
       </a:lnRef>
-      <a:fillRef idx="1">
+      <a:fillRef idx="3">
         <a:scrgbClr r="0" g="0" b="0"/>
       </a:fillRef>
-      <a:effectRef idx="0">
+      <a:effectRef idx="3">
         <a:scrgbClr r="0" g="0" b="0"/>
       </a:effectRef>
       <a:fontRef idx="minor">
@@ -4235,22 +5182,16 @@
       <a:camera prst="orthographicFront"/>
       <a:lightRig rig="threePt" dir="t"/>
     </dgm:scene3d>
-    <dgm:sp3d z="-381000" extrusionH="63500" contourW="12700" prstMaterial="matte">
-      <a:contourClr>
-        <a:schemeClr val="dk1">
-          <a:tint val="20000"/>
-        </a:schemeClr>
-      </a:contourClr>
-    </dgm:sp3d>
+    <dgm:sp3d/>
     <dgm:txPr/>
     <dgm:style>
       <a:lnRef idx="0">
         <a:scrgbClr r="0" g="0" b="0"/>
       </a:lnRef>
-      <a:fillRef idx="1">
+      <a:fillRef idx="3">
         <a:scrgbClr r="0" g="0" b="0"/>
       </a:fillRef>
-      <a:effectRef idx="0">
+      <a:effectRef idx="3">
         <a:scrgbClr r="0" g="0" b="0"/>
       </a:effectRef>
       <a:fontRef idx="minor">
@@ -4263,7 +5204,7 @@
       <a:camera prst="orthographicFront"/>
       <a:lightRig rig="threePt" dir="t"/>
     </dgm:scene3d>
-    <dgm:sp3d z="-40000" prstMaterial="matte"/>
+    <dgm:sp3d/>
     <dgm:txPr/>
     <dgm:style>
       <a:lnRef idx="1">
@@ -4283,16 +5224,16 @@
       <a:camera prst="orthographicFront"/>
       <a:lightRig rig="threePt" dir="t"/>
     </dgm:scene3d>
-    <dgm:sp3d z="127000" prstMaterial="matte"/>
+    <dgm:sp3d/>
     <dgm:txPr/>
     <dgm:style>
-      <a:lnRef idx="2">
+      <a:lnRef idx="1">
         <a:scrgbClr r="0" g="0" b="0"/>
       </a:lnRef>
-      <a:fillRef idx="1">
+      <a:fillRef idx="0">
         <a:scrgbClr r="0" g="0" b="0"/>
       </a:fillRef>
-      <a:effectRef idx="0">
+      <a:effectRef idx="1">
         <a:scrgbClr r="0" g="0" b="0"/>
       </a:effectRef>
       <a:fontRef idx="minor"/>
@@ -4303,20 +5244,16 @@
       <a:camera prst="orthographicFront"/>
       <a:lightRig rig="threePt" dir="t"/>
     </dgm:scene3d>
-    <dgm:sp3d extrusionH="381000" contourW="38100" prstMaterial="matte">
-      <a:contourClr>
-        <a:schemeClr val="lt1"/>
-      </a:contourClr>
-    </dgm:sp3d>
+    <dgm:sp3d/>
     <dgm:txPr/>
     <dgm:style>
       <a:lnRef idx="0">
         <a:scrgbClr r="0" g="0" b="0"/>
       </a:lnRef>
-      <a:fillRef idx="1">
+      <a:fillRef idx="3">
         <a:scrgbClr r="0" g="0" b="0"/>
       </a:fillRef>
-      <a:effectRef idx="0">
+      <a:effectRef idx="3">
         <a:scrgbClr r="0" g="0" b="0"/>
       </a:effectRef>
       <a:fontRef idx="minor">
@@ -4329,20 +5266,16 @@
       <a:camera prst="orthographicFront"/>
       <a:lightRig rig="threePt" dir="t"/>
     </dgm:scene3d>
-    <dgm:sp3d extrusionH="381000" contourW="38100" prstMaterial="matte">
-      <a:contourClr>
-        <a:schemeClr val="lt1"/>
-      </a:contourClr>
-    </dgm:sp3d>
+    <dgm:sp3d/>
     <dgm:txPr/>
     <dgm:style>
       <a:lnRef idx="0">
         <a:scrgbClr r="0" g="0" b="0"/>
       </a:lnRef>
-      <a:fillRef idx="1">
+      <a:fillRef idx="3">
         <a:scrgbClr r="0" g="0" b="0"/>
       </a:fillRef>
-      <a:effectRef idx="0">
+      <a:effectRef idx="3">
         <a:scrgbClr r="0" g="0" b="0"/>
       </a:effectRef>
       <a:fontRef idx="minor">
@@ -4355,20 +5288,16 @@
       <a:camera prst="orthographicFront"/>
       <a:lightRig rig="threePt" dir="t"/>
     </dgm:scene3d>
-    <dgm:sp3d extrusionH="381000" contourW="38100" prstMaterial="matte">
-      <a:contourClr>
-        <a:schemeClr val="lt1"/>
-      </a:contourClr>
-    </dgm:sp3d>
+    <dgm:sp3d/>
     <dgm:txPr/>
     <dgm:style>
       <a:lnRef idx="0">
         <a:scrgbClr r="0" g="0" b="0"/>
       </a:lnRef>
-      <a:fillRef idx="1">
+      <a:fillRef idx="3">
         <a:scrgbClr r="0" g="0" b="0"/>
       </a:fillRef>
-      <a:effectRef idx="0">
+      <a:effectRef idx="3">
         <a:scrgbClr r="0" g="0" b="0"/>
       </a:effectRef>
       <a:fontRef idx="minor">
@@ -4381,20 +5310,38 @@
       <a:camera prst="orthographicFront"/>
       <a:lightRig rig="threePt" dir="t"/>
     </dgm:scene3d>
-    <dgm:sp3d extrusionH="381000" contourW="38100" prstMaterial="matte">
-      <a:contourClr>
-        <a:schemeClr val="lt1"/>
-      </a:contourClr>
-    </dgm:sp3d>
+    <dgm:sp3d/>
     <dgm:txPr/>
     <dgm:style>
       <a:lnRef idx="0">
         <a:scrgbClr r="0" g="0" b="0"/>
       </a:lnRef>
-      <a:fillRef idx="1">
+      <a:fillRef idx="3">
         <a:scrgbClr r="0" g="0" b="0"/>
       </a:fillRef>
-      <a:effectRef idx="0">
+      <a:effectRef idx="3">
+        <a:scrgbClr r="0" g="0" b="0"/>
+      </a:effectRef>
+      <a:fontRef idx="minor">
+        <a:schemeClr val="lt1"/>
+      </a:fontRef>
+    </dgm:style>
+  </dgm:styleLbl>
+  <dgm:styleLbl name="asst4">
+    <dgm:scene3d>
+      <a:camera prst="orthographicFront"/>
+      <a:lightRig rig="threePt" dir="t"/>
+    </dgm:scene3d>
+    <dgm:sp3d/>
+    <dgm:txPr/>
+    <dgm:style>
+      <a:lnRef idx="0">
+        <a:scrgbClr r="0" g="0" b="0"/>
+      </a:lnRef>
+      <a:fillRef idx="3">
+        <a:scrgbClr r="0" g="0" b="0"/>
+      </a:fillRef>
+      <a:effectRef idx="3">
         <a:scrgbClr r="0" g="0" b="0"/>
       </a:effectRef>
       <a:fontRef idx="minor">
@@ -4407,20 +5354,16 @@
       <a:camera prst="orthographicFront"/>
       <a:lightRig rig="threePt" dir="t"/>
     </dgm:scene3d>
-    <dgm:sp3d z="52400" extrusionH="381000" contourW="38100" prstMaterial="matte">
-      <a:contourClr>
-        <a:schemeClr val="lt1"/>
-      </a:contourClr>
-    </dgm:sp3d>
+    <dgm:sp3d/>
     <dgm:txPr/>
     <dgm:style>
       <a:lnRef idx="0">
         <a:scrgbClr r="0" g="0" b="0"/>
       </a:lnRef>
-      <a:fillRef idx="1">
+      <a:fillRef idx="3">
         <a:scrgbClr r="0" g="0" b="0"/>
       </a:fillRef>
-      <a:effectRef idx="0">
+      <a:effectRef idx="3">
         <a:scrgbClr r="0" g="0" b="0"/>
       </a:effectRef>
       <a:fontRef idx="minor">
@@ -4433,20 +5376,16 @@
       <a:camera prst="orthographicFront"/>
       <a:lightRig rig="threePt" dir="t"/>
     </dgm:scene3d>
-    <dgm:sp3d z="52400" extrusionH="381000" contourW="38100" prstMaterial="matte">
-      <a:contourClr>
-        <a:schemeClr val="lt1"/>
-      </a:contourClr>
-    </dgm:sp3d>
+    <dgm:sp3d/>
     <dgm:txPr/>
     <dgm:style>
       <a:lnRef idx="0">
         <a:scrgbClr r="0" g="0" b="0"/>
       </a:lnRef>
-      <a:fillRef idx="1">
+      <a:fillRef idx="3">
         <a:scrgbClr r="0" g="0" b="0"/>
       </a:fillRef>
-      <a:effectRef idx="0">
+      <a:effectRef idx="3">
         <a:scrgbClr r="0" g="0" b="0"/>
       </a:effectRef>
       <a:fontRef idx="minor">
@@ -4459,10 +5398,7 @@
       <a:camera prst="orthographicFront"/>
       <a:lightRig rig="threePt" dir="t"/>
     </dgm:scene3d>
-    <dgm:sp3d z="60000" prstMaterial="flat">
-      <a:bevelT w="120900" h="88900"/>
-      <a:bevelB w="88900" h="31750" prst="angle"/>
-    </dgm:sp3d>
+    <dgm:sp3d/>
     <dgm:txPr/>
     <dgm:style>
       <a:lnRef idx="0">
@@ -4471,7 +5407,7 @@
       <a:fillRef idx="3">
         <a:scrgbClr r="0" g="0" b="0"/>
       </a:fillRef>
-      <a:effectRef idx="1">
+      <a:effectRef idx="3">
         <a:scrgbClr r="0" g="0" b="0"/>
       </a:effectRef>
       <a:fontRef idx="minor">
@@ -4484,10 +5420,7 @@
       <a:camera prst="orthographicFront"/>
       <a:lightRig rig="threePt" dir="t"/>
     </dgm:scene3d>
-    <dgm:sp3d z="60000" prstMaterial="flat">
-      <a:bevelT w="120900" h="88900"/>
-      <a:bevelB w="88900" h="31750" prst="angle"/>
-    </dgm:sp3d>
+    <dgm:sp3d/>
     <dgm:txPr/>
     <dgm:style>
       <a:lnRef idx="0">
@@ -4496,7 +5429,7 @@
       <a:fillRef idx="3">
         <a:scrgbClr r="0" g="0" b="0"/>
       </a:fillRef>
-      <a:effectRef idx="1">
+      <a:effectRef idx="3">
         <a:scrgbClr r="0" g="0" b="0"/>
       </a:effectRef>
       <a:fontRef idx="minor">
@@ -4509,7 +5442,7 @@
       <a:camera prst="orthographicFront"/>
       <a:lightRig rig="threePt" dir="t"/>
     </dgm:scene3d>
-    <dgm:sp3d z="-40000" prstMaterial="matte"/>
+    <dgm:sp3d/>
     <dgm:txPr/>
     <dgm:style>
       <a:lnRef idx="2">
@@ -4529,7 +5462,7 @@
       <a:camera prst="orthographicFront"/>
       <a:lightRig rig="threePt" dir="t"/>
     </dgm:scene3d>
-    <dgm:sp3d z="-40000" prstMaterial="matte"/>
+    <dgm:sp3d/>
     <dgm:txPr/>
     <dgm:style>
       <a:lnRef idx="2">
@@ -4549,7 +5482,7 @@
       <a:camera prst="orthographicFront"/>
       <a:lightRig rig="threePt" dir="t"/>
     </dgm:scene3d>
-    <dgm:sp3d z="-40000" prstMaterial="matte"/>
+    <dgm:sp3d/>
     <dgm:txPr/>
     <dgm:style>
       <a:lnRef idx="2">
@@ -4569,7 +5502,7 @@
       <a:camera prst="orthographicFront"/>
       <a:lightRig rig="threePt" dir="t"/>
     </dgm:scene3d>
-    <dgm:sp3d z="-40000" prstMaterial="matte"/>
+    <dgm:sp3d/>
     <dgm:txPr/>
     <dgm:style>
       <a:lnRef idx="2">
@@ -4589,7 +5522,7 @@
       <a:camera prst="orthographicFront"/>
       <a:lightRig rig="threePt" dir="t"/>
     </dgm:scene3d>
-    <dgm:sp3d z="57150" extrusionH="63500" prstMaterial="matte"/>
+    <dgm:sp3d/>
     <dgm:txPr/>
     <dgm:style>
       <a:lnRef idx="1">
@@ -4598,7 +5531,7 @@
       <a:fillRef idx="1">
         <a:scrgbClr r="0" g="0" b="0"/>
       </a:fillRef>
-      <a:effectRef idx="0">
+      <a:effectRef idx="2">
         <a:scrgbClr r="0" g="0" b="0"/>
       </a:effectRef>
       <a:fontRef idx="minor"/>
@@ -4609,7 +5542,7 @@
       <a:camera prst="orthographicFront"/>
       <a:lightRig rig="threePt" dir="t"/>
     </dgm:scene3d>
-    <dgm:sp3d z="-60000" extrusionH="63500" prstMaterial="matte"/>
+    <dgm:sp3d/>
     <dgm:txPr/>
     <dgm:style>
       <a:lnRef idx="1">
@@ -4618,7 +5551,7 @@
       <a:fillRef idx="1">
         <a:scrgbClr r="0" g="0" b="0"/>
       </a:fillRef>
-      <a:effectRef idx="0">
+      <a:effectRef idx="2">
         <a:scrgbClr r="0" g="0" b="0"/>
       </a:effectRef>
       <a:fontRef idx="minor"/>
@@ -4629,7 +5562,7 @@
       <a:camera prst="orthographicFront"/>
       <a:lightRig rig="threePt" dir="t"/>
     </dgm:scene3d>
-    <dgm:sp3d z="-60000" extrusionH="63500" prstMaterial="matte"/>
+    <dgm:sp3d/>
     <dgm:txPr/>
     <dgm:style>
       <a:lnRef idx="1">
@@ -4638,7 +5571,7 @@
       <a:fillRef idx="1">
         <a:scrgbClr r="0" g="0" b="0"/>
       </a:fillRef>
-      <a:effectRef idx="0">
+      <a:effectRef idx="2">
         <a:scrgbClr r="0" g="0" b="0"/>
       </a:effectRef>
       <a:fontRef idx="minor"/>
@@ -4649,7 +5582,7 @@
       <a:camera prst="orthographicFront"/>
       <a:lightRig rig="threePt" dir="t"/>
     </dgm:scene3d>
-    <dgm:sp3d extrusionH="381000" prstMaterial="matte"/>
+    <dgm:sp3d/>
     <dgm:txPr/>
     <dgm:style>
       <a:lnRef idx="1">
@@ -4669,7 +5602,7 @@
       <a:camera prst="orthographicFront"/>
       <a:lightRig rig="threePt" dir="t"/>
     </dgm:scene3d>
-    <dgm:sp3d z="-400500" extrusionH="63500" prstMaterial="matte"/>
+    <dgm:sp3d/>
     <dgm:txPr/>
     <dgm:style>
       <a:lnRef idx="1">
@@ -4678,7 +5611,7 @@
       <a:fillRef idx="1">
         <a:scrgbClr r="0" g="0" b="0"/>
       </a:fillRef>
-      <a:effectRef idx="0">
+      <a:effectRef idx="2">
         <a:scrgbClr r="0" g="0" b="0"/>
       </a:effectRef>
       <a:fontRef idx="minor"/>
@@ -4689,9 +5622,7 @@
       <a:camera prst="orthographicFront"/>
       <a:lightRig rig="threePt" dir="t"/>
     </dgm:scene3d>
-    <dgm:sp3d z="57150" extrusionH="12700" prstMaterial="flat">
-      <a:bevelT w="50800" h="50800"/>
-    </dgm:sp3d>
+    <dgm:sp3d/>
     <dgm:txPr/>
     <dgm:style>
       <a:lnRef idx="1">
@@ -4711,9 +5642,7 @@
       <a:camera prst="orthographicFront"/>
       <a:lightRig rig="threePt" dir="t"/>
     </dgm:scene3d>
-    <dgm:sp3d extrusionH="12700" prstMaterial="flat">
-      <a:bevelT w="50800" h="50800"/>
-    </dgm:sp3d>
+    <dgm:sp3d/>
     <dgm:txPr/>
     <dgm:style>
       <a:lnRef idx="1">
@@ -4722,7 +5651,7 @@
       <a:fillRef idx="1">
         <a:scrgbClr r="0" g="0" b="0"/>
       </a:fillRef>
-      <a:effectRef idx="2">
+      <a:effectRef idx="3">
         <a:scrgbClr r="0" g="0" b="0"/>
       </a:effectRef>
       <a:fontRef idx="minor"/>
@@ -4733,7 +5662,7 @@
       <a:camera prst="orthographicFront"/>
       <a:lightRig rig="threePt" dir="t"/>
     </dgm:scene3d>
-    <dgm:sp3d z="-63500" extrusionH="63500" prstMaterial="matte"/>
+    <dgm:sp3d/>
     <dgm:txPr/>
     <dgm:style>
       <a:lnRef idx="1">
@@ -4742,7 +5671,7 @@
       <a:fillRef idx="1">
         <a:scrgbClr r="0" g="0" b="0"/>
       </a:fillRef>
-      <a:effectRef idx="0">
+      <a:effectRef idx="3">
         <a:scrgbClr r="0" g="0" b="0"/>
       </a:effectRef>
       <a:fontRef idx="minor"/>
@@ -4753,22 +5682,16 @@
       <a:camera prst="orthographicFront"/>
       <a:lightRig rig="threePt" dir="t"/>
     </dgm:scene3d>
-    <dgm:sp3d z="57150" extrusionH="63500" contourW="12700" prstMaterial="matte">
-      <a:contourClr>
-        <a:schemeClr val="dk1">
-          <a:tint val="20000"/>
-        </a:schemeClr>
-      </a:contourClr>
-    </dgm:sp3d>
+    <dgm:sp3d/>
     <dgm:txPr/>
     <dgm:style>
-      <a:lnRef idx="0">
+      <a:lnRef idx="1">
         <a:scrgbClr r="0" g="0" b="0"/>
       </a:lnRef>
       <a:fillRef idx="1">
         <a:scrgbClr r="0" g="0" b="0"/>
       </a:fillRef>
-      <a:effectRef idx="0">
+      <a:effectRef idx="2">
         <a:scrgbClr r="0" g="0" b="0"/>
       </a:effectRef>
       <a:fontRef idx="minor"/>
@@ -4779,20 +5702,16 @@
       <a:camera prst="orthographicFront"/>
       <a:lightRig rig="threePt" dir="t"/>
     </dgm:scene3d>
-    <dgm:sp3d extrusionH="381000" contourW="38100" prstMaterial="matte">
-      <a:contourClr>
-        <a:schemeClr val="lt1"/>
-      </a:contourClr>
-    </dgm:sp3d>
+    <dgm:sp3d/>
     <dgm:txPr/>
     <dgm:style>
-      <a:lnRef idx="0">
+      <a:lnRef idx="1">
         <a:scrgbClr r="0" g="0" b="0"/>
       </a:lnRef>
       <a:fillRef idx="1">
         <a:scrgbClr r="0" g="0" b="0"/>
       </a:fillRef>
-      <a:effectRef idx="0">
+      <a:effectRef idx="2">
         <a:scrgbClr r="0" g="0" b="0"/>
       </a:effectRef>
       <a:fontRef idx="minor"/>
@@ -4803,14 +5722,10 @@
       <a:camera prst="orthographicFront"/>
       <a:lightRig rig="threePt" dir="t"/>
     </dgm:scene3d>
-    <dgm:sp3d z="-400500" extrusionH="63500" contourW="12700" prstMaterial="matte">
-      <a:contourClr>
-        <a:schemeClr val="lt1"/>
-      </a:contourClr>
-    </dgm:sp3d>
+    <dgm:sp3d/>
     <dgm:txPr/>
     <dgm:style>
-      <a:lnRef idx="0">
+      <a:lnRef idx="1">
         <a:scrgbClr r="0" g="0" b="0"/>
       </a:lnRef>
       <a:fillRef idx="1">
@@ -4827,7 +5742,7 @@
       <a:camera prst="orthographicFront"/>
       <a:lightRig rig="threePt" dir="t"/>
     </dgm:scene3d>
-    <dgm:sp3d z="57150" extrusionH="63500" prstMaterial="matte"/>
+    <dgm:sp3d/>
     <dgm:txPr/>
     <dgm:style>
       <a:lnRef idx="1">
@@ -4836,7 +5751,7 @@
       <a:fillRef idx="1">
         <a:scrgbClr r="0" g="0" b="0"/>
       </a:fillRef>
-      <a:effectRef idx="0">
+      <a:effectRef idx="2">
         <a:scrgbClr r="0" g="0" b="0"/>
       </a:effectRef>
       <a:fontRef idx="minor"/>
@@ -4847,7 +5762,7 @@
       <a:camera prst="orthographicFront"/>
       <a:lightRig rig="threePt" dir="t"/>
     </dgm:scene3d>
-    <dgm:sp3d z="57150" extrusionH="63500" prstMaterial="matte"/>
+    <dgm:sp3d/>
     <dgm:txPr/>
     <dgm:style>
       <a:lnRef idx="1">
@@ -4856,7 +5771,7 @@
       <a:fillRef idx="1">
         <a:scrgbClr r="0" g="0" b="0"/>
       </a:fillRef>
-      <a:effectRef idx="0">
+      <a:effectRef idx="2">
         <a:scrgbClr r="0" g="0" b="0"/>
       </a:effectRef>
       <a:fontRef idx="minor"/>
@@ -4867,7 +5782,7 @@
       <a:camera prst="orthographicFront"/>
       <a:lightRig rig="threePt" dir="t"/>
     </dgm:scene3d>
-    <dgm:sp3d z="57150" extrusionH="63500" prstMaterial="matte"/>
+    <dgm:sp3d/>
     <dgm:txPr/>
     <dgm:style>
       <a:lnRef idx="1">
@@ -4876,7 +5791,7 @@
       <a:fillRef idx="1">
         <a:scrgbClr r="0" g="0" b="0"/>
       </a:fillRef>
-      <a:effectRef idx="0">
+      <a:effectRef idx="2">
         <a:scrgbClr r="0" g="0" b="0"/>
       </a:effectRef>
       <a:fontRef idx="minor"/>
@@ -4887,7 +5802,7 @@
       <a:camera prst="orthographicFront"/>
       <a:lightRig rig="threePt" dir="t"/>
     </dgm:scene3d>
-    <dgm:sp3d z="57150" extrusionH="63500" prstMaterial="matte"/>
+    <dgm:sp3d/>
     <dgm:txPr/>
     <dgm:style>
       <a:lnRef idx="1">
@@ -4896,7 +5811,7 @@
       <a:fillRef idx="1">
         <a:scrgbClr r="0" g="0" b="0"/>
       </a:fillRef>
-      <a:effectRef idx="0">
+      <a:effectRef idx="2">
         <a:scrgbClr r="0" g="0" b="0"/>
       </a:effectRef>
       <a:fontRef idx="minor"/>
@@ -4907,13 +5822,7 @@
       <a:camera prst="orthographicFront"/>
       <a:lightRig rig="threePt" dir="t"/>
     </dgm:scene3d>
-    <dgm:sp3d z="-400500" extrusionH="63500" contourW="12700" prstMaterial="matte">
-      <a:contourClr>
-        <a:schemeClr val="lt1">
-          <a:tint val="50000"/>
-        </a:schemeClr>
-      </a:contourClr>
-    </dgm:sp3d>
+    <dgm:sp3d/>
     <dgm:txPr/>
     <dgm:style>
       <a:lnRef idx="0">
@@ -4922,7 +5831,7 @@
       <a:fillRef idx="1">
         <a:scrgbClr r="0" g="0" b="0"/>
       </a:fillRef>
-      <a:effectRef idx="0">
+      <a:effectRef idx="2">
         <a:scrgbClr r="0" g="0" b="0"/>
       </a:effectRef>
       <a:fontRef idx="minor"/>
@@ -4933,11 +5842,7 @@
       <a:camera prst="orthographicFront"/>
       <a:lightRig rig="threePt" dir="t"/>
     </dgm:scene3d>
-    <dgm:sp3d extrusionH="381000" contourW="38100" prstMaterial="matte">
-      <a:contourClr>
-        <a:schemeClr val="lt1"/>
-      </a:contourClr>
-    </dgm:sp3d>
+    <dgm:sp3d/>
     <dgm:txPr/>
     <dgm:style>
       <a:lnRef idx="0">
@@ -4946,12 +5851,10 @@
       <a:fillRef idx="1">
         <a:scrgbClr r="0" g="0" b="0"/>
       </a:fillRef>
-      <a:effectRef idx="0">
+      <a:effectRef idx="3">
         <a:scrgbClr r="0" g="0" b="0"/>
       </a:effectRef>
-      <a:fontRef idx="minor">
-        <a:schemeClr val="lt1"/>
-      </a:fontRef>
+      <a:fontRef idx="minor"/>
     </dgm:style>
   </dgm:styleLbl>
   <dgm:styleLbl name="trBgShp">
@@ -4959,7 +5862,7 @@
       <a:camera prst="orthographicFront"/>
       <a:lightRig rig="threePt" dir="t"/>
     </dgm:scene3d>
-    <dgm:sp3d z="-400500" prstMaterial="matte"/>
+    <dgm:sp3d/>
     <dgm:txPr/>
     <dgm:style>
       <a:lnRef idx="0">
@@ -4979,22 +5882,16 @@
       <a:camera prst="orthographicFront"/>
       <a:lightRig rig="threePt" dir="t"/>
     </dgm:scene3d>
-    <dgm:sp3d z="57150" extrusionH="63500" contourW="12700" prstMaterial="matte">
-      <a:contourClr>
-        <a:schemeClr val="lt1">
-          <a:tint val="50000"/>
-        </a:schemeClr>
-      </a:contourClr>
-    </dgm:sp3d>
+    <dgm:sp3d/>
     <dgm:txPr/>
     <dgm:style>
       <a:lnRef idx="0">
         <a:scrgbClr r="0" g="0" b="0"/>
       </a:lnRef>
-      <a:fillRef idx="1">
+      <a:fillRef idx="3">
         <a:scrgbClr r="0" g="0" b="0"/>
       </a:fillRef>
-      <a:effectRef idx="0">
+      <a:effectRef idx="3">
         <a:scrgbClr r="0" g="0" b="0"/>
       </a:effectRef>
       <a:fontRef idx="minor"/>
@@ -5204,6 +6101,7 @@
           <a:p>
             <a:fld id="{53492E42-1DAA-4B7B-ACC8-B2BD9B3F5431}" type="datetimeFigureOut">
               <a:rPr lang="en-US" smtClean="0"/>
+              <a:pPr/>
               <a:t>8/4/2018</a:t>
             </a:fld>
             <a:endParaRPr lang="en-IN"/>
@@ -5246,6 +6144,7 @@
           <a:p>
             <a:fld id="{13AA3DCC-F545-43F9-B28C-EC1E9DCE1726}" type="slidenum">
               <a:rPr lang="en-IN" smtClean="0"/>
+              <a:pPr/>
               <a:t>‹#›</a:t>
             </a:fld>
             <a:endParaRPr lang="en-IN"/>
@@ -5369,6 +6268,7 @@
           <a:p>
             <a:fld id="{53492E42-1DAA-4B7B-ACC8-B2BD9B3F5431}" type="datetimeFigureOut">
               <a:rPr lang="en-US" smtClean="0"/>
+              <a:pPr/>
               <a:t>8/4/2018</a:t>
             </a:fld>
             <a:endParaRPr lang="en-IN"/>
@@ -5411,6 +6311,7 @@
           <a:p>
             <a:fld id="{13AA3DCC-F545-43F9-B28C-EC1E9DCE1726}" type="slidenum">
               <a:rPr lang="en-IN" smtClean="0"/>
+              <a:pPr/>
               <a:t>‹#›</a:t>
             </a:fld>
             <a:endParaRPr lang="en-IN"/>
@@ -5544,6 +6445,7 @@
           <a:p>
             <a:fld id="{53492E42-1DAA-4B7B-ACC8-B2BD9B3F5431}" type="datetimeFigureOut">
               <a:rPr lang="en-US" smtClean="0"/>
+              <a:pPr/>
               <a:t>8/4/2018</a:t>
             </a:fld>
             <a:endParaRPr lang="en-IN"/>
@@ -5586,6 +6488,7 @@
           <a:p>
             <a:fld id="{13AA3DCC-F545-43F9-B28C-EC1E9DCE1726}" type="slidenum">
               <a:rPr lang="en-IN" smtClean="0"/>
+              <a:pPr/>
               <a:t>‹#›</a:t>
             </a:fld>
             <a:endParaRPr lang="en-IN"/>
@@ -5709,6 +6612,7 @@
           <a:p>
             <a:fld id="{53492E42-1DAA-4B7B-ACC8-B2BD9B3F5431}" type="datetimeFigureOut">
               <a:rPr lang="en-US" smtClean="0"/>
+              <a:pPr/>
               <a:t>8/4/2018</a:t>
             </a:fld>
             <a:endParaRPr lang="en-IN"/>
@@ -5751,6 +6655,7 @@
           <a:p>
             <a:fld id="{13AA3DCC-F545-43F9-B28C-EC1E9DCE1726}" type="slidenum">
               <a:rPr lang="en-IN" smtClean="0"/>
+              <a:pPr/>
               <a:t>‹#›</a:t>
             </a:fld>
             <a:endParaRPr lang="en-IN"/>
@@ -5950,6 +6855,7 @@
           <a:p>
             <a:fld id="{53492E42-1DAA-4B7B-ACC8-B2BD9B3F5431}" type="datetimeFigureOut">
               <a:rPr lang="en-US" smtClean="0"/>
+              <a:pPr/>
               <a:t>8/4/2018</a:t>
             </a:fld>
             <a:endParaRPr lang="en-IN"/>
@@ -5992,6 +6898,7 @@
           <a:p>
             <a:fld id="{13AA3DCC-F545-43F9-B28C-EC1E9DCE1726}" type="slidenum">
               <a:rPr lang="en-IN" smtClean="0"/>
+              <a:pPr/>
               <a:t>‹#›</a:t>
             </a:fld>
             <a:endParaRPr lang="en-IN"/>
@@ -6233,6 +7140,7 @@
           <a:p>
             <a:fld id="{53492E42-1DAA-4B7B-ACC8-B2BD9B3F5431}" type="datetimeFigureOut">
               <a:rPr lang="en-US" smtClean="0"/>
+              <a:pPr/>
               <a:t>8/4/2018</a:t>
             </a:fld>
             <a:endParaRPr lang="en-IN"/>
@@ -6275,6 +7183,7 @@
           <a:p>
             <a:fld id="{13AA3DCC-F545-43F9-B28C-EC1E9DCE1726}" type="slidenum">
               <a:rPr lang="en-IN" smtClean="0"/>
+              <a:pPr/>
               <a:t>‹#›</a:t>
             </a:fld>
             <a:endParaRPr lang="en-IN"/>
@@ -6650,6 +7559,7 @@
           <a:p>
             <a:fld id="{53492E42-1DAA-4B7B-ACC8-B2BD9B3F5431}" type="datetimeFigureOut">
               <a:rPr lang="en-US" smtClean="0"/>
+              <a:pPr/>
               <a:t>8/4/2018</a:t>
             </a:fld>
             <a:endParaRPr lang="en-IN"/>
@@ -6692,6 +7602,7 @@
           <a:p>
             <a:fld id="{13AA3DCC-F545-43F9-B28C-EC1E9DCE1726}" type="slidenum">
               <a:rPr lang="en-IN" smtClean="0"/>
+              <a:pPr/>
               <a:t>‹#›</a:t>
             </a:fld>
             <a:endParaRPr lang="en-IN"/>
@@ -6763,6 +7674,7 @@
           <a:p>
             <a:fld id="{53492E42-1DAA-4B7B-ACC8-B2BD9B3F5431}" type="datetimeFigureOut">
               <a:rPr lang="en-US" smtClean="0"/>
+              <a:pPr/>
               <a:t>8/4/2018</a:t>
             </a:fld>
             <a:endParaRPr lang="en-IN"/>
@@ -6805,6 +7717,7 @@
           <a:p>
             <a:fld id="{13AA3DCC-F545-43F9-B28C-EC1E9DCE1726}" type="slidenum">
               <a:rPr lang="en-IN" smtClean="0"/>
+              <a:pPr/>
               <a:t>‹#›</a:t>
             </a:fld>
             <a:endParaRPr lang="en-IN"/>
@@ -6853,6 +7766,7 @@
           <a:p>
             <a:fld id="{53492E42-1DAA-4B7B-ACC8-B2BD9B3F5431}" type="datetimeFigureOut">
               <a:rPr lang="en-US" smtClean="0"/>
+              <a:pPr/>
               <a:t>8/4/2018</a:t>
             </a:fld>
             <a:endParaRPr lang="en-IN"/>
@@ -6895,6 +7809,7 @@
           <a:p>
             <a:fld id="{13AA3DCC-F545-43F9-B28C-EC1E9DCE1726}" type="slidenum">
               <a:rPr lang="en-IN" smtClean="0"/>
+              <a:pPr/>
               <a:t>‹#›</a:t>
             </a:fld>
             <a:endParaRPr lang="en-IN"/>
@@ -7125,6 +8040,7 @@
           <a:p>
             <a:fld id="{53492E42-1DAA-4B7B-ACC8-B2BD9B3F5431}" type="datetimeFigureOut">
               <a:rPr lang="en-US" smtClean="0"/>
+              <a:pPr/>
               <a:t>8/4/2018</a:t>
             </a:fld>
             <a:endParaRPr lang="en-IN"/>
@@ -7167,6 +8083,7 @@
           <a:p>
             <a:fld id="{13AA3DCC-F545-43F9-B28C-EC1E9DCE1726}" type="slidenum">
               <a:rPr lang="en-IN" smtClean="0"/>
+              <a:pPr/>
               <a:t>‹#›</a:t>
             </a:fld>
             <a:endParaRPr lang="en-IN"/>
@@ -7373,6 +8290,7 @@
           <a:p>
             <a:fld id="{53492E42-1DAA-4B7B-ACC8-B2BD9B3F5431}" type="datetimeFigureOut">
               <a:rPr lang="en-US" smtClean="0"/>
+              <a:pPr/>
               <a:t>8/4/2018</a:t>
             </a:fld>
             <a:endParaRPr lang="en-IN"/>
@@ -7415,6 +8333,7 @@
           <a:p>
             <a:fld id="{13AA3DCC-F545-43F9-B28C-EC1E9DCE1726}" type="slidenum">
               <a:rPr lang="en-IN" smtClean="0"/>
+              <a:pPr/>
               <a:t>‹#›</a:t>
             </a:fld>
             <a:endParaRPr lang="en-IN"/>
@@ -7581,6 +8500,7 @@
           <a:p>
             <a:fld id="{53492E42-1DAA-4B7B-ACC8-B2BD9B3F5431}" type="datetimeFigureOut">
               <a:rPr lang="en-US" smtClean="0"/>
+              <a:pPr/>
               <a:t>8/4/2018</a:t>
             </a:fld>
             <a:endParaRPr lang="en-IN"/>
@@ -7659,6 +8579,7 @@
           <a:p>
             <a:fld id="{13AA3DCC-F545-43F9-B28C-EC1E9DCE1726}" type="slidenum">
               <a:rPr lang="en-IN" smtClean="0"/>
+              <a:pPr/>
               <a:t>‹#›</a:t>
             </a:fld>
             <a:endParaRPr lang="en-IN"/>
@@ -7972,6 +8893,2004 @@
   <p:clrMapOvr>
     <a:masterClrMapping/>
   </p:clrMapOvr>
+  <p:timing>
+    <p:tnLst>
+      <p:par>
+        <p:cTn id="1" dur="indefinite" restart="never" nodeType="tmRoot">
+          <p:childTnLst>
+            <p:seq concurrent="1" nextAc="seek">
+              <p:cTn id="2" dur="indefinite" nodeType="mainSeq">
+                <p:childTnLst>
+                  <p:par>
+                    <p:cTn id="3" fill="hold">
+                      <p:stCondLst>
+                        <p:cond delay="indefinite"/>
+                      </p:stCondLst>
+                      <p:childTnLst>
+                        <p:par>
+                          <p:cTn id="4" fill="hold">
+                            <p:stCondLst>
+                              <p:cond delay="0"/>
+                            </p:stCondLst>
+                            <p:childTnLst>
+                              <p:par>
+                                <p:cTn id="5" presetID="10" presetClass="entr" presetSubtype="0" fill="hold" grpId="0" nodeType="clickEffect">
+                                  <p:stCondLst>
+                                    <p:cond delay="0"/>
+                                  </p:stCondLst>
+                                  <p:childTnLst>
+                                    <p:set>
+                                      <p:cBhvr>
+                                        <p:cTn id="6" dur="1" fill="hold">
+                                          <p:stCondLst>
+                                            <p:cond delay="0"/>
+                                          </p:stCondLst>
+                                        </p:cTn>
+                                        <p:tgtEl>
+                                          <p:spTgt spid="4">
+                                            <p:graphicEl>
+                                              <a:dgm id="{C62192D6-5420-4789-BF09-5CDEBC920BB8}"/>
+                                            </p:graphicEl>
+                                          </p:spTgt>
+                                        </p:tgtEl>
+                                        <p:attrNameLst>
+                                          <p:attrName>style.visibility</p:attrName>
+                                        </p:attrNameLst>
+                                      </p:cBhvr>
+                                      <p:to>
+                                        <p:strVal val="visible"/>
+                                      </p:to>
+                                    </p:set>
+                                    <p:animEffect transition="in" filter="fade">
+                                      <p:cBhvr>
+                                        <p:cTn id="7" dur="1000"/>
+                                        <p:tgtEl>
+                                          <p:spTgt spid="4">
+                                            <p:graphicEl>
+                                              <a:dgm id="{C62192D6-5420-4789-BF09-5CDEBC920BB8}"/>
+                                            </p:graphicEl>
+                                          </p:spTgt>
+                                        </p:tgtEl>
+                                      </p:cBhvr>
+                                    </p:animEffect>
+                                  </p:childTnLst>
+                                </p:cTn>
+                              </p:par>
+                            </p:childTnLst>
+                          </p:cTn>
+                        </p:par>
+                        <p:par>
+                          <p:cTn id="8" fill="hold">
+                            <p:stCondLst>
+                              <p:cond delay="1000"/>
+                            </p:stCondLst>
+                            <p:childTnLst>
+                              <p:par>
+                                <p:cTn id="9" presetID="10" presetClass="entr" presetSubtype="0" fill="hold" grpId="0" nodeType="afterEffect">
+                                  <p:stCondLst>
+                                    <p:cond delay="0"/>
+                                  </p:stCondLst>
+                                  <p:childTnLst>
+                                    <p:set>
+                                      <p:cBhvr>
+                                        <p:cTn id="10" dur="1" fill="hold">
+                                          <p:stCondLst>
+                                            <p:cond delay="0"/>
+                                          </p:stCondLst>
+                                        </p:cTn>
+                                        <p:tgtEl>
+                                          <p:spTgt spid="4">
+                                            <p:graphicEl>
+                                              <a:dgm id="{8DB73682-E5AC-470E-8C11-B627E9570F6B}"/>
+                                            </p:graphicEl>
+                                          </p:spTgt>
+                                        </p:tgtEl>
+                                        <p:attrNameLst>
+                                          <p:attrName>style.visibility</p:attrName>
+                                        </p:attrNameLst>
+                                      </p:cBhvr>
+                                      <p:to>
+                                        <p:strVal val="visible"/>
+                                      </p:to>
+                                    </p:set>
+                                    <p:animEffect transition="in" filter="fade">
+                                      <p:cBhvr>
+                                        <p:cTn id="11" dur="1000"/>
+                                        <p:tgtEl>
+                                          <p:spTgt spid="4">
+                                            <p:graphicEl>
+                                              <a:dgm id="{8DB73682-E5AC-470E-8C11-B627E9570F6B}"/>
+                                            </p:graphicEl>
+                                          </p:spTgt>
+                                        </p:tgtEl>
+                                      </p:cBhvr>
+                                    </p:animEffect>
+                                  </p:childTnLst>
+                                </p:cTn>
+                              </p:par>
+                              <p:par>
+                                <p:cTn id="12" presetID="10" presetClass="entr" presetSubtype="0" fill="hold" grpId="0" nodeType="withEffect">
+                                  <p:stCondLst>
+                                    <p:cond delay="0"/>
+                                  </p:stCondLst>
+                                  <p:childTnLst>
+                                    <p:set>
+                                      <p:cBhvr>
+                                        <p:cTn id="13" dur="1" fill="hold">
+                                          <p:stCondLst>
+                                            <p:cond delay="0"/>
+                                          </p:stCondLst>
+                                        </p:cTn>
+                                        <p:tgtEl>
+                                          <p:spTgt spid="4">
+                                            <p:graphicEl>
+                                              <a:dgm id="{4FAD18DB-5074-4695-ABA0-9DB8639B8B99}"/>
+                                            </p:graphicEl>
+                                          </p:spTgt>
+                                        </p:tgtEl>
+                                        <p:attrNameLst>
+                                          <p:attrName>style.visibility</p:attrName>
+                                        </p:attrNameLst>
+                                      </p:cBhvr>
+                                      <p:to>
+                                        <p:strVal val="visible"/>
+                                      </p:to>
+                                    </p:set>
+                                    <p:animEffect transition="in" filter="fade">
+                                      <p:cBhvr>
+                                        <p:cTn id="14" dur="1000"/>
+                                        <p:tgtEl>
+                                          <p:spTgt spid="4">
+                                            <p:graphicEl>
+                                              <a:dgm id="{4FAD18DB-5074-4695-ABA0-9DB8639B8B99}"/>
+                                            </p:graphicEl>
+                                          </p:spTgt>
+                                        </p:tgtEl>
+                                      </p:cBhvr>
+                                    </p:animEffect>
+                                  </p:childTnLst>
+                                </p:cTn>
+                              </p:par>
+                            </p:childTnLst>
+                          </p:cTn>
+                        </p:par>
+                        <p:par>
+                          <p:cTn id="15" fill="hold">
+                            <p:stCondLst>
+                              <p:cond delay="2000"/>
+                            </p:stCondLst>
+                            <p:childTnLst>
+                              <p:par>
+                                <p:cTn id="16" presetID="10" presetClass="entr" presetSubtype="0" fill="hold" grpId="0" nodeType="afterEffect">
+                                  <p:stCondLst>
+                                    <p:cond delay="0"/>
+                                  </p:stCondLst>
+                                  <p:childTnLst>
+                                    <p:set>
+                                      <p:cBhvr>
+                                        <p:cTn id="17" dur="1" fill="hold">
+                                          <p:stCondLst>
+                                            <p:cond delay="0"/>
+                                          </p:stCondLst>
+                                        </p:cTn>
+                                        <p:tgtEl>
+                                          <p:spTgt spid="4">
+                                            <p:graphicEl>
+                                              <a:dgm id="{D8AF2226-FA61-4DAC-89C4-CCE33B998FED}"/>
+                                            </p:graphicEl>
+                                          </p:spTgt>
+                                        </p:tgtEl>
+                                        <p:attrNameLst>
+                                          <p:attrName>style.visibility</p:attrName>
+                                        </p:attrNameLst>
+                                      </p:cBhvr>
+                                      <p:to>
+                                        <p:strVal val="visible"/>
+                                      </p:to>
+                                    </p:set>
+                                    <p:animEffect transition="in" filter="fade">
+                                      <p:cBhvr>
+                                        <p:cTn id="18" dur="1000"/>
+                                        <p:tgtEl>
+                                          <p:spTgt spid="4">
+                                            <p:graphicEl>
+                                              <a:dgm id="{D8AF2226-FA61-4DAC-89C4-CCE33B998FED}"/>
+                                            </p:graphicEl>
+                                          </p:spTgt>
+                                        </p:tgtEl>
+                                      </p:cBhvr>
+                                    </p:animEffect>
+                                  </p:childTnLst>
+                                </p:cTn>
+                              </p:par>
+                              <p:par>
+                                <p:cTn id="19" presetID="10" presetClass="entr" presetSubtype="0" fill="hold" grpId="0" nodeType="withEffect">
+                                  <p:stCondLst>
+                                    <p:cond delay="0"/>
+                                  </p:stCondLst>
+                                  <p:childTnLst>
+                                    <p:set>
+                                      <p:cBhvr>
+                                        <p:cTn id="20" dur="1" fill="hold">
+                                          <p:stCondLst>
+                                            <p:cond delay="0"/>
+                                          </p:stCondLst>
+                                        </p:cTn>
+                                        <p:tgtEl>
+                                          <p:spTgt spid="4">
+                                            <p:graphicEl>
+                                              <a:dgm id="{0BC8053C-FFB2-45D9-AABA-9FB695233B05}"/>
+                                            </p:graphicEl>
+                                          </p:spTgt>
+                                        </p:tgtEl>
+                                        <p:attrNameLst>
+                                          <p:attrName>style.visibility</p:attrName>
+                                        </p:attrNameLst>
+                                      </p:cBhvr>
+                                      <p:to>
+                                        <p:strVal val="visible"/>
+                                      </p:to>
+                                    </p:set>
+                                    <p:animEffect transition="in" filter="fade">
+                                      <p:cBhvr>
+                                        <p:cTn id="21" dur="1000"/>
+                                        <p:tgtEl>
+                                          <p:spTgt spid="4">
+                                            <p:graphicEl>
+                                              <a:dgm id="{0BC8053C-FFB2-45D9-AABA-9FB695233B05}"/>
+                                            </p:graphicEl>
+                                          </p:spTgt>
+                                        </p:tgtEl>
+                                      </p:cBhvr>
+                                    </p:animEffect>
+                                  </p:childTnLst>
+                                </p:cTn>
+                              </p:par>
+                            </p:childTnLst>
+                          </p:cTn>
+                        </p:par>
+                        <p:par>
+                          <p:cTn id="22" fill="hold">
+                            <p:stCondLst>
+                              <p:cond delay="3000"/>
+                            </p:stCondLst>
+                            <p:childTnLst>
+                              <p:par>
+                                <p:cTn id="23" presetID="10" presetClass="entr" presetSubtype="0" fill="hold" grpId="0" nodeType="afterEffect">
+                                  <p:stCondLst>
+                                    <p:cond delay="0"/>
+                                  </p:stCondLst>
+                                  <p:childTnLst>
+                                    <p:set>
+                                      <p:cBhvr>
+                                        <p:cTn id="24" dur="1" fill="hold">
+                                          <p:stCondLst>
+                                            <p:cond delay="0"/>
+                                          </p:stCondLst>
+                                        </p:cTn>
+                                        <p:tgtEl>
+                                          <p:spTgt spid="4">
+                                            <p:graphicEl>
+                                              <a:dgm id="{F7C6C2C3-B5F3-4398-91F3-16F9E3585321}"/>
+                                            </p:graphicEl>
+                                          </p:spTgt>
+                                        </p:tgtEl>
+                                        <p:attrNameLst>
+                                          <p:attrName>style.visibility</p:attrName>
+                                        </p:attrNameLst>
+                                      </p:cBhvr>
+                                      <p:to>
+                                        <p:strVal val="visible"/>
+                                      </p:to>
+                                    </p:set>
+                                    <p:animEffect transition="in" filter="fade">
+                                      <p:cBhvr>
+                                        <p:cTn id="25" dur="1000"/>
+                                        <p:tgtEl>
+                                          <p:spTgt spid="4">
+                                            <p:graphicEl>
+                                              <a:dgm id="{F7C6C2C3-B5F3-4398-91F3-16F9E3585321}"/>
+                                            </p:graphicEl>
+                                          </p:spTgt>
+                                        </p:tgtEl>
+                                      </p:cBhvr>
+                                    </p:animEffect>
+                                  </p:childTnLst>
+                                </p:cTn>
+                              </p:par>
+                              <p:par>
+                                <p:cTn id="26" presetID="10" presetClass="entr" presetSubtype="0" fill="hold" grpId="0" nodeType="withEffect">
+                                  <p:stCondLst>
+                                    <p:cond delay="0"/>
+                                  </p:stCondLst>
+                                  <p:childTnLst>
+                                    <p:set>
+                                      <p:cBhvr>
+                                        <p:cTn id="27" dur="1" fill="hold">
+                                          <p:stCondLst>
+                                            <p:cond delay="0"/>
+                                          </p:stCondLst>
+                                        </p:cTn>
+                                        <p:tgtEl>
+                                          <p:spTgt spid="4">
+                                            <p:graphicEl>
+                                              <a:dgm id="{06FDB666-FFE8-4D26-95C6-06E730B4551A}"/>
+                                            </p:graphicEl>
+                                          </p:spTgt>
+                                        </p:tgtEl>
+                                        <p:attrNameLst>
+                                          <p:attrName>style.visibility</p:attrName>
+                                        </p:attrNameLst>
+                                      </p:cBhvr>
+                                      <p:to>
+                                        <p:strVal val="visible"/>
+                                      </p:to>
+                                    </p:set>
+                                    <p:animEffect transition="in" filter="fade">
+                                      <p:cBhvr>
+                                        <p:cTn id="28" dur="1000"/>
+                                        <p:tgtEl>
+                                          <p:spTgt spid="4">
+                                            <p:graphicEl>
+                                              <a:dgm id="{06FDB666-FFE8-4D26-95C6-06E730B4551A}"/>
+                                            </p:graphicEl>
+                                          </p:spTgt>
+                                        </p:tgtEl>
+                                      </p:cBhvr>
+                                    </p:animEffect>
+                                  </p:childTnLst>
+                                </p:cTn>
+                              </p:par>
+                            </p:childTnLst>
+                          </p:cTn>
+                        </p:par>
+                        <p:par>
+                          <p:cTn id="29" fill="hold">
+                            <p:stCondLst>
+                              <p:cond delay="4000"/>
+                            </p:stCondLst>
+                            <p:childTnLst>
+                              <p:par>
+                                <p:cTn id="30" presetID="10" presetClass="entr" presetSubtype="0" fill="hold" grpId="0" nodeType="afterEffect">
+                                  <p:stCondLst>
+                                    <p:cond delay="0"/>
+                                  </p:stCondLst>
+                                  <p:childTnLst>
+                                    <p:set>
+                                      <p:cBhvr>
+                                        <p:cTn id="31" dur="1" fill="hold">
+                                          <p:stCondLst>
+                                            <p:cond delay="0"/>
+                                          </p:stCondLst>
+                                        </p:cTn>
+                                        <p:tgtEl>
+                                          <p:spTgt spid="4">
+                                            <p:graphicEl>
+                                              <a:dgm id="{34932DF9-D2F3-49E4-95AA-CD74BC0A2F01}"/>
+                                            </p:graphicEl>
+                                          </p:spTgt>
+                                        </p:tgtEl>
+                                        <p:attrNameLst>
+                                          <p:attrName>style.visibility</p:attrName>
+                                        </p:attrNameLst>
+                                      </p:cBhvr>
+                                      <p:to>
+                                        <p:strVal val="visible"/>
+                                      </p:to>
+                                    </p:set>
+                                    <p:animEffect transition="in" filter="fade">
+                                      <p:cBhvr>
+                                        <p:cTn id="32" dur="1000"/>
+                                        <p:tgtEl>
+                                          <p:spTgt spid="4">
+                                            <p:graphicEl>
+                                              <a:dgm id="{34932DF9-D2F3-49E4-95AA-CD74BC0A2F01}"/>
+                                            </p:graphicEl>
+                                          </p:spTgt>
+                                        </p:tgtEl>
+                                      </p:cBhvr>
+                                    </p:animEffect>
+                                  </p:childTnLst>
+                                </p:cTn>
+                              </p:par>
+                              <p:par>
+                                <p:cTn id="33" presetID="10" presetClass="entr" presetSubtype="0" fill="hold" grpId="0" nodeType="withEffect">
+                                  <p:stCondLst>
+                                    <p:cond delay="0"/>
+                                  </p:stCondLst>
+                                  <p:childTnLst>
+                                    <p:set>
+                                      <p:cBhvr>
+                                        <p:cTn id="34" dur="1" fill="hold">
+                                          <p:stCondLst>
+                                            <p:cond delay="0"/>
+                                          </p:stCondLst>
+                                        </p:cTn>
+                                        <p:tgtEl>
+                                          <p:spTgt spid="4">
+                                            <p:graphicEl>
+                                              <a:dgm id="{BA2D007C-531A-496B-BED9-7B1D36423921}"/>
+                                            </p:graphicEl>
+                                          </p:spTgt>
+                                        </p:tgtEl>
+                                        <p:attrNameLst>
+                                          <p:attrName>style.visibility</p:attrName>
+                                        </p:attrNameLst>
+                                      </p:cBhvr>
+                                      <p:to>
+                                        <p:strVal val="visible"/>
+                                      </p:to>
+                                    </p:set>
+                                    <p:animEffect transition="in" filter="fade">
+                                      <p:cBhvr>
+                                        <p:cTn id="35" dur="1000"/>
+                                        <p:tgtEl>
+                                          <p:spTgt spid="4">
+                                            <p:graphicEl>
+                                              <a:dgm id="{BA2D007C-531A-496B-BED9-7B1D36423921}"/>
+                                            </p:graphicEl>
+                                          </p:spTgt>
+                                        </p:tgtEl>
+                                      </p:cBhvr>
+                                    </p:animEffect>
+                                  </p:childTnLst>
+                                </p:cTn>
+                              </p:par>
+                            </p:childTnLst>
+                          </p:cTn>
+                        </p:par>
+                        <p:par>
+                          <p:cTn id="36" fill="hold">
+                            <p:stCondLst>
+                              <p:cond delay="5000"/>
+                            </p:stCondLst>
+                            <p:childTnLst>
+                              <p:par>
+                                <p:cTn id="37" presetID="10" presetClass="entr" presetSubtype="0" fill="hold" grpId="0" nodeType="afterEffect">
+                                  <p:stCondLst>
+                                    <p:cond delay="0"/>
+                                  </p:stCondLst>
+                                  <p:childTnLst>
+                                    <p:set>
+                                      <p:cBhvr>
+                                        <p:cTn id="38" dur="1" fill="hold">
+                                          <p:stCondLst>
+                                            <p:cond delay="0"/>
+                                          </p:stCondLst>
+                                        </p:cTn>
+                                        <p:tgtEl>
+                                          <p:spTgt spid="4">
+                                            <p:graphicEl>
+                                              <a:dgm id="{92506785-A361-40C2-9B72-2E97B90CAB54}"/>
+                                            </p:graphicEl>
+                                          </p:spTgt>
+                                        </p:tgtEl>
+                                        <p:attrNameLst>
+                                          <p:attrName>style.visibility</p:attrName>
+                                        </p:attrNameLst>
+                                      </p:cBhvr>
+                                      <p:to>
+                                        <p:strVal val="visible"/>
+                                      </p:to>
+                                    </p:set>
+                                    <p:animEffect transition="in" filter="fade">
+                                      <p:cBhvr>
+                                        <p:cTn id="39" dur="1000"/>
+                                        <p:tgtEl>
+                                          <p:spTgt spid="4">
+                                            <p:graphicEl>
+                                              <a:dgm id="{92506785-A361-40C2-9B72-2E97B90CAB54}"/>
+                                            </p:graphicEl>
+                                          </p:spTgt>
+                                        </p:tgtEl>
+                                      </p:cBhvr>
+                                    </p:animEffect>
+                                  </p:childTnLst>
+                                </p:cTn>
+                              </p:par>
+                              <p:par>
+                                <p:cTn id="40" presetID="10" presetClass="entr" presetSubtype="0" fill="hold" grpId="0" nodeType="withEffect">
+                                  <p:stCondLst>
+                                    <p:cond delay="0"/>
+                                  </p:stCondLst>
+                                  <p:childTnLst>
+                                    <p:set>
+                                      <p:cBhvr>
+                                        <p:cTn id="41" dur="1" fill="hold">
+                                          <p:stCondLst>
+                                            <p:cond delay="0"/>
+                                          </p:stCondLst>
+                                        </p:cTn>
+                                        <p:tgtEl>
+                                          <p:spTgt spid="4">
+                                            <p:graphicEl>
+                                              <a:dgm id="{B586195B-2976-4D63-B969-A04327C2B3F0}"/>
+                                            </p:graphicEl>
+                                          </p:spTgt>
+                                        </p:tgtEl>
+                                        <p:attrNameLst>
+                                          <p:attrName>style.visibility</p:attrName>
+                                        </p:attrNameLst>
+                                      </p:cBhvr>
+                                      <p:to>
+                                        <p:strVal val="visible"/>
+                                      </p:to>
+                                    </p:set>
+                                    <p:animEffect transition="in" filter="fade">
+                                      <p:cBhvr>
+                                        <p:cTn id="42" dur="1000"/>
+                                        <p:tgtEl>
+                                          <p:spTgt spid="4">
+                                            <p:graphicEl>
+                                              <a:dgm id="{B586195B-2976-4D63-B969-A04327C2B3F0}"/>
+                                            </p:graphicEl>
+                                          </p:spTgt>
+                                        </p:tgtEl>
+                                      </p:cBhvr>
+                                    </p:animEffect>
+                                  </p:childTnLst>
+                                </p:cTn>
+                              </p:par>
+                            </p:childTnLst>
+                          </p:cTn>
+                        </p:par>
+                        <p:par>
+                          <p:cTn id="43" fill="hold">
+                            <p:stCondLst>
+                              <p:cond delay="6000"/>
+                            </p:stCondLst>
+                            <p:childTnLst>
+                              <p:par>
+                                <p:cTn id="44" presetID="10" presetClass="entr" presetSubtype="0" fill="hold" grpId="0" nodeType="afterEffect">
+                                  <p:stCondLst>
+                                    <p:cond delay="0"/>
+                                  </p:stCondLst>
+                                  <p:childTnLst>
+                                    <p:set>
+                                      <p:cBhvr>
+                                        <p:cTn id="45" dur="1" fill="hold">
+                                          <p:stCondLst>
+                                            <p:cond delay="0"/>
+                                          </p:stCondLst>
+                                        </p:cTn>
+                                        <p:tgtEl>
+                                          <p:spTgt spid="4">
+                                            <p:graphicEl>
+                                              <a:dgm id="{285D5F92-2C2B-4729-AE3D-B9D65D4866F3}"/>
+                                            </p:graphicEl>
+                                          </p:spTgt>
+                                        </p:tgtEl>
+                                        <p:attrNameLst>
+                                          <p:attrName>style.visibility</p:attrName>
+                                        </p:attrNameLst>
+                                      </p:cBhvr>
+                                      <p:to>
+                                        <p:strVal val="visible"/>
+                                      </p:to>
+                                    </p:set>
+                                    <p:animEffect transition="in" filter="fade">
+                                      <p:cBhvr>
+                                        <p:cTn id="46" dur="1000"/>
+                                        <p:tgtEl>
+                                          <p:spTgt spid="4">
+                                            <p:graphicEl>
+                                              <a:dgm id="{285D5F92-2C2B-4729-AE3D-B9D65D4866F3}"/>
+                                            </p:graphicEl>
+                                          </p:spTgt>
+                                        </p:tgtEl>
+                                      </p:cBhvr>
+                                    </p:animEffect>
+                                  </p:childTnLst>
+                                </p:cTn>
+                              </p:par>
+                              <p:par>
+                                <p:cTn id="47" presetID="10" presetClass="entr" presetSubtype="0" fill="hold" grpId="0" nodeType="withEffect">
+                                  <p:stCondLst>
+                                    <p:cond delay="0"/>
+                                  </p:stCondLst>
+                                  <p:childTnLst>
+                                    <p:set>
+                                      <p:cBhvr>
+                                        <p:cTn id="48" dur="1" fill="hold">
+                                          <p:stCondLst>
+                                            <p:cond delay="0"/>
+                                          </p:stCondLst>
+                                        </p:cTn>
+                                        <p:tgtEl>
+                                          <p:spTgt spid="4">
+                                            <p:graphicEl>
+                                              <a:dgm id="{097112E5-6B00-4C8A-B3CD-EF78A41B74CE}"/>
+                                            </p:graphicEl>
+                                          </p:spTgt>
+                                        </p:tgtEl>
+                                        <p:attrNameLst>
+                                          <p:attrName>style.visibility</p:attrName>
+                                        </p:attrNameLst>
+                                      </p:cBhvr>
+                                      <p:to>
+                                        <p:strVal val="visible"/>
+                                      </p:to>
+                                    </p:set>
+                                    <p:animEffect transition="in" filter="fade">
+                                      <p:cBhvr>
+                                        <p:cTn id="49" dur="1000"/>
+                                        <p:tgtEl>
+                                          <p:spTgt spid="4">
+                                            <p:graphicEl>
+                                              <a:dgm id="{097112E5-6B00-4C8A-B3CD-EF78A41B74CE}"/>
+                                            </p:graphicEl>
+                                          </p:spTgt>
+                                        </p:tgtEl>
+                                      </p:cBhvr>
+                                    </p:animEffect>
+                                  </p:childTnLst>
+                                </p:cTn>
+                              </p:par>
+                            </p:childTnLst>
+                          </p:cTn>
+                        </p:par>
+                        <p:par>
+                          <p:cTn id="50" fill="hold">
+                            <p:stCondLst>
+                              <p:cond delay="7000"/>
+                            </p:stCondLst>
+                            <p:childTnLst>
+                              <p:par>
+                                <p:cTn id="51" presetID="10" presetClass="entr" presetSubtype="0" fill="hold" grpId="0" nodeType="afterEffect">
+                                  <p:stCondLst>
+                                    <p:cond delay="0"/>
+                                  </p:stCondLst>
+                                  <p:childTnLst>
+                                    <p:set>
+                                      <p:cBhvr>
+                                        <p:cTn id="52" dur="1" fill="hold">
+                                          <p:stCondLst>
+                                            <p:cond delay="0"/>
+                                          </p:stCondLst>
+                                        </p:cTn>
+                                        <p:tgtEl>
+                                          <p:spTgt spid="4">
+                                            <p:graphicEl>
+                                              <a:dgm id="{CCAA7799-F275-4496-A479-6DADEFC5EC35}"/>
+                                            </p:graphicEl>
+                                          </p:spTgt>
+                                        </p:tgtEl>
+                                        <p:attrNameLst>
+                                          <p:attrName>style.visibility</p:attrName>
+                                        </p:attrNameLst>
+                                      </p:cBhvr>
+                                      <p:to>
+                                        <p:strVal val="visible"/>
+                                      </p:to>
+                                    </p:set>
+                                    <p:animEffect transition="in" filter="fade">
+                                      <p:cBhvr>
+                                        <p:cTn id="53" dur="1000"/>
+                                        <p:tgtEl>
+                                          <p:spTgt spid="4">
+                                            <p:graphicEl>
+                                              <a:dgm id="{CCAA7799-F275-4496-A479-6DADEFC5EC35}"/>
+                                            </p:graphicEl>
+                                          </p:spTgt>
+                                        </p:tgtEl>
+                                      </p:cBhvr>
+                                    </p:animEffect>
+                                  </p:childTnLst>
+                                </p:cTn>
+                              </p:par>
+                              <p:par>
+                                <p:cTn id="54" presetID="10" presetClass="entr" presetSubtype="0" fill="hold" grpId="0" nodeType="withEffect">
+                                  <p:stCondLst>
+                                    <p:cond delay="0"/>
+                                  </p:stCondLst>
+                                  <p:childTnLst>
+                                    <p:set>
+                                      <p:cBhvr>
+                                        <p:cTn id="55" dur="1" fill="hold">
+                                          <p:stCondLst>
+                                            <p:cond delay="0"/>
+                                          </p:stCondLst>
+                                        </p:cTn>
+                                        <p:tgtEl>
+                                          <p:spTgt spid="4">
+                                            <p:graphicEl>
+                                              <a:dgm id="{D853971B-6427-4A06-AFCF-56D38EA35794}"/>
+                                            </p:graphicEl>
+                                          </p:spTgt>
+                                        </p:tgtEl>
+                                        <p:attrNameLst>
+                                          <p:attrName>style.visibility</p:attrName>
+                                        </p:attrNameLst>
+                                      </p:cBhvr>
+                                      <p:to>
+                                        <p:strVal val="visible"/>
+                                      </p:to>
+                                    </p:set>
+                                    <p:animEffect transition="in" filter="fade">
+                                      <p:cBhvr>
+                                        <p:cTn id="56" dur="1000"/>
+                                        <p:tgtEl>
+                                          <p:spTgt spid="4">
+                                            <p:graphicEl>
+                                              <a:dgm id="{D853971B-6427-4A06-AFCF-56D38EA35794}"/>
+                                            </p:graphicEl>
+                                          </p:spTgt>
+                                        </p:tgtEl>
+                                      </p:cBhvr>
+                                    </p:animEffect>
+                                  </p:childTnLst>
+                                </p:cTn>
+                              </p:par>
+                            </p:childTnLst>
+                          </p:cTn>
+                        </p:par>
+                        <p:par>
+                          <p:cTn id="57" fill="hold">
+                            <p:stCondLst>
+                              <p:cond delay="8000"/>
+                            </p:stCondLst>
+                            <p:childTnLst>
+                              <p:par>
+                                <p:cTn id="58" presetID="10" presetClass="entr" presetSubtype="0" fill="hold" grpId="0" nodeType="afterEffect">
+                                  <p:stCondLst>
+                                    <p:cond delay="0"/>
+                                  </p:stCondLst>
+                                  <p:childTnLst>
+                                    <p:set>
+                                      <p:cBhvr>
+                                        <p:cTn id="59" dur="1" fill="hold">
+                                          <p:stCondLst>
+                                            <p:cond delay="0"/>
+                                          </p:stCondLst>
+                                        </p:cTn>
+                                        <p:tgtEl>
+                                          <p:spTgt spid="4">
+                                            <p:graphicEl>
+                                              <a:dgm id="{E9CCF48D-94C3-453A-AD36-963518B7DE8C}"/>
+                                            </p:graphicEl>
+                                          </p:spTgt>
+                                        </p:tgtEl>
+                                        <p:attrNameLst>
+                                          <p:attrName>style.visibility</p:attrName>
+                                        </p:attrNameLst>
+                                      </p:cBhvr>
+                                      <p:to>
+                                        <p:strVal val="visible"/>
+                                      </p:to>
+                                    </p:set>
+                                    <p:animEffect transition="in" filter="fade">
+                                      <p:cBhvr>
+                                        <p:cTn id="60" dur="1000"/>
+                                        <p:tgtEl>
+                                          <p:spTgt spid="4">
+                                            <p:graphicEl>
+                                              <a:dgm id="{E9CCF48D-94C3-453A-AD36-963518B7DE8C}"/>
+                                            </p:graphicEl>
+                                          </p:spTgt>
+                                        </p:tgtEl>
+                                      </p:cBhvr>
+                                    </p:animEffect>
+                                  </p:childTnLst>
+                                </p:cTn>
+                              </p:par>
+                              <p:par>
+                                <p:cTn id="61" presetID="10" presetClass="entr" presetSubtype="0" fill="hold" grpId="0" nodeType="withEffect">
+                                  <p:stCondLst>
+                                    <p:cond delay="0"/>
+                                  </p:stCondLst>
+                                  <p:childTnLst>
+                                    <p:set>
+                                      <p:cBhvr>
+                                        <p:cTn id="62" dur="1" fill="hold">
+                                          <p:stCondLst>
+                                            <p:cond delay="0"/>
+                                          </p:stCondLst>
+                                        </p:cTn>
+                                        <p:tgtEl>
+                                          <p:spTgt spid="4">
+                                            <p:graphicEl>
+                                              <a:dgm id="{BBFA683D-8C74-4BB2-BAB5-0CC39F3F35A3}"/>
+                                            </p:graphicEl>
+                                          </p:spTgt>
+                                        </p:tgtEl>
+                                        <p:attrNameLst>
+                                          <p:attrName>style.visibility</p:attrName>
+                                        </p:attrNameLst>
+                                      </p:cBhvr>
+                                      <p:to>
+                                        <p:strVal val="visible"/>
+                                      </p:to>
+                                    </p:set>
+                                    <p:animEffect transition="in" filter="fade">
+                                      <p:cBhvr>
+                                        <p:cTn id="63" dur="1000"/>
+                                        <p:tgtEl>
+                                          <p:spTgt spid="4">
+                                            <p:graphicEl>
+                                              <a:dgm id="{BBFA683D-8C74-4BB2-BAB5-0CC39F3F35A3}"/>
+                                            </p:graphicEl>
+                                          </p:spTgt>
+                                        </p:tgtEl>
+                                      </p:cBhvr>
+                                    </p:animEffect>
+                                  </p:childTnLst>
+                                </p:cTn>
+                              </p:par>
+                            </p:childTnLst>
+                          </p:cTn>
+                        </p:par>
+                        <p:par>
+                          <p:cTn id="64" fill="hold">
+                            <p:stCondLst>
+                              <p:cond delay="9000"/>
+                            </p:stCondLst>
+                            <p:childTnLst>
+                              <p:par>
+                                <p:cTn id="65" presetID="10" presetClass="entr" presetSubtype="0" fill="hold" grpId="0" nodeType="afterEffect">
+                                  <p:stCondLst>
+                                    <p:cond delay="0"/>
+                                  </p:stCondLst>
+                                  <p:childTnLst>
+                                    <p:set>
+                                      <p:cBhvr>
+                                        <p:cTn id="66" dur="1" fill="hold">
+                                          <p:stCondLst>
+                                            <p:cond delay="0"/>
+                                          </p:stCondLst>
+                                        </p:cTn>
+                                        <p:tgtEl>
+                                          <p:spTgt spid="4">
+                                            <p:graphicEl>
+                                              <a:dgm id="{6A11937D-99F2-4DE0-A5A8-D5ED80FF407A}"/>
+                                            </p:graphicEl>
+                                          </p:spTgt>
+                                        </p:tgtEl>
+                                        <p:attrNameLst>
+                                          <p:attrName>style.visibility</p:attrName>
+                                        </p:attrNameLst>
+                                      </p:cBhvr>
+                                      <p:to>
+                                        <p:strVal val="visible"/>
+                                      </p:to>
+                                    </p:set>
+                                    <p:animEffect transition="in" filter="fade">
+                                      <p:cBhvr>
+                                        <p:cTn id="67" dur="1000"/>
+                                        <p:tgtEl>
+                                          <p:spTgt spid="4">
+                                            <p:graphicEl>
+                                              <a:dgm id="{6A11937D-99F2-4DE0-A5A8-D5ED80FF407A}"/>
+                                            </p:graphicEl>
+                                          </p:spTgt>
+                                        </p:tgtEl>
+                                      </p:cBhvr>
+                                    </p:animEffect>
+                                  </p:childTnLst>
+                                </p:cTn>
+                              </p:par>
+                              <p:par>
+                                <p:cTn id="68" presetID="10" presetClass="entr" presetSubtype="0" fill="hold" grpId="0" nodeType="withEffect">
+                                  <p:stCondLst>
+                                    <p:cond delay="0"/>
+                                  </p:stCondLst>
+                                  <p:childTnLst>
+                                    <p:set>
+                                      <p:cBhvr>
+                                        <p:cTn id="69" dur="1" fill="hold">
+                                          <p:stCondLst>
+                                            <p:cond delay="0"/>
+                                          </p:stCondLst>
+                                        </p:cTn>
+                                        <p:tgtEl>
+                                          <p:spTgt spid="4">
+                                            <p:graphicEl>
+                                              <a:dgm id="{E4703DDF-6FB2-4863-8231-F7C56E1D71E2}"/>
+                                            </p:graphicEl>
+                                          </p:spTgt>
+                                        </p:tgtEl>
+                                        <p:attrNameLst>
+                                          <p:attrName>style.visibility</p:attrName>
+                                        </p:attrNameLst>
+                                      </p:cBhvr>
+                                      <p:to>
+                                        <p:strVal val="visible"/>
+                                      </p:to>
+                                    </p:set>
+                                    <p:animEffect transition="in" filter="fade">
+                                      <p:cBhvr>
+                                        <p:cTn id="70" dur="1000"/>
+                                        <p:tgtEl>
+                                          <p:spTgt spid="4">
+                                            <p:graphicEl>
+                                              <a:dgm id="{E4703DDF-6FB2-4863-8231-F7C56E1D71E2}"/>
+                                            </p:graphicEl>
+                                          </p:spTgt>
+                                        </p:tgtEl>
+                                      </p:cBhvr>
+                                    </p:animEffect>
+                                  </p:childTnLst>
+                                </p:cTn>
+                              </p:par>
+                            </p:childTnLst>
+                          </p:cTn>
+                        </p:par>
+                        <p:par>
+                          <p:cTn id="71" fill="hold">
+                            <p:stCondLst>
+                              <p:cond delay="10000"/>
+                            </p:stCondLst>
+                            <p:childTnLst>
+                              <p:par>
+                                <p:cTn id="72" presetID="10" presetClass="entr" presetSubtype="0" fill="hold" grpId="0" nodeType="afterEffect">
+                                  <p:stCondLst>
+                                    <p:cond delay="0"/>
+                                  </p:stCondLst>
+                                  <p:childTnLst>
+                                    <p:set>
+                                      <p:cBhvr>
+                                        <p:cTn id="73" dur="1" fill="hold">
+                                          <p:stCondLst>
+                                            <p:cond delay="0"/>
+                                          </p:stCondLst>
+                                        </p:cTn>
+                                        <p:tgtEl>
+                                          <p:spTgt spid="4">
+                                            <p:graphicEl>
+                                              <a:dgm id="{1003B9DB-FB27-4614-8FB2-70EA40392E21}"/>
+                                            </p:graphicEl>
+                                          </p:spTgt>
+                                        </p:tgtEl>
+                                        <p:attrNameLst>
+                                          <p:attrName>style.visibility</p:attrName>
+                                        </p:attrNameLst>
+                                      </p:cBhvr>
+                                      <p:to>
+                                        <p:strVal val="visible"/>
+                                      </p:to>
+                                    </p:set>
+                                    <p:animEffect transition="in" filter="fade">
+                                      <p:cBhvr>
+                                        <p:cTn id="74" dur="1000"/>
+                                        <p:tgtEl>
+                                          <p:spTgt spid="4">
+                                            <p:graphicEl>
+                                              <a:dgm id="{1003B9DB-FB27-4614-8FB2-70EA40392E21}"/>
+                                            </p:graphicEl>
+                                          </p:spTgt>
+                                        </p:tgtEl>
+                                      </p:cBhvr>
+                                    </p:animEffect>
+                                  </p:childTnLst>
+                                </p:cTn>
+                              </p:par>
+                              <p:par>
+                                <p:cTn id="75" presetID="10" presetClass="entr" presetSubtype="0" fill="hold" grpId="0" nodeType="withEffect">
+                                  <p:stCondLst>
+                                    <p:cond delay="0"/>
+                                  </p:stCondLst>
+                                  <p:childTnLst>
+                                    <p:set>
+                                      <p:cBhvr>
+                                        <p:cTn id="76" dur="1" fill="hold">
+                                          <p:stCondLst>
+                                            <p:cond delay="0"/>
+                                          </p:stCondLst>
+                                        </p:cTn>
+                                        <p:tgtEl>
+                                          <p:spTgt spid="4">
+                                            <p:graphicEl>
+                                              <a:dgm id="{2020EFCE-68BA-4B19-ABB1-332294A297BE}"/>
+                                            </p:graphicEl>
+                                          </p:spTgt>
+                                        </p:tgtEl>
+                                        <p:attrNameLst>
+                                          <p:attrName>style.visibility</p:attrName>
+                                        </p:attrNameLst>
+                                      </p:cBhvr>
+                                      <p:to>
+                                        <p:strVal val="visible"/>
+                                      </p:to>
+                                    </p:set>
+                                    <p:animEffect transition="in" filter="fade">
+                                      <p:cBhvr>
+                                        <p:cTn id="77" dur="1000"/>
+                                        <p:tgtEl>
+                                          <p:spTgt spid="4">
+                                            <p:graphicEl>
+                                              <a:dgm id="{2020EFCE-68BA-4B19-ABB1-332294A297BE}"/>
+                                            </p:graphicEl>
+                                          </p:spTgt>
+                                        </p:tgtEl>
+                                      </p:cBhvr>
+                                    </p:animEffect>
+                                  </p:childTnLst>
+                                </p:cTn>
+                              </p:par>
+                            </p:childTnLst>
+                          </p:cTn>
+                        </p:par>
+                        <p:par>
+                          <p:cTn id="78" fill="hold">
+                            <p:stCondLst>
+                              <p:cond delay="11000"/>
+                            </p:stCondLst>
+                            <p:childTnLst>
+                              <p:par>
+                                <p:cTn id="79" presetID="10" presetClass="entr" presetSubtype="0" fill="hold" grpId="0" nodeType="afterEffect">
+                                  <p:stCondLst>
+                                    <p:cond delay="0"/>
+                                  </p:stCondLst>
+                                  <p:childTnLst>
+                                    <p:set>
+                                      <p:cBhvr>
+                                        <p:cTn id="80" dur="1" fill="hold">
+                                          <p:stCondLst>
+                                            <p:cond delay="0"/>
+                                          </p:stCondLst>
+                                        </p:cTn>
+                                        <p:tgtEl>
+                                          <p:spTgt spid="4">
+                                            <p:graphicEl>
+                                              <a:dgm id="{B803F061-8FE5-4597-A79E-E49A0C18B6C0}"/>
+                                            </p:graphicEl>
+                                          </p:spTgt>
+                                        </p:tgtEl>
+                                        <p:attrNameLst>
+                                          <p:attrName>style.visibility</p:attrName>
+                                        </p:attrNameLst>
+                                      </p:cBhvr>
+                                      <p:to>
+                                        <p:strVal val="visible"/>
+                                      </p:to>
+                                    </p:set>
+                                    <p:animEffect transition="in" filter="fade">
+                                      <p:cBhvr>
+                                        <p:cTn id="81" dur="1000"/>
+                                        <p:tgtEl>
+                                          <p:spTgt spid="4">
+                                            <p:graphicEl>
+                                              <a:dgm id="{B803F061-8FE5-4597-A79E-E49A0C18B6C0}"/>
+                                            </p:graphicEl>
+                                          </p:spTgt>
+                                        </p:tgtEl>
+                                      </p:cBhvr>
+                                    </p:animEffect>
+                                  </p:childTnLst>
+                                </p:cTn>
+                              </p:par>
+                              <p:par>
+                                <p:cTn id="82" presetID="10" presetClass="entr" presetSubtype="0" fill="hold" grpId="0" nodeType="withEffect">
+                                  <p:stCondLst>
+                                    <p:cond delay="0"/>
+                                  </p:stCondLst>
+                                  <p:childTnLst>
+                                    <p:set>
+                                      <p:cBhvr>
+                                        <p:cTn id="83" dur="1" fill="hold">
+                                          <p:stCondLst>
+                                            <p:cond delay="0"/>
+                                          </p:stCondLst>
+                                        </p:cTn>
+                                        <p:tgtEl>
+                                          <p:spTgt spid="4">
+                                            <p:graphicEl>
+                                              <a:dgm id="{0FD66D6D-3FA3-4441-9DF6-C5AA16F5FA50}"/>
+                                            </p:graphicEl>
+                                          </p:spTgt>
+                                        </p:tgtEl>
+                                        <p:attrNameLst>
+                                          <p:attrName>style.visibility</p:attrName>
+                                        </p:attrNameLst>
+                                      </p:cBhvr>
+                                      <p:to>
+                                        <p:strVal val="visible"/>
+                                      </p:to>
+                                    </p:set>
+                                    <p:animEffect transition="in" filter="fade">
+                                      <p:cBhvr>
+                                        <p:cTn id="84" dur="1000"/>
+                                        <p:tgtEl>
+                                          <p:spTgt spid="4">
+                                            <p:graphicEl>
+                                              <a:dgm id="{0FD66D6D-3FA3-4441-9DF6-C5AA16F5FA50}"/>
+                                            </p:graphicEl>
+                                          </p:spTgt>
+                                        </p:tgtEl>
+                                      </p:cBhvr>
+                                    </p:animEffect>
+                                  </p:childTnLst>
+                                </p:cTn>
+                              </p:par>
+                            </p:childTnLst>
+                          </p:cTn>
+                        </p:par>
+                        <p:par>
+                          <p:cTn id="85" fill="hold">
+                            <p:stCondLst>
+                              <p:cond delay="12000"/>
+                            </p:stCondLst>
+                            <p:childTnLst>
+                              <p:par>
+                                <p:cTn id="86" presetID="10" presetClass="entr" presetSubtype="0" fill="hold" grpId="0" nodeType="afterEffect">
+                                  <p:stCondLst>
+                                    <p:cond delay="0"/>
+                                  </p:stCondLst>
+                                  <p:childTnLst>
+                                    <p:set>
+                                      <p:cBhvr>
+                                        <p:cTn id="87" dur="1" fill="hold">
+                                          <p:stCondLst>
+                                            <p:cond delay="0"/>
+                                          </p:stCondLst>
+                                        </p:cTn>
+                                        <p:tgtEl>
+                                          <p:spTgt spid="4">
+                                            <p:graphicEl>
+                                              <a:dgm id="{E2FDEE27-5B1E-4DFA-B492-3A66F0EA3D9D}"/>
+                                            </p:graphicEl>
+                                          </p:spTgt>
+                                        </p:tgtEl>
+                                        <p:attrNameLst>
+                                          <p:attrName>style.visibility</p:attrName>
+                                        </p:attrNameLst>
+                                      </p:cBhvr>
+                                      <p:to>
+                                        <p:strVal val="visible"/>
+                                      </p:to>
+                                    </p:set>
+                                    <p:animEffect transition="in" filter="fade">
+                                      <p:cBhvr>
+                                        <p:cTn id="88" dur="1000"/>
+                                        <p:tgtEl>
+                                          <p:spTgt spid="4">
+                                            <p:graphicEl>
+                                              <a:dgm id="{E2FDEE27-5B1E-4DFA-B492-3A66F0EA3D9D}"/>
+                                            </p:graphicEl>
+                                          </p:spTgt>
+                                        </p:tgtEl>
+                                      </p:cBhvr>
+                                    </p:animEffect>
+                                  </p:childTnLst>
+                                </p:cTn>
+                              </p:par>
+                              <p:par>
+                                <p:cTn id="89" presetID="10" presetClass="entr" presetSubtype="0" fill="hold" grpId="0" nodeType="withEffect">
+                                  <p:stCondLst>
+                                    <p:cond delay="0"/>
+                                  </p:stCondLst>
+                                  <p:childTnLst>
+                                    <p:set>
+                                      <p:cBhvr>
+                                        <p:cTn id="90" dur="1" fill="hold">
+                                          <p:stCondLst>
+                                            <p:cond delay="0"/>
+                                          </p:stCondLst>
+                                        </p:cTn>
+                                        <p:tgtEl>
+                                          <p:spTgt spid="4">
+                                            <p:graphicEl>
+                                              <a:dgm id="{E4CB6786-CE6A-44AF-A1D0-4689A8CCE751}"/>
+                                            </p:graphicEl>
+                                          </p:spTgt>
+                                        </p:tgtEl>
+                                        <p:attrNameLst>
+                                          <p:attrName>style.visibility</p:attrName>
+                                        </p:attrNameLst>
+                                      </p:cBhvr>
+                                      <p:to>
+                                        <p:strVal val="visible"/>
+                                      </p:to>
+                                    </p:set>
+                                    <p:animEffect transition="in" filter="fade">
+                                      <p:cBhvr>
+                                        <p:cTn id="91" dur="1000"/>
+                                        <p:tgtEl>
+                                          <p:spTgt spid="4">
+                                            <p:graphicEl>
+                                              <a:dgm id="{E4CB6786-CE6A-44AF-A1D0-4689A8CCE751}"/>
+                                            </p:graphicEl>
+                                          </p:spTgt>
+                                        </p:tgtEl>
+                                      </p:cBhvr>
+                                    </p:animEffect>
+                                  </p:childTnLst>
+                                </p:cTn>
+                              </p:par>
+                            </p:childTnLst>
+                          </p:cTn>
+                        </p:par>
+                        <p:par>
+                          <p:cTn id="92" fill="hold">
+                            <p:stCondLst>
+                              <p:cond delay="13000"/>
+                            </p:stCondLst>
+                            <p:childTnLst>
+                              <p:par>
+                                <p:cTn id="93" presetID="10" presetClass="entr" presetSubtype="0" fill="hold" grpId="0" nodeType="afterEffect">
+                                  <p:stCondLst>
+                                    <p:cond delay="0"/>
+                                  </p:stCondLst>
+                                  <p:childTnLst>
+                                    <p:set>
+                                      <p:cBhvr>
+                                        <p:cTn id="94" dur="1" fill="hold">
+                                          <p:stCondLst>
+                                            <p:cond delay="0"/>
+                                          </p:stCondLst>
+                                        </p:cTn>
+                                        <p:tgtEl>
+                                          <p:spTgt spid="4">
+                                            <p:graphicEl>
+                                              <a:dgm id="{9A7DBBE6-A6F5-4C26-AD1F-36A654FC6C4D}"/>
+                                            </p:graphicEl>
+                                          </p:spTgt>
+                                        </p:tgtEl>
+                                        <p:attrNameLst>
+                                          <p:attrName>style.visibility</p:attrName>
+                                        </p:attrNameLst>
+                                      </p:cBhvr>
+                                      <p:to>
+                                        <p:strVal val="visible"/>
+                                      </p:to>
+                                    </p:set>
+                                    <p:animEffect transition="in" filter="fade">
+                                      <p:cBhvr>
+                                        <p:cTn id="95" dur="1000"/>
+                                        <p:tgtEl>
+                                          <p:spTgt spid="4">
+                                            <p:graphicEl>
+                                              <a:dgm id="{9A7DBBE6-A6F5-4C26-AD1F-36A654FC6C4D}"/>
+                                            </p:graphicEl>
+                                          </p:spTgt>
+                                        </p:tgtEl>
+                                      </p:cBhvr>
+                                    </p:animEffect>
+                                  </p:childTnLst>
+                                </p:cTn>
+                              </p:par>
+                              <p:par>
+                                <p:cTn id="96" presetID="10" presetClass="entr" presetSubtype="0" fill="hold" grpId="0" nodeType="withEffect">
+                                  <p:stCondLst>
+                                    <p:cond delay="0"/>
+                                  </p:stCondLst>
+                                  <p:childTnLst>
+                                    <p:set>
+                                      <p:cBhvr>
+                                        <p:cTn id="97" dur="1" fill="hold">
+                                          <p:stCondLst>
+                                            <p:cond delay="0"/>
+                                          </p:stCondLst>
+                                        </p:cTn>
+                                        <p:tgtEl>
+                                          <p:spTgt spid="4">
+                                            <p:graphicEl>
+                                              <a:dgm id="{4775F299-F9B5-4B80-AE3D-7B039ADBBFB8}"/>
+                                            </p:graphicEl>
+                                          </p:spTgt>
+                                        </p:tgtEl>
+                                        <p:attrNameLst>
+                                          <p:attrName>style.visibility</p:attrName>
+                                        </p:attrNameLst>
+                                      </p:cBhvr>
+                                      <p:to>
+                                        <p:strVal val="visible"/>
+                                      </p:to>
+                                    </p:set>
+                                    <p:animEffect transition="in" filter="fade">
+                                      <p:cBhvr>
+                                        <p:cTn id="98" dur="1000"/>
+                                        <p:tgtEl>
+                                          <p:spTgt spid="4">
+                                            <p:graphicEl>
+                                              <a:dgm id="{4775F299-F9B5-4B80-AE3D-7B039ADBBFB8}"/>
+                                            </p:graphicEl>
+                                          </p:spTgt>
+                                        </p:tgtEl>
+                                      </p:cBhvr>
+                                    </p:animEffect>
+                                  </p:childTnLst>
+                                </p:cTn>
+                              </p:par>
+                            </p:childTnLst>
+                          </p:cTn>
+                        </p:par>
+                        <p:par>
+                          <p:cTn id="99" fill="hold">
+                            <p:stCondLst>
+                              <p:cond delay="14000"/>
+                            </p:stCondLst>
+                            <p:childTnLst>
+                              <p:par>
+                                <p:cTn id="100" presetID="10" presetClass="entr" presetSubtype="0" fill="hold" grpId="0" nodeType="afterEffect">
+                                  <p:stCondLst>
+                                    <p:cond delay="0"/>
+                                  </p:stCondLst>
+                                  <p:childTnLst>
+                                    <p:set>
+                                      <p:cBhvr>
+                                        <p:cTn id="101" dur="1" fill="hold">
+                                          <p:stCondLst>
+                                            <p:cond delay="0"/>
+                                          </p:stCondLst>
+                                        </p:cTn>
+                                        <p:tgtEl>
+                                          <p:spTgt spid="4">
+                                            <p:graphicEl>
+                                              <a:dgm id="{ECB3358C-009B-4874-AD92-2E2BDDF5DCD0}"/>
+                                            </p:graphicEl>
+                                          </p:spTgt>
+                                        </p:tgtEl>
+                                        <p:attrNameLst>
+                                          <p:attrName>style.visibility</p:attrName>
+                                        </p:attrNameLst>
+                                      </p:cBhvr>
+                                      <p:to>
+                                        <p:strVal val="visible"/>
+                                      </p:to>
+                                    </p:set>
+                                    <p:animEffect transition="in" filter="fade">
+                                      <p:cBhvr>
+                                        <p:cTn id="102" dur="1000"/>
+                                        <p:tgtEl>
+                                          <p:spTgt spid="4">
+                                            <p:graphicEl>
+                                              <a:dgm id="{ECB3358C-009B-4874-AD92-2E2BDDF5DCD0}"/>
+                                            </p:graphicEl>
+                                          </p:spTgt>
+                                        </p:tgtEl>
+                                      </p:cBhvr>
+                                    </p:animEffect>
+                                  </p:childTnLst>
+                                </p:cTn>
+                              </p:par>
+                              <p:par>
+                                <p:cTn id="103" presetID="10" presetClass="entr" presetSubtype="0" fill="hold" grpId="0" nodeType="withEffect">
+                                  <p:stCondLst>
+                                    <p:cond delay="0"/>
+                                  </p:stCondLst>
+                                  <p:childTnLst>
+                                    <p:set>
+                                      <p:cBhvr>
+                                        <p:cTn id="104" dur="1" fill="hold">
+                                          <p:stCondLst>
+                                            <p:cond delay="0"/>
+                                          </p:stCondLst>
+                                        </p:cTn>
+                                        <p:tgtEl>
+                                          <p:spTgt spid="4">
+                                            <p:graphicEl>
+                                              <a:dgm id="{F52DAE17-5795-4B0B-8347-4C282F6E0361}"/>
+                                            </p:graphicEl>
+                                          </p:spTgt>
+                                        </p:tgtEl>
+                                        <p:attrNameLst>
+                                          <p:attrName>style.visibility</p:attrName>
+                                        </p:attrNameLst>
+                                      </p:cBhvr>
+                                      <p:to>
+                                        <p:strVal val="visible"/>
+                                      </p:to>
+                                    </p:set>
+                                    <p:animEffect transition="in" filter="fade">
+                                      <p:cBhvr>
+                                        <p:cTn id="105" dur="1000"/>
+                                        <p:tgtEl>
+                                          <p:spTgt spid="4">
+                                            <p:graphicEl>
+                                              <a:dgm id="{F52DAE17-5795-4B0B-8347-4C282F6E0361}"/>
+                                            </p:graphicEl>
+                                          </p:spTgt>
+                                        </p:tgtEl>
+                                      </p:cBhvr>
+                                    </p:animEffect>
+                                  </p:childTnLst>
+                                </p:cTn>
+                              </p:par>
+                            </p:childTnLst>
+                          </p:cTn>
+                        </p:par>
+                        <p:par>
+                          <p:cTn id="106" fill="hold">
+                            <p:stCondLst>
+                              <p:cond delay="15000"/>
+                            </p:stCondLst>
+                            <p:childTnLst>
+                              <p:par>
+                                <p:cTn id="107" presetID="10" presetClass="entr" presetSubtype="0" fill="hold" grpId="0" nodeType="afterEffect">
+                                  <p:stCondLst>
+                                    <p:cond delay="0"/>
+                                  </p:stCondLst>
+                                  <p:childTnLst>
+                                    <p:set>
+                                      <p:cBhvr>
+                                        <p:cTn id="108" dur="1" fill="hold">
+                                          <p:stCondLst>
+                                            <p:cond delay="0"/>
+                                          </p:stCondLst>
+                                        </p:cTn>
+                                        <p:tgtEl>
+                                          <p:spTgt spid="4">
+                                            <p:graphicEl>
+                                              <a:dgm id="{6B8DCE9F-890B-44D9-B72C-397107DAC59A}"/>
+                                            </p:graphicEl>
+                                          </p:spTgt>
+                                        </p:tgtEl>
+                                        <p:attrNameLst>
+                                          <p:attrName>style.visibility</p:attrName>
+                                        </p:attrNameLst>
+                                      </p:cBhvr>
+                                      <p:to>
+                                        <p:strVal val="visible"/>
+                                      </p:to>
+                                    </p:set>
+                                    <p:animEffect transition="in" filter="fade">
+                                      <p:cBhvr>
+                                        <p:cTn id="109" dur="1000"/>
+                                        <p:tgtEl>
+                                          <p:spTgt spid="4">
+                                            <p:graphicEl>
+                                              <a:dgm id="{6B8DCE9F-890B-44D9-B72C-397107DAC59A}"/>
+                                            </p:graphicEl>
+                                          </p:spTgt>
+                                        </p:tgtEl>
+                                      </p:cBhvr>
+                                    </p:animEffect>
+                                  </p:childTnLst>
+                                </p:cTn>
+                              </p:par>
+                              <p:par>
+                                <p:cTn id="110" presetID="10" presetClass="entr" presetSubtype="0" fill="hold" grpId="0" nodeType="withEffect">
+                                  <p:stCondLst>
+                                    <p:cond delay="0"/>
+                                  </p:stCondLst>
+                                  <p:childTnLst>
+                                    <p:set>
+                                      <p:cBhvr>
+                                        <p:cTn id="111" dur="1" fill="hold">
+                                          <p:stCondLst>
+                                            <p:cond delay="0"/>
+                                          </p:stCondLst>
+                                        </p:cTn>
+                                        <p:tgtEl>
+                                          <p:spTgt spid="4">
+                                            <p:graphicEl>
+                                              <a:dgm id="{C1EB4642-9079-4759-A59E-9EF6C1B1C91C}"/>
+                                            </p:graphicEl>
+                                          </p:spTgt>
+                                        </p:tgtEl>
+                                        <p:attrNameLst>
+                                          <p:attrName>style.visibility</p:attrName>
+                                        </p:attrNameLst>
+                                      </p:cBhvr>
+                                      <p:to>
+                                        <p:strVal val="visible"/>
+                                      </p:to>
+                                    </p:set>
+                                    <p:animEffect transition="in" filter="fade">
+                                      <p:cBhvr>
+                                        <p:cTn id="112" dur="1000"/>
+                                        <p:tgtEl>
+                                          <p:spTgt spid="4">
+                                            <p:graphicEl>
+                                              <a:dgm id="{C1EB4642-9079-4759-A59E-9EF6C1B1C91C}"/>
+                                            </p:graphicEl>
+                                          </p:spTgt>
+                                        </p:tgtEl>
+                                      </p:cBhvr>
+                                    </p:animEffect>
+                                  </p:childTnLst>
+                                </p:cTn>
+                              </p:par>
+                            </p:childTnLst>
+                          </p:cTn>
+                        </p:par>
+                        <p:par>
+                          <p:cTn id="113" fill="hold">
+                            <p:stCondLst>
+                              <p:cond delay="16000"/>
+                            </p:stCondLst>
+                            <p:childTnLst>
+                              <p:par>
+                                <p:cTn id="114" presetID="10" presetClass="entr" presetSubtype="0" fill="hold" grpId="0" nodeType="afterEffect">
+                                  <p:stCondLst>
+                                    <p:cond delay="0"/>
+                                  </p:stCondLst>
+                                  <p:childTnLst>
+                                    <p:set>
+                                      <p:cBhvr>
+                                        <p:cTn id="115" dur="1" fill="hold">
+                                          <p:stCondLst>
+                                            <p:cond delay="0"/>
+                                          </p:stCondLst>
+                                        </p:cTn>
+                                        <p:tgtEl>
+                                          <p:spTgt spid="4">
+                                            <p:graphicEl>
+                                              <a:dgm id="{6B020A99-A670-44F8-9C67-522E31DD353A}"/>
+                                            </p:graphicEl>
+                                          </p:spTgt>
+                                        </p:tgtEl>
+                                        <p:attrNameLst>
+                                          <p:attrName>style.visibility</p:attrName>
+                                        </p:attrNameLst>
+                                      </p:cBhvr>
+                                      <p:to>
+                                        <p:strVal val="visible"/>
+                                      </p:to>
+                                    </p:set>
+                                    <p:animEffect transition="in" filter="fade">
+                                      <p:cBhvr>
+                                        <p:cTn id="116" dur="1000"/>
+                                        <p:tgtEl>
+                                          <p:spTgt spid="4">
+                                            <p:graphicEl>
+                                              <a:dgm id="{6B020A99-A670-44F8-9C67-522E31DD353A}"/>
+                                            </p:graphicEl>
+                                          </p:spTgt>
+                                        </p:tgtEl>
+                                      </p:cBhvr>
+                                    </p:animEffect>
+                                  </p:childTnLst>
+                                </p:cTn>
+                              </p:par>
+                              <p:par>
+                                <p:cTn id="117" presetID="10" presetClass="entr" presetSubtype="0" fill="hold" grpId="0" nodeType="withEffect">
+                                  <p:stCondLst>
+                                    <p:cond delay="0"/>
+                                  </p:stCondLst>
+                                  <p:childTnLst>
+                                    <p:set>
+                                      <p:cBhvr>
+                                        <p:cTn id="118" dur="1" fill="hold">
+                                          <p:stCondLst>
+                                            <p:cond delay="0"/>
+                                          </p:stCondLst>
+                                        </p:cTn>
+                                        <p:tgtEl>
+                                          <p:spTgt spid="4">
+                                            <p:graphicEl>
+                                              <a:dgm id="{9F42E85C-870A-44F4-97D1-F5C28CE0EBB1}"/>
+                                            </p:graphicEl>
+                                          </p:spTgt>
+                                        </p:tgtEl>
+                                        <p:attrNameLst>
+                                          <p:attrName>style.visibility</p:attrName>
+                                        </p:attrNameLst>
+                                      </p:cBhvr>
+                                      <p:to>
+                                        <p:strVal val="visible"/>
+                                      </p:to>
+                                    </p:set>
+                                    <p:animEffect transition="in" filter="fade">
+                                      <p:cBhvr>
+                                        <p:cTn id="119" dur="1000"/>
+                                        <p:tgtEl>
+                                          <p:spTgt spid="4">
+                                            <p:graphicEl>
+                                              <a:dgm id="{9F42E85C-870A-44F4-97D1-F5C28CE0EBB1}"/>
+                                            </p:graphicEl>
+                                          </p:spTgt>
+                                        </p:tgtEl>
+                                      </p:cBhvr>
+                                    </p:animEffect>
+                                  </p:childTnLst>
+                                </p:cTn>
+                              </p:par>
+                            </p:childTnLst>
+                          </p:cTn>
+                        </p:par>
+                        <p:par>
+                          <p:cTn id="120" fill="hold">
+                            <p:stCondLst>
+                              <p:cond delay="17000"/>
+                            </p:stCondLst>
+                            <p:childTnLst>
+                              <p:par>
+                                <p:cTn id="121" presetID="10" presetClass="entr" presetSubtype="0" fill="hold" grpId="0" nodeType="afterEffect">
+                                  <p:stCondLst>
+                                    <p:cond delay="0"/>
+                                  </p:stCondLst>
+                                  <p:childTnLst>
+                                    <p:set>
+                                      <p:cBhvr>
+                                        <p:cTn id="122" dur="1" fill="hold">
+                                          <p:stCondLst>
+                                            <p:cond delay="0"/>
+                                          </p:stCondLst>
+                                        </p:cTn>
+                                        <p:tgtEl>
+                                          <p:spTgt spid="4">
+                                            <p:graphicEl>
+                                              <a:dgm id="{FCDDE078-AC8D-4D79-BEF3-6A6BD39E99CB}"/>
+                                            </p:graphicEl>
+                                          </p:spTgt>
+                                        </p:tgtEl>
+                                        <p:attrNameLst>
+                                          <p:attrName>style.visibility</p:attrName>
+                                        </p:attrNameLst>
+                                      </p:cBhvr>
+                                      <p:to>
+                                        <p:strVal val="visible"/>
+                                      </p:to>
+                                    </p:set>
+                                    <p:animEffect transition="in" filter="fade">
+                                      <p:cBhvr>
+                                        <p:cTn id="123" dur="1000"/>
+                                        <p:tgtEl>
+                                          <p:spTgt spid="4">
+                                            <p:graphicEl>
+                                              <a:dgm id="{FCDDE078-AC8D-4D79-BEF3-6A6BD39E99CB}"/>
+                                            </p:graphicEl>
+                                          </p:spTgt>
+                                        </p:tgtEl>
+                                      </p:cBhvr>
+                                    </p:animEffect>
+                                  </p:childTnLst>
+                                </p:cTn>
+                              </p:par>
+                              <p:par>
+                                <p:cTn id="124" presetID="10" presetClass="entr" presetSubtype="0" fill="hold" grpId="0" nodeType="withEffect">
+                                  <p:stCondLst>
+                                    <p:cond delay="0"/>
+                                  </p:stCondLst>
+                                  <p:childTnLst>
+                                    <p:set>
+                                      <p:cBhvr>
+                                        <p:cTn id="125" dur="1" fill="hold">
+                                          <p:stCondLst>
+                                            <p:cond delay="0"/>
+                                          </p:stCondLst>
+                                        </p:cTn>
+                                        <p:tgtEl>
+                                          <p:spTgt spid="4">
+                                            <p:graphicEl>
+                                              <a:dgm id="{C04B2F75-F5D9-4996-A553-9EA811A3FF10}"/>
+                                            </p:graphicEl>
+                                          </p:spTgt>
+                                        </p:tgtEl>
+                                        <p:attrNameLst>
+                                          <p:attrName>style.visibility</p:attrName>
+                                        </p:attrNameLst>
+                                      </p:cBhvr>
+                                      <p:to>
+                                        <p:strVal val="visible"/>
+                                      </p:to>
+                                    </p:set>
+                                    <p:animEffect transition="in" filter="fade">
+                                      <p:cBhvr>
+                                        <p:cTn id="126" dur="1000"/>
+                                        <p:tgtEl>
+                                          <p:spTgt spid="4">
+                                            <p:graphicEl>
+                                              <a:dgm id="{C04B2F75-F5D9-4996-A553-9EA811A3FF10}"/>
+                                            </p:graphicEl>
+                                          </p:spTgt>
+                                        </p:tgtEl>
+                                      </p:cBhvr>
+                                    </p:animEffect>
+                                  </p:childTnLst>
+                                </p:cTn>
+                              </p:par>
+                            </p:childTnLst>
+                          </p:cTn>
+                        </p:par>
+                        <p:par>
+                          <p:cTn id="127" fill="hold">
+                            <p:stCondLst>
+                              <p:cond delay="18000"/>
+                            </p:stCondLst>
+                            <p:childTnLst>
+                              <p:par>
+                                <p:cTn id="128" presetID="10" presetClass="entr" presetSubtype="0" fill="hold" grpId="0" nodeType="afterEffect">
+                                  <p:stCondLst>
+                                    <p:cond delay="0"/>
+                                  </p:stCondLst>
+                                  <p:childTnLst>
+                                    <p:set>
+                                      <p:cBhvr>
+                                        <p:cTn id="129" dur="1" fill="hold">
+                                          <p:stCondLst>
+                                            <p:cond delay="0"/>
+                                          </p:stCondLst>
+                                        </p:cTn>
+                                        <p:tgtEl>
+                                          <p:spTgt spid="4">
+                                            <p:graphicEl>
+                                              <a:dgm id="{B6E7839F-8EA9-4325-8E33-2DA26E7547A1}"/>
+                                            </p:graphicEl>
+                                          </p:spTgt>
+                                        </p:tgtEl>
+                                        <p:attrNameLst>
+                                          <p:attrName>style.visibility</p:attrName>
+                                        </p:attrNameLst>
+                                      </p:cBhvr>
+                                      <p:to>
+                                        <p:strVal val="visible"/>
+                                      </p:to>
+                                    </p:set>
+                                    <p:animEffect transition="in" filter="fade">
+                                      <p:cBhvr>
+                                        <p:cTn id="130" dur="1000"/>
+                                        <p:tgtEl>
+                                          <p:spTgt spid="4">
+                                            <p:graphicEl>
+                                              <a:dgm id="{B6E7839F-8EA9-4325-8E33-2DA26E7547A1}"/>
+                                            </p:graphicEl>
+                                          </p:spTgt>
+                                        </p:tgtEl>
+                                      </p:cBhvr>
+                                    </p:animEffect>
+                                  </p:childTnLst>
+                                </p:cTn>
+                              </p:par>
+                              <p:par>
+                                <p:cTn id="131" presetID="10" presetClass="entr" presetSubtype="0" fill="hold" grpId="0" nodeType="withEffect">
+                                  <p:stCondLst>
+                                    <p:cond delay="0"/>
+                                  </p:stCondLst>
+                                  <p:childTnLst>
+                                    <p:set>
+                                      <p:cBhvr>
+                                        <p:cTn id="132" dur="1" fill="hold">
+                                          <p:stCondLst>
+                                            <p:cond delay="0"/>
+                                          </p:stCondLst>
+                                        </p:cTn>
+                                        <p:tgtEl>
+                                          <p:spTgt spid="4">
+                                            <p:graphicEl>
+                                              <a:dgm id="{FC98869B-C9B7-4476-991B-714FA1A82A22}"/>
+                                            </p:graphicEl>
+                                          </p:spTgt>
+                                        </p:tgtEl>
+                                        <p:attrNameLst>
+                                          <p:attrName>style.visibility</p:attrName>
+                                        </p:attrNameLst>
+                                      </p:cBhvr>
+                                      <p:to>
+                                        <p:strVal val="visible"/>
+                                      </p:to>
+                                    </p:set>
+                                    <p:animEffect transition="in" filter="fade">
+                                      <p:cBhvr>
+                                        <p:cTn id="133" dur="1000"/>
+                                        <p:tgtEl>
+                                          <p:spTgt spid="4">
+                                            <p:graphicEl>
+                                              <a:dgm id="{FC98869B-C9B7-4476-991B-714FA1A82A22}"/>
+                                            </p:graphicEl>
+                                          </p:spTgt>
+                                        </p:tgtEl>
+                                      </p:cBhvr>
+                                    </p:animEffect>
+                                  </p:childTnLst>
+                                </p:cTn>
+                              </p:par>
+                            </p:childTnLst>
+                          </p:cTn>
+                        </p:par>
+                        <p:par>
+                          <p:cTn id="134" fill="hold">
+                            <p:stCondLst>
+                              <p:cond delay="19000"/>
+                            </p:stCondLst>
+                            <p:childTnLst>
+                              <p:par>
+                                <p:cTn id="135" presetID="10" presetClass="entr" presetSubtype="0" fill="hold" grpId="0" nodeType="afterEffect">
+                                  <p:stCondLst>
+                                    <p:cond delay="0"/>
+                                  </p:stCondLst>
+                                  <p:childTnLst>
+                                    <p:set>
+                                      <p:cBhvr>
+                                        <p:cTn id="136" dur="1" fill="hold">
+                                          <p:stCondLst>
+                                            <p:cond delay="0"/>
+                                          </p:stCondLst>
+                                        </p:cTn>
+                                        <p:tgtEl>
+                                          <p:spTgt spid="4">
+                                            <p:graphicEl>
+                                              <a:dgm id="{72840CAB-F435-47B8-B890-8CC93A8C0E48}"/>
+                                            </p:graphicEl>
+                                          </p:spTgt>
+                                        </p:tgtEl>
+                                        <p:attrNameLst>
+                                          <p:attrName>style.visibility</p:attrName>
+                                        </p:attrNameLst>
+                                      </p:cBhvr>
+                                      <p:to>
+                                        <p:strVal val="visible"/>
+                                      </p:to>
+                                    </p:set>
+                                    <p:animEffect transition="in" filter="fade">
+                                      <p:cBhvr>
+                                        <p:cTn id="137" dur="1000"/>
+                                        <p:tgtEl>
+                                          <p:spTgt spid="4">
+                                            <p:graphicEl>
+                                              <a:dgm id="{72840CAB-F435-47B8-B890-8CC93A8C0E48}"/>
+                                            </p:graphicEl>
+                                          </p:spTgt>
+                                        </p:tgtEl>
+                                      </p:cBhvr>
+                                    </p:animEffect>
+                                  </p:childTnLst>
+                                </p:cTn>
+                              </p:par>
+                              <p:par>
+                                <p:cTn id="138" presetID="10" presetClass="entr" presetSubtype="0" fill="hold" grpId="0" nodeType="withEffect">
+                                  <p:stCondLst>
+                                    <p:cond delay="0"/>
+                                  </p:stCondLst>
+                                  <p:childTnLst>
+                                    <p:set>
+                                      <p:cBhvr>
+                                        <p:cTn id="139" dur="1" fill="hold">
+                                          <p:stCondLst>
+                                            <p:cond delay="0"/>
+                                          </p:stCondLst>
+                                        </p:cTn>
+                                        <p:tgtEl>
+                                          <p:spTgt spid="4">
+                                            <p:graphicEl>
+                                              <a:dgm id="{FE271B0B-0B52-432D-B15E-FD5E6F22A487}"/>
+                                            </p:graphicEl>
+                                          </p:spTgt>
+                                        </p:tgtEl>
+                                        <p:attrNameLst>
+                                          <p:attrName>style.visibility</p:attrName>
+                                        </p:attrNameLst>
+                                      </p:cBhvr>
+                                      <p:to>
+                                        <p:strVal val="visible"/>
+                                      </p:to>
+                                    </p:set>
+                                    <p:animEffect transition="in" filter="fade">
+                                      <p:cBhvr>
+                                        <p:cTn id="140" dur="1000"/>
+                                        <p:tgtEl>
+                                          <p:spTgt spid="4">
+                                            <p:graphicEl>
+                                              <a:dgm id="{FE271B0B-0B52-432D-B15E-FD5E6F22A487}"/>
+                                            </p:graphicEl>
+                                          </p:spTgt>
+                                        </p:tgtEl>
+                                      </p:cBhvr>
+                                    </p:animEffect>
+                                  </p:childTnLst>
+                                </p:cTn>
+                              </p:par>
+                            </p:childTnLst>
+                          </p:cTn>
+                        </p:par>
+                        <p:par>
+                          <p:cTn id="141" fill="hold">
+                            <p:stCondLst>
+                              <p:cond delay="20000"/>
+                            </p:stCondLst>
+                            <p:childTnLst>
+                              <p:par>
+                                <p:cTn id="142" presetID="10" presetClass="entr" presetSubtype="0" fill="hold" grpId="0" nodeType="afterEffect">
+                                  <p:stCondLst>
+                                    <p:cond delay="0"/>
+                                  </p:stCondLst>
+                                  <p:childTnLst>
+                                    <p:set>
+                                      <p:cBhvr>
+                                        <p:cTn id="143" dur="1" fill="hold">
+                                          <p:stCondLst>
+                                            <p:cond delay="0"/>
+                                          </p:stCondLst>
+                                        </p:cTn>
+                                        <p:tgtEl>
+                                          <p:spTgt spid="4">
+                                            <p:graphicEl>
+                                              <a:dgm id="{9A79AF42-4ABE-4FB7-BD68-E7DBD45D7AF9}"/>
+                                            </p:graphicEl>
+                                          </p:spTgt>
+                                        </p:tgtEl>
+                                        <p:attrNameLst>
+                                          <p:attrName>style.visibility</p:attrName>
+                                        </p:attrNameLst>
+                                      </p:cBhvr>
+                                      <p:to>
+                                        <p:strVal val="visible"/>
+                                      </p:to>
+                                    </p:set>
+                                    <p:animEffect transition="in" filter="fade">
+                                      <p:cBhvr>
+                                        <p:cTn id="144" dur="1000"/>
+                                        <p:tgtEl>
+                                          <p:spTgt spid="4">
+                                            <p:graphicEl>
+                                              <a:dgm id="{9A79AF42-4ABE-4FB7-BD68-E7DBD45D7AF9}"/>
+                                            </p:graphicEl>
+                                          </p:spTgt>
+                                        </p:tgtEl>
+                                      </p:cBhvr>
+                                    </p:animEffect>
+                                  </p:childTnLst>
+                                </p:cTn>
+                              </p:par>
+                              <p:par>
+                                <p:cTn id="145" presetID="10" presetClass="entr" presetSubtype="0" fill="hold" grpId="0" nodeType="withEffect">
+                                  <p:stCondLst>
+                                    <p:cond delay="0"/>
+                                  </p:stCondLst>
+                                  <p:childTnLst>
+                                    <p:set>
+                                      <p:cBhvr>
+                                        <p:cTn id="146" dur="1" fill="hold">
+                                          <p:stCondLst>
+                                            <p:cond delay="0"/>
+                                          </p:stCondLst>
+                                        </p:cTn>
+                                        <p:tgtEl>
+                                          <p:spTgt spid="4">
+                                            <p:graphicEl>
+                                              <a:dgm id="{14EF1230-5BFB-4DFA-95C9-45FA886449F5}"/>
+                                            </p:graphicEl>
+                                          </p:spTgt>
+                                        </p:tgtEl>
+                                        <p:attrNameLst>
+                                          <p:attrName>style.visibility</p:attrName>
+                                        </p:attrNameLst>
+                                      </p:cBhvr>
+                                      <p:to>
+                                        <p:strVal val="visible"/>
+                                      </p:to>
+                                    </p:set>
+                                    <p:animEffect transition="in" filter="fade">
+                                      <p:cBhvr>
+                                        <p:cTn id="147" dur="1000"/>
+                                        <p:tgtEl>
+                                          <p:spTgt spid="4">
+                                            <p:graphicEl>
+                                              <a:dgm id="{14EF1230-5BFB-4DFA-95C9-45FA886449F5}"/>
+                                            </p:graphicEl>
+                                          </p:spTgt>
+                                        </p:tgtEl>
+                                      </p:cBhvr>
+                                    </p:animEffect>
+                                  </p:childTnLst>
+                                </p:cTn>
+                              </p:par>
+                            </p:childTnLst>
+                          </p:cTn>
+                        </p:par>
+                      </p:childTnLst>
+                    </p:cTn>
+                  </p:par>
+                </p:childTnLst>
+              </p:cTn>
+              <p:prevCondLst>
+                <p:cond evt="onPrev" delay="0">
+                  <p:tgtEl>
+                    <p:sldTgt/>
+                  </p:tgtEl>
+                </p:cond>
+              </p:prevCondLst>
+              <p:nextCondLst>
+                <p:cond evt="onNext" delay="0">
+                  <p:tgtEl>
+                    <p:sldTgt/>
+                  </p:tgtEl>
+                </p:cond>
+              </p:nextCondLst>
+            </p:seq>
+          </p:childTnLst>
+        </p:cTn>
+      </p:par>
+    </p:tnLst>
+    <p:bldLst>
+      <p:bldGraphic spid="4" grpId="0" uiExpand="1">
+        <p:bldSub>
+          <a:bldDgm bld="one"/>
+        </p:bldSub>
+      </p:bldGraphic>
+    </p:bldLst>
+  </p:timing>
 </p:sld>
 </file>
 
